--- a/Documentación/Entregables/Propuestas de solución.pptx
+++ b/Documentación/Entregables/Propuestas de solución.pptx
@@ -7,17 +7,27 @@
     <p:sldMasterId id="2147483773" r:id="rId3"/>
   </p:sldMasterIdLst>
   <p:notesMasterIdLst>
-    <p:notesMasterId r:id="rId12"/>
+    <p:notesMasterId r:id="rId22"/>
   </p:notesMasterIdLst>
   <p:sldIdLst>
     <p:sldId id="256" r:id="rId4"/>
     <p:sldId id="257" r:id="rId5"/>
     <p:sldId id="258" r:id="rId6"/>
-    <p:sldId id="259" r:id="rId7"/>
-    <p:sldId id="260" r:id="rId8"/>
-    <p:sldId id="261" r:id="rId9"/>
-    <p:sldId id="262" r:id="rId10"/>
-    <p:sldId id="263" r:id="rId11"/>
+    <p:sldId id="275" r:id="rId7"/>
+    <p:sldId id="259" r:id="rId8"/>
+    <p:sldId id="260" r:id="rId9"/>
+    <p:sldId id="261" r:id="rId10"/>
+    <p:sldId id="270" r:id="rId11"/>
+    <p:sldId id="271" r:id="rId12"/>
+    <p:sldId id="262" r:id="rId13"/>
+    <p:sldId id="263" r:id="rId14"/>
+    <p:sldId id="264" r:id="rId15"/>
+    <p:sldId id="272" r:id="rId16"/>
+    <p:sldId id="265" r:id="rId17"/>
+    <p:sldId id="266" r:id="rId18"/>
+    <p:sldId id="269" r:id="rId19"/>
+    <p:sldId id="273" r:id="rId20"/>
+    <p:sldId id="267" r:id="rId21"/>
   </p:sldIdLst>
   <p:sldSz cx="12192000" cy="6858000"/>
   <p:notesSz cx="6858000" cy="9144000"/>
@@ -173,7 +183,7 @@
             </a:lvl1pPr>
           </a:lstStyle>
           <a:p>
-            <a:endParaRPr lang="es-CR"/>
+            <a:endParaRPr lang="es-CR" dirty="0"/>
           </a:p>
         </p:txBody>
       </p:sp>
@@ -208,7 +218,7 @@
               <a:rPr lang="es-CR" smtClean="0"/>
               <a:t>25/9/2018</a:t>
             </a:fld>
-            <a:endParaRPr lang="es-CR"/>
+            <a:endParaRPr lang="es-CR" dirty="0"/>
           </a:p>
         </p:txBody>
       </p:sp>
@@ -241,7 +251,7 @@
           <a:bodyPr vert="horz" lIns="91440" tIns="45720" rIns="91440" bIns="45720" rtlCol="0" anchor="ctr"/>
           <a:lstStyle/>
           <a:p>
-            <a:endParaRPr lang="es-CR"/>
+            <a:endParaRPr lang="es-CR" dirty="0"/>
           </a:p>
         </p:txBody>
       </p:sp>
@@ -332,7 +342,7 @@
             </a:lvl1pPr>
           </a:lstStyle>
           <a:p>
-            <a:endParaRPr lang="es-CR"/>
+            <a:endParaRPr lang="es-CR" dirty="0"/>
           </a:p>
         </p:txBody>
       </p:sp>
@@ -367,7 +377,7 @@
               <a:rPr lang="es-CR" smtClean="0"/>
               <a:t>‹Nº›</a:t>
             </a:fld>
-            <a:endParaRPr lang="es-CR"/>
+            <a:endParaRPr lang="es-CR" dirty="0"/>
           </a:p>
         </p:txBody>
       </p:sp>
@@ -474,6 +484,875 @@
 </p:notesMaster>
 </file>
 
+<file path=ppt/notesSlides/notesSlide1.xml><?xml version="1.0" encoding="utf-8"?>
+<p:notes xmlns:a="http://schemas.openxmlformats.org/drawingml/2006/main" xmlns:r="http://schemas.openxmlformats.org/officeDocument/2006/relationships" xmlns:p="http://schemas.openxmlformats.org/presentationml/2006/main">
+  <p:cSld>
+    <p:spTree>
+      <p:nvGrpSpPr>
+        <p:cNvPr id="1" name=""/>
+        <p:cNvGrpSpPr/>
+        <p:nvPr/>
+      </p:nvGrpSpPr>
+      <p:grpSpPr>
+        <a:xfrm>
+          <a:off x="0" y="0"/>
+          <a:ext cx="0" cy="0"/>
+          <a:chOff x="0" y="0"/>
+          <a:chExt cx="0" cy="0"/>
+        </a:xfrm>
+      </p:grpSpPr>
+      <p:sp>
+        <p:nvSpPr>
+          <p:cNvPr id="2" name="Marcador de imagen de diapositiva 1"/>
+          <p:cNvSpPr>
+            <a:spLocks noGrp="1" noRot="1" noChangeAspect="1"/>
+          </p:cNvSpPr>
+          <p:nvPr>
+            <p:ph type="sldImg"/>
+          </p:nvPr>
+        </p:nvSpPr>
+        <p:spPr/>
+      </p:sp>
+      <p:sp>
+        <p:nvSpPr>
+          <p:cNvPr id="3" name="Marcador de notas 2"/>
+          <p:cNvSpPr>
+            <a:spLocks noGrp="1"/>
+          </p:cNvSpPr>
+          <p:nvPr>
+            <p:ph type="body" idx="1"/>
+          </p:nvPr>
+        </p:nvSpPr>
+        <p:spPr/>
+        <p:txBody>
+          <a:bodyPr/>
+          <a:lstStyle/>
+          <a:p>
+            <a:r>
+              <a:rPr lang="es-CR" dirty="0" smtClean="0"/>
+              <a:t>Tributos</a:t>
+            </a:r>
+            <a:r>
+              <a:rPr lang="es-CR" baseline="0" dirty="0" smtClean="0"/>
+              <a:t> incluye:</a:t>
+            </a:r>
+          </a:p>
+          <a:p>
+            <a:pPr marL="171450" indent="-171450">
+              <a:buFont typeface="Arial" panose="020B0604020202020204" pitchFamily="34" charset="0"/>
+              <a:buChar char="•"/>
+            </a:pPr>
+            <a:r>
+              <a:rPr lang="es-CR" baseline="0" dirty="0" smtClean="0"/>
+              <a:t>Impuestos</a:t>
+            </a:r>
+          </a:p>
+          <a:p>
+            <a:pPr marL="171450" indent="-171450">
+              <a:buFont typeface="Arial" panose="020B0604020202020204" pitchFamily="34" charset="0"/>
+              <a:buChar char="•"/>
+            </a:pPr>
+            <a:r>
+              <a:rPr lang="es-CR" baseline="0" dirty="0" smtClean="0"/>
+              <a:t>FODESAF</a:t>
+            </a:r>
+          </a:p>
+          <a:p>
+            <a:pPr marL="171450" indent="-171450">
+              <a:buFont typeface="Arial" panose="020B0604020202020204" pitchFamily="34" charset="0"/>
+              <a:buChar char="•"/>
+            </a:pPr>
+            <a:r>
+              <a:rPr lang="es-CR" baseline="0" dirty="0" smtClean="0"/>
+              <a:t>CCSS</a:t>
+            </a:r>
+          </a:p>
+          <a:p>
+            <a:pPr marL="171450" indent="-171450">
+              <a:buFont typeface="Arial" panose="020B0604020202020204" pitchFamily="34" charset="0"/>
+              <a:buChar char="•"/>
+            </a:pPr>
+            <a:r>
+              <a:rPr lang="es-CR" baseline="0" dirty="0" smtClean="0"/>
+              <a:t>Esto se verifica en línea.</a:t>
+            </a:r>
+          </a:p>
+          <a:p>
+            <a:pPr marL="171450" indent="-171450">
+              <a:buFont typeface="Arial" panose="020B0604020202020204" pitchFamily="34" charset="0"/>
+              <a:buChar char="•"/>
+            </a:pPr>
+            <a:endParaRPr lang="es-CR" dirty="0"/>
+          </a:p>
+        </p:txBody>
+      </p:sp>
+      <p:sp>
+        <p:nvSpPr>
+          <p:cNvPr id="4" name="Marcador de número de diapositiva 3"/>
+          <p:cNvSpPr>
+            <a:spLocks noGrp="1"/>
+          </p:cNvSpPr>
+          <p:nvPr>
+            <p:ph type="sldNum" sz="quarter" idx="10"/>
+          </p:nvPr>
+        </p:nvSpPr>
+        <p:spPr/>
+        <p:txBody>
+          <a:bodyPr/>
+          <a:lstStyle/>
+          <a:p>
+            <a:fld id="{A0C77C53-DE4E-4932-A908-79DD71E31B6D}" type="slidenum">
+              <a:rPr lang="es-CR" smtClean="0"/>
+              <a:t>3</a:t>
+            </a:fld>
+            <a:endParaRPr lang="es-CR" dirty="0"/>
+          </a:p>
+        </p:txBody>
+      </p:sp>
+    </p:spTree>
+    <p:extLst>
+      <p:ext uri="{BB962C8B-B14F-4D97-AF65-F5344CB8AC3E}">
+        <p14:creationId xmlns:p14="http://schemas.microsoft.com/office/powerpoint/2010/main" val="955922860"/>
+      </p:ext>
+    </p:extLst>
+  </p:cSld>
+  <p:clrMapOvr>
+    <a:masterClrMapping/>
+  </p:clrMapOvr>
+</p:notes>
+</file>
+
+<file path=ppt/notesSlides/notesSlide2.xml><?xml version="1.0" encoding="utf-8"?>
+<p:notes xmlns:a="http://schemas.openxmlformats.org/drawingml/2006/main" xmlns:r="http://schemas.openxmlformats.org/officeDocument/2006/relationships" xmlns:p="http://schemas.openxmlformats.org/presentationml/2006/main">
+  <p:cSld>
+    <p:spTree>
+      <p:nvGrpSpPr>
+        <p:cNvPr id="1" name=""/>
+        <p:cNvGrpSpPr/>
+        <p:nvPr/>
+      </p:nvGrpSpPr>
+      <p:grpSpPr>
+        <a:xfrm>
+          <a:off x="0" y="0"/>
+          <a:ext cx="0" cy="0"/>
+          <a:chOff x="0" y="0"/>
+          <a:chExt cx="0" cy="0"/>
+        </a:xfrm>
+      </p:grpSpPr>
+      <p:sp>
+        <p:nvSpPr>
+          <p:cNvPr id="2" name="Marcador de imagen de diapositiva 1"/>
+          <p:cNvSpPr>
+            <a:spLocks noGrp="1" noRot="1" noChangeAspect="1"/>
+          </p:cNvSpPr>
+          <p:nvPr>
+            <p:ph type="sldImg"/>
+          </p:nvPr>
+        </p:nvSpPr>
+        <p:spPr/>
+      </p:sp>
+      <p:sp>
+        <p:nvSpPr>
+          <p:cNvPr id="3" name="Marcador de notas 2"/>
+          <p:cNvSpPr>
+            <a:spLocks noGrp="1"/>
+          </p:cNvSpPr>
+          <p:nvPr>
+            <p:ph type="body" idx="1"/>
+          </p:nvPr>
+        </p:nvSpPr>
+        <p:spPr/>
+        <p:txBody>
+          <a:bodyPr/>
+          <a:lstStyle/>
+          <a:p>
+            <a:pPr marL="0" indent="0">
+              <a:buFont typeface="Arial" panose="020B0604020202020204" pitchFamily="34" charset="0"/>
+              <a:buNone/>
+            </a:pPr>
+            <a:r>
+              <a:rPr lang="es-CR" dirty="0" smtClean="0"/>
+              <a:t>Networking:</a:t>
+            </a:r>
+            <a:r>
+              <a:rPr lang="es-CR" baseline="0" dirty="0" smtClean="0"/>
+              <a:t> Es una estrategia para ampliar la red de contactos profesionales.</a:t>
+            </a:r>
+          </a:p>
+          <a:p>
+            <a:pPr marL="0" indent="0">
+              <a:buFont typeface="Arial" panose="020B0604020202020204" pitchFamily="34" charset="0"/>
+              <a:buNone/>
+            </a:pPr>
+            <a:endParaRPr lang="es-CR" dirty="0" smtClean="0"/>
+          </a:p>
+          <a:p>
+            <a:pPr marL="0" indent="0">
+              <a:buFont typeface="Arial" panose="020B0604020202020204" pitchFamily="34" charset="0"/>
+              <a:buNone/>
+            </a:pPr>
+            <a:r>
+              <a:rPr lang="es-CR" dirty="0" smtClean="0"/>
+              <a:t>Sectores</a:t>
+            </a:r>
+          </a:p>
+          <a:p>
+            <a:pPr marL="171450" indent="-171450">
+              <a:buFont typeface="Arial" panose="020B0604020202020204" pitchFamily="34" charset="0"/>
+              <a:buChar char="•"/>
+            </a:pPr>
+            <a:r>
+              <a:rPr lang="es-CR" dirty="0" smtClean="0"/>
+              <a:t>Salud</a:t>
+            </a:r>
+            <a:r>
+              <a:rPr lang="es-CR" baseline="0" dirty="0" smtClean="0"/>
+              <a:t> y bienestar.</a:t>
+            </a:r>
+          </a:p>
+          <a:p>
+            <a:pPr marL="171450" indent="-171450">
+              <a:buFont typeface="Arial" panose="020B0604020202020204" pitchFamily="34" charset="0"/>
+              <a:buChar char="•"/>
+            </a:pPr>
+            <a:r>
+              <a:rPr lang="es-CR" baseline="0" dirty="0" smtClean="0"/>
+              <a:t>Agroalimentario.</a:t>
+            </a:r>
+          </a:p>
+          <a:p>
+            <a:pPr marL="628650" lvl="1" indent="-171450">
+              <a:buFont typeface="Arial" panose="020B0604020202020204" pitchFamily="34" charset="0"/>
+              <a:buChar char="•"/>
+            </a:pPr>
+            <a:r>
+              <a:rPr lang="es-CR" baseline="0" dirty="0" smtClean="0"/>
+              <a:t>Nosotros caemos en la frontera 2.4: “</a:t>
+            </a:r>
+            <a:r>
+              <a:rPr lang="es-MX" sz="1200" b="0" i="0" kern="1200" dirty="0" smtClean="0">
+                <a:solidFill>
+                  <a:schemeClr val="tx1"/>
+                </a:solidFill>
+                <a:effectLst/>
+                <a:latin typeface="+mn-lt"/>
+                <a:ea typeface="+mn-ea"/>
+                <a:cs typeface="+mn-cs"/>
+              </a:rPr>
+              <a:t>Control automático aplicado a buenas prácticas productivas”. </a:t>
+            </a:r>
+            <a:endParaRPr lang="es-CR" baseline="0" dirty="0" smtClean="0"/>
+          </a:p>
+          <a:p>
+            <a:pPr marL="171450" indent="-171450">
+              <a:buFont typeface="Arial" panose="020B0604020202020204" pitchFamily="34" charset="0"/>
+              <a:buChar char="•"/>
+            </a:pPr>
+            <a:r>
+              <a:rPr lang="es-CR" baseline="0" dirty="0" smtClean="0"/>
+              <a:t>Ambiente y energía.</a:t>
+            </a:r>
+          </a:p>
+          <a:p>
+            <a:pPr marL="171450" indent="-171450">
+              <a:buFont typeface="Arial" panose="020B0604020202020204" pitchFamily="34" charset="0"/>
+              <a:buChar char="•"/>
+            </a:pPr>
+            <a:r>
+              <a:rPr lang="es-CR" baseline="0" dirty="0" smtClean="0"/>
+              <a:t>Sociedades inteligentes.</a:t>
+            </a:r>
+          </a:p>
+          <a:p>
+            <a:pPr marL="171450" indent="-171450">
+              <a:buFont typeface="Arial" panose="020B0604020202020204" pitchFamily="34" charset="0"/>
+              <a:buChar char="•"/>
+            </a:pPr>
+            <a:r>
+              <a:rPr lang="es-CR" baseline="0" dirty="0" smtClean="0"/>
+              <a:t>Hay un </a:t>
+            </a:r>
+          </a:p>
+          <a:p>
+            <a:pPr marL="0" indent="0">
+              <a:buFont typeface="Arial" panose="020B0604020202020204" pitchFamily="34" charset="0"/>
+              <a:buNone/>
+            </a:pPr>
+            <a:endParaRPr lang="es-CR" dirty="0"/>
+          </a:p>
+        </p:txBody>
+      </p:sp>
+      <p:sp>
+        <p:nvSpPr>
+          <p:cNvPr id="4" name="Marcador de número de diapositiva 3"/>
+          <p:cNvSpPr>
+            <a:spLocks noGrp="1"/>
+          </p:cNvSpPr>
+          <p:nvPr>
+            <p:ph type="sldNum" sz="quarter" idx="10"/>
+          </p:nvPr>
+        </p:nvSpPr>
+        <p:spPr/>
+        <p:txBody>
+          <a:bodyPr/>
+          <a:lstStyle/>
+          <a:p>
+            <a:fld id="{A0C77C53-DE4E-4932-A908-79DD71E31B6D}" type="slidenum">
+              <a:rPr lang="es-CR" smtClean="0"/>
+              <a:t>4</a:t>
+            </a:fld>
+            <a:endParaRPr lang="es-CR" dirty="0"/>
+          </a:p>
+        </p:txBody>
+      </p:sp>
+    </p:spTree>
+    <p:extLst>
+      <p:ext uri="{BB962C8B-B14F-4D97-AF65-F5344CB8AC3E}">
+        <p14:creationId xmlns:p14="http://schemas.microsoft.com/office/powerpoint/2010/main" val="3295243955"/>
+      </p:ext>
+    </p:extLst>
+  </p:cSld>
+  <p:clrMapOvr>
+    <a:masterClrMapping/>
+  </p:clrMapOvr>
+</p:notes>
+</file>
+
+<file path=ppt/notesSlides/notesSlide3.xml><?xml version="1.0" encoding="utf-8"?>
+<p:notes xmlns:a="http://schemas.openxmlformats.org/drawingml/2006/main" xmlns:r="http://schemas.openxmlformats.org/officeDocument/2006/relationships" xmlns:p="http://schemas.openxmlformats.org/presentationml/2006/main">
+  <p:cSld>
+    <p:spTree>
+      <p:nvGrpSpPr>
+        <p:cNvPr id="1" name=""/>
+        <p:cNvGrpSpPr/>
+        <p:nvPr/>
+      </p:nvGrpSpPr>
+      <p:grpSpPr>
+        <a:xfrm>
+          <a:off x="0" y="0"/>
+          <a:ext cx="0" cy="0"/>
+          <a:chOff x="0" y="0"/>
+          <a:chExt cx="0" cy="0"/>
+        </a:xfrm>
+      </p:grpSpPr>
+      <p:sp>
+        <p:nvSpPr>
+          <p:cNvPr id="2" name="Marcador de imagen de diapositiva 1"/>
+          <p:cNvSpPr>
+            <a:spLocks noGrp="1" noRot="1" noChangeAspect="1"/>
+          </p:cNvSpPr>
+          <p:nvPr>
+            <p:ph type="sldImg"/>
+          </p:nvPr>
+        </p:nvSpPr>
+        <p:spPr/>
+      </p:sp>
+      <p:sp>
+        <p:nvSpPr>
+          <p:cNvPr id="3" name="Marcador de notas 2"/>
+          <p:cNvSpPr>
+            <a:spLocks noGrp="1"/>
+          </p:cNvSpPr>
+          <p:nvPr>
+            <p:ph type="body" idx="1"/>
+          </p:nvPr>
+        </p:nvSpPr>
+        <p:spPr/>
+        <p:txBody>
+          <a:bodyPr/>
+          <a:lstStyle/>
+          <a:p>
+            <a:pPr marL="171450" indent="-171450">
+              <a:buFont typeface="Arial" panose="020B0604020202020204" pitchFamily="34" charset="0"/>
+              <a:buChar char="•"/>
+            </a:pPr>
+            <a:r>
+              <a:rPr lang="es-CR" dirty="0" smtClean="0"/>
+              <a:t>Hacer hincapié en</a:t>
+            </a:r>
+            <a:r>
+              <a:rPr lang="es-CR" baseline="0" dirty="0" smtClean="0"/>
+              <a:t> hacer preguntas al final de discutir cada una de las propuestas.</a:t>
+            </a:r>
+          </a:p>
+          <a:p>
+            <a:pPr marL="171450" indent="-171450">
+              <a:buFont typeface="Arial" panose="020B0604020202020204" pitchFamily="34" charset="0"/>
+              <a:buChar char="•"/>
+            </a:pPr>
+            <a:endParaRPr lang="es-CR" dirty="0"/>
+          </a:p>
+        </p:txBody>
+      </p:sp>
+      <p:sp>
+        <p:nvSpPr>
+          <p:cNvPr id="4" name="Marcador de número de diapositiva 3"/>
+          <p:cNvSpPr>
+            <a:spLocks noGrp="1"/>
+          </p:cNvSpPr>
+          <p:nvPr>
+            <p:ph type="sldNum" sz="quarter" idx="10"/>
+          </p:nvPr>
+        </p:nvSpPr>
+        <p:spPr/>
+        <p:txBody>
+          <a:bodyPr/>
+          <a:lstStyle/>
+          <a:p>
+            <a:fld id="{A0C77C53-DE4E-4932-A908-79DD71E31B6D}" type="slidenum">
+              <a:rPr lang="es-CR" smtClean="0"/>
+              <a:t>5</a:t>
+            </a:fld>
+            <a:endParaRPr lang="es-CR" dirty="0"/>
+          </a:p>
+        </p:txBody>
+      </p:sp>
+    </p:spTree>
+    <p:extLst>
+      <p:ext uri="{BB962C8B-B14F-4D97-AF65-F5344CB8AC3E}">
+        <p14:creationId xmlns:p14="http://schemas.microsoft.com/office/powerpoint/2010/main" val="2489471166"/>
+      </p:ext>
+    </p:extLst>
+  </p:cSld>
+  <p:clrMapOvr>
+    <a:masterClrMapping/>
+  </p:clrMapOvr>
+</p:notes>
+</file>
+
+<file path=ppt/notesSlides/notesSlide4.xml><?xml version="1.0" encoding="utf-8"?>
+<p:notes xmlns:a="http://schemas.openxmlformats.org/drawingml/2006/main" xmlns:r="http://schemas.openxmlformats.org/officeDocument/2006/relationships" xmlns:p="http://schemas.openxmlformats.org/presentationml/2006/main">
+  <p:cSld>
+    <p:spTree>
+      <p:nvGrpSpPr>
+        <p:cNvPr id="1" name=""/>
+        <p:cNvGrpSpPr/>
+        <p:nvPr/>
+      </p:nvGrpSpPr>
+      <p:grpSpPr>
+        <a:xfrm>
+          <a:off x="0" y="0"/>
+          <a:ext cx="0" cy="0"/>
+          <a:chOff x="0" y="0"/>
+          <a:chExt cx="0" cy="0"/>
+        </a:xfrm>
+      </p:grpSpPr>
+      <p:sp>
+        <p:nvSpPr>
+          <p:cNvPr id="2" name="Marcador de imagen de diapositiva 1"/>
+          <p:cNvSpPr>
+            <a:spLocks noGrp="1" noRot="1" noChangeAspect="1"/>
+          </p:cNvSpPr>
+          <p:nvPr>
+            <p:ph type="sldImg"/>
+          </p:nvPr>
+        </p:nvSpPr>
+        <p:spPr/>
+      </p:sp>
+      <p:sp>
+        <p:nvSpPr>
+          <p:cNvPr id="3" name="Marcador de notas 2"/>
+          <p:cNvSpPr>
+            <a:spLocks noGrp="1"/>
+          </p:cNvSpPr>
+          <p:nvPr>
+            <p:ph type="body" idx="1"/>
+          </p:nvPr>
+        </p:nvSpPr>
+        <p:spPr/>
+        <p:txBody>
+          <a:bodyPr/>
+          <a:lstStyle/>
+          <a:p>
+            <a:endParaRPr lang="es-CR" dirty="0"/>
+          </a:p>
+        </p:txBody>
+      </p:sp>
+      <p:sp>
+        <p:nvSpPr>
+          <p:cNvPr id="4" name="Marcador de número de diapositiva 3"/>
+          <p:cNvSpPr>
+            <a:spLocks noGrp="1"/>
+          </p:cNvSpPr>
+          <p:nvPr>
+            <p:ph type="sldNum" sz="quarter" idx="10"/>
+          </p:nvPr>
+        </p:nvSpPr>
+        <p:spPr/>
+        <p:txBody>
+          <a:bodyPr/>
+          <a:lstStyle/>
+          <a:p>
+            <a:fld id="{A0C77C53-DE4E-4932-A908-79DD71E31B6D}" type="slidenum">
+              <a:rPr lang="es-CR" smtClean="0"/>
+              <a:t>6</a:t>
+            </a:fld>
+            <a:endParaRPr lang="es-CR" dirty="0"/>
+          </a:p>
+        </p:txBody>
+      </p:sp>
+    </p:spTree>
+    <p:extLst>
+      <p:ext uri="{BB962C8B-B14F-4D97-AF65-F5344CB8AC3E}">
+        <p14:creationId xmlns:p14="http://schemas.microsoft.com/office/powerpoint/2010/main" val="3297734139"/>
+      </p:ext>
+    </p:extLst>
+  </p:cSld>
+  <p:clrMapOvr>
+    <a:masterClrMapping/>
+  </p:clrMapOvr>
+</p:notes>
+</file>
+
+<file path=ppt/notesSlides/notesSlide5.xml><?xml version="1.0" encoding="utf-8"?>
+<p:notes xmlns:a="http://schemas.openxmlformats.org/drawingml/2006/main" xmlns:r="http://schemas.openxmlformats.org/officeDocument/2006/relationships" xmlns:p="http://schemas.openxmlformats.org/presentationml/2006/main">
+  <p:cSld>
+    <p:spTree>
+      <p:nvGrpSpPr>
+        <p:cNvPr id="1" name=""/>
+        <p:cNvGrpSpPr/>
+        <p:nvPr/>
+      </p:nvGrpSpPr>
+      <p:grpSpPr>
+        <a:xfrm>
+          <a:off x="0" y="0"/>
+          <a:ext cx="0" cy="0"/>
+          <a:chOff x="0" y="0"/>
+          <a:chExt cx="0" cy="0"/>
+        </a:xfrm>
+      </p:grpSpPr>
+      <p:sp>
+        <p:nvSpPr>
+          <p:cNvPr id="2" name="Marcador de imagen de diapositiva 1"/>
+          <p:cNvSpPr>
+            <a:spLocks noGrp="1" noRot="1" noChangeAspect="1"/>
+          </p:cNvSpPr>
+          <p:nvPr>
+            <p:ph type="sldImg"/>
+          </p:nvPr>
+        </p:nvSpPr>
+        <p:spPr/>
+      </p:sp>
+      <p:sp>
+        <p:nvSpPr>
+          <p:cNvPr id="3" name="Marcador de notas 2"/>
+          <p:cNvSpPr>
+            <a:spLocks noGrp="1"/>
+          </p:cNvSpPr>
+          <p:nvPr>
+            <p:ph type="body" idx="1"/>
+          </p:nvPr>
+        </p:nvSpPr>
+        <p:spPr/>
+        <p:txBody>
+          <a:bodyPr/>
+          <a:lstStyle/>
+          <a:p>
+            <a:r>
+              <a:rPr lang="es-CR" dirty="0" smtClean="0"/>
+              <a:t>Justificar</a:t>
+            </a:r>
+            <a:r>
+              <a:rPr lang="es-CR" baseline="0" dirty="0" smtClean="0"/>
+              <a:t> por qué usar volumen en levadura en lugar de masa.</a:t>
+            </a:r>
+          </a:p>
+          <a:p>
+            <a:r>
+              <a:rPr lang="es-CR" baseline="0" dirty="0" smtClean="0"/>
+              <a:t>Saber defender muy bien el punto de levadura en el centro que se pueda quedar pegado.</a:t>
+            </a:r>
+          </a:p>
+          <a:p>
+            <a:r>
+              <a:rPr lang="es-CR" baseline="0" dirty="0" smtClean="0"/>
+              <a:t>Argumento que es un consumible</a:t>
+            </a:r>
+            <a:r>
+              <a:rPr lang="es-CR" baseline="0" dirty="0" smtClean="0"/>
+              <a:t>.</a:t>
+            </a:r>
+          </a:p>
+          <a:p>
+            <a:r>
+              <a:rPr lang="es-CR" baseline="0" dirty="0" smtClean="0"/>
+              <a:t>Argumento que el acero es más duro que la levadura, los implementos de cocina de acero inoxidable no se rayan fácilmente. Cuando se bate la levadura.</a:t>
+            </a:r>
+          </a:p>
+          <a:p>
+            <a:endParaRPr lang="es-CR" dirty="0"/>
+          </a:p>
+        </p:txBody>
+      </p:sp>
+      <p:sp>
+        <p:nvSpPr>
+          <p:cNvPr id="4" name="Marcador de número de diapositiva 3"/>
+          <p:cNvSpPr>
+            <a:spLocks noGrp="1"/>
+          </p:cNvSpPr>
+          <p:nvPr>
+            <p:ph type="sldNum" sz="quarter" idx="10"/>
+          </p:nvPr>
+        </p:nvSpPr>
+        <p:spPr/>
+        <p:txBody>
+          <a:bodyPr/>
+          <a:lstStyle/>
+          <a:p>
+            <a:fld id="{A0C77C53-DE4E-4932-A908-79DD71E31B6D}" type="slidenum">
+              <a:rPr lang="es-CR" smtClean="0"/>
+              <a:t>9</a:t>
+            </a:fld>
+            <a:endParaRPr lang="es-CR" dirty="0"/>
+          </a:p>
+        </p:txBody>
+      </p:sp>
+    </p:spTree>
+    <p:extLst>
+      <p:ext uri="{BB962C8B-B14F-4D97-AF65-F5344CB8AC3E}">
+        <p14:creationId xmlns:p14="http://schemas.microsoft.com/office/powerpoint/2010/main" val="2530008236"/>
+      </p:ext>
+    </p:extLst>
+  </p:cSld>
+  <p:clrMapOvr>
+    <a:masterClrMapping/>
+  </p:clrMapOvr>
+</p:notes>
+</file>
+
+<file path=ppt/notesSlides/notesSlide6.xml><?xml version="1.0" encoding="utf-8"?>
+<p:notes xmlns:a="http://schemas.openxmlformats.org/drawingml/2006/main" xmlns:r="http://schemas.openxmlformats.org/officeDocument/2006/relationships" xmlns:p="http://schemas.openxmlformats.org/presentationml/2006/main">
+  <p:cSld>
+    <p:spTree>
+      <p:nvGrpSpPr>
+        <p:cNvPr id="1" name=""/>
+        <p:cNvGrpSpPr/>
+        <p:nvPr/>
+      </p:nvGrpSpPr>
+      <p:grpSpPr>
+        <a:xfrm>
+          <a:off x="0" y="0"/>
+          <a:ext cx="0" cy="0"/>
+          <a:chOff x="0" y="0"/>
+          <a:chExt cx="0" cy="0"/>
+        </a:xfrm>
+      </p:grpSpPr>
+      <p:sp>
+        <p:nvSpPr>
+          <p:cNvPr id="2" name="Marcador de imagen de diapositiva 1"/>
+          <p:cNvSpPr>
+            <a:spLocks noGrp="1" noRot="1" noChangeAspect="1"/>
+          </p:cNvSpPr>
+          <p:nvPr>
+            <p:ph type="sldImg"/>
+          </p:nvPr>
+        </p:nvSpPr>
+        <p:spPr/>
+      </p:sp>
+      <p:sp>
+        <p:nvSpPr>
+          <p:cNvPr id="3" name="Marcador de notas 2"/>
+          <p:cNvSpPr>
+            <a:spLocks noGrp="1"/>
+          </p:cNvSpPr>
+          <p:nvPr>
+            <p:ph type="body" idx="1"/>
+          </p:nvPr>
+        </p:nvSpPr>
+        <p:spPr/>
+        <p:txBody>
+          <a:bodyPr/>
+          <a:lstStyle/>
+          <a:p>
+            <a:r>
+              <a:rPr lang="es-CR" dirty="0" smtClean="0"/>
+              <a:t>En</a:t>
+            </a:r>
+            <a:r>
+              <a:rPr lang="es-CR" baseline="0" dirty="0" smtClean="0"/>
+              <a:t> caso que me pregunten por el re trabajo: Justificar que en el caso de tener un transportador que llena la tolva es re trabajo. Eso son perdidas.</a:t>
+            </a:r>
+            <a:endParaRPr lang="es-CR" dirty="0" smtClean="0"/>
+          </a:p>
+          <a:p>
+            <a:r>
+              <a:rPr lang="es-CR" dirty="0" smtClean="0"/>
+              <a:t>Hacer mucho énfasis</a:t>
+            </a:r>
+            <a:r>
+              <a:rPr lang="es-CR" baseline="0" dirty="0" smtClean="0"/>
+              <a:t> en esto.</a:t>
+            </a:r>
+          </a:p>
+          <a:p>
+            <a:endParaRPr lang="es-CR" baseline="0" dirty="0" smtClean="0"/>
+          </a:p>
+          <a:p>
+            <a:r>
+              <a:rPr lang="es-CR" baseline="0" dirty="0" smtClean="0"/>
+              <a:t>Las calibraciones son en el sentido de nivelar la tolva romana, si bien es cierto que la tolva tolera diferencias en los sistemas de medición. Es mejor que esté nivelada.</a:t>
+            </a:r>
+          </a:p>
+          <a:p>
+            <a:r>
+              <a:rPr lang="es-CR" baseline="0" dirty="0" smtClean="0"/>
+              <a:t>Justificar la levadura con esos puntos.</a:t>
+            </a:r>
+          </a:p>
+          <a:p>
+            <a:endParaRPr lang="es-CR" baseline="0" dirty="0" smtClean="0"/>
+          </a:p>
+          <a:p>
+            <a:endParaRPr lang="es-CR" dirty="0"/>
+          </a:p>
+        </p:txBody>
+      </p:sp>
+      <p:sp>
+        <p:nvSpPr>
+          <p:cNvPr id="4" name="Marcador de número de diapositiva 3"/>
+          <p:cNvSpPr>
+            <a:spLocks noGrp="1"/>
+          </p:cNvSpPr>
+          <p:nvPr>
+            <p:ph type="sldNum" sz="quarter" idx="10"/>
+          </p:nvPr>
+        </p:nvSpPr>
+        <p:spPr/>
+        <p:txBody>
+          <a:bodyPr/>
+          <a:lstStyle/>
+          <a:p>
+            <a:fld id="{A0C77C53-DE4E-4932-A908-79DD71E31B6D}" type="slidenum">
+              <a:rPr lang="es-CR" smtClean="0"/>
+              <a:t>10</a:t>
+            </a:fld>
+            <a:endParaRPr lang="es-CR" dirty="0"/>
+          </a:p>
+        </p:txBody>
+      </p:sp>
+    </p:spTree>
+    <p:extLst>
+      <p:ext uri="{BB962C8B-B14F-4D97-AF65-F5344CB8AC3E}">
+        <p14:creationId xmlns:p14="http://schemas.microsoft.com/office/powerpoint/2010/main" val="3665011142"/>
+      </p:ext>
+    </p:extLst>
+  </p:cSld>
+  <p:clrMapOvr>
+    <a:masterClrMapping/>
+  </p:clrMapOvr>
+</p:notes>
+</file>
+
+<file path=ppt/notesSlides/notesSlide7.xml><?xml version="1.0" encoding="utf-8"?>
+<p:notes xmlns:a="http://schemas.openxmlformats.org/drawingml/2006/main" xmlns:r="http://schemas.openxmlformats.org/officeDocument/2006/relationships" xmlns:p="http://schemas.openxmlformats.org/presentationml/2006/main">
+  <p:cSld>
+    <p:spTree>
+      <p:nvGrpSpPr>
+        <p:cNvPr id="1" name=""/>
+        <p:cNvGrpSpPr/>
+        <p:nvPr/>
+      </p:nvGrpSpPr>
+      <p:grpSpPr>
+        <a:xfrm>
+          <a:off x="0" y="0"/>
+          <a:ext cx="0" cy="0"/>
+          <a:chOff x="0" y="0"/>
+          <a:chExt cx="0" cy="0"/>
+        </a:xfrm>
+      </p:grpSpPr>
+      <p:sp>
+        <p:nvSpPr>
+          <p:cNvPr id="2" name="Marcador de imagen de diapositiva 1"/>
+          <p:cNvSpPr>
+            <a:spLocks noGrp="1" noRot="1" noChangeAspect="1"/>
+          </p:cNvSpPr>
+          <p:nvPr>
+            <p:ph type="sldImg"/>
+          </p:nvPr>
+        </p:nvSpPr>
+        <p:spPr/>
+      </p:sp>
+      <p:sp>
+        <p:nvSpPr>
+          <p:cNvPr id="3" name="Marcador de notas 2"/>
+          <p:cNvSpPr>
+            <a:spLocks noGrp="1"/>
+          </p:cNvSpPr>
+          <p:nvPr>
+            <p:ph type="body" idx="1"/>
+          </p:nvPr>
+        </p:nvSpPr>
+        <p:spPr/>
+        <p:txBody>
+          <a:bodyPr/>
+          <a:lstStyle/>
+          <a:p>
+            <a:r>
+              <a:rPr lang="es-CR" dirty="0" smtClean="0"/>
+              <a:t>Mencionar que tampoco es</a:t>
+            </a:r>
+            <a:r>
+              <a:rPr lang="es-CR" baseline="0" dirty="0" smtClean="0"/>
+              <a:t> que diseñar un TSF sea demasiado difícil.</a:t>
+            </a:r>
+          </a:p>
+          <a:p>
+            <a:r>
+              <a:rPr lang="es-CR" baseline="0" dirty="0" smtClean="0"/>
+              <a:t>Mencionar el cálculo de las 20 vacas máximo por la celda de carga.</a:t>
+            </a:r>
+          </a:p>
+          <a:p>
+            <a:r>
+              <a:rPr lang="es-CR" dirty="0" smtClean="0"/>
+              <a:t>Mencionar que las calibraciones es porque ahora se están sosteniendo mucho peso</a:t>
+            </a:r>
+            <a:r>
+              <a:rPr lang="es-CR" baseline="0" dirty="0" smtClean="0"/>
+              <a:t> sobre la celda, y que ahí sí importa más que esté nivelado.</a:t>
+            </a:r>
+          </a:p>
+          <a:p>
+            <a:endParaRPr lang="es-CR" dirty="0"/>
+          </a:p>
+        </p:txBody>
+      </p:sp>
+      <p:sp>
+        <p:nvSpPr>
+          <p:cNvPr id="4" name="Marcador de número de diapositiva 3"/>
+          <p:cNvSpPr>
+            <a:spLocks noGrp="1"/>
+          </p:cNvSpPr>
+          <p:nvPr>
+            <p:ph type="sldNum" sz="quarter" idx="10"/>
+          </p:nvPr>
+        </p:nvSpPr>
+        <p:spPr/>
+        <p:txBody>
+          <a:bodyPr/>
+          <a:lstStyle/>
+          <a:p>
+            <a:fld id="{A0C77C53-DE4E-4932-A908-79DD71E31B6D}" type="slidenum">
+              <a:rPr lang="es-CR" smtClean="0"/>
+              <a:t>14</a:t>
+            </a:fld>
+            <a:endParaRPr lang="es-CR" dirty="0"/>
+          </a:p>
+        </p:txBody>
+      </p:sp>
+    </p:spTree>
+    <p:extLst>
+      <p:ext uri="{BB962C8B-B14F-4D97-AF65-F5344CB8AC3E}">
+        <p14:creationId xmlns:p14="http://schemas.microsoft.com/office/powerpoint/2010/main" val="1095882226"/>
+      </p:ext>
+    </p:extLst>
+  </p:cSld>
+  <p:clrMapOvr>
+    <a:masterClrMapping/>
+  </p:clrMapOvr>
+</p:notes>
+</file>
+
 <file path=ppt/slideLayouts/slideLayout1.xml><?xml version="1.0" encoding="utf-8"?>
 <p:sldLayout xmlns:a="http://schemas.openxmlformats.org/drawingml/2006/main" xmlns:r="http://schemas.openxmlformats.org/officeDocument/2006/relationships" xmlns:p="http://schemas.openxmlformats.org/presentationml/2006/main" type="title" preserve="1">
   <p:cSld name="Diapositiva de título">
@@ -618,7 +1497,7 @@
               <a:rPr lang="es-CR" smtClean="0"/>
               <a:t>25/9/2018</a:t>
             </a:fld>
-            <a:endParaRPr lang="es-CR"/>
+            <a:endParaRPr lang="es-CR" dirty="0"/>
           </a:p>
         </p:txBody>
       </p:sp>
@@ -637,7 +1516,7 @@
           <a:bodyPr/>
           <a:lstStyle/>
           <a:p>
-            <a:endParaRPr lang="es-CR"/>
+            <a:endParaRPr lang="es-CR" dirty="0"/>
           </a:p>
         </p:txBody>
       </p:sp>
@@ -660,7 +1539,7 @@
               <a:rPr lang="es-CR" smtClean="0"/>
               <a:t>‹Nº›</a:t>
             </a:fld>
-            <a:endParaRPr lang="es-CR"/>
+            <a:endParaRPr lang="es-CR" dirty="0"/>
           </a:p>
         </p:txBody>
       </p:sp>
@@ -788,7 +1667,7 @@
               <a:rPr lang="es-CR" smtClean="0"/>
               <a:t>25/9/2018</a:t>
             </a:fld>
-            <a:endParaRPr lang="es-CR"/>
+            <a:endParaRPr lang="es-CR" dirty="0"/>
           </a:p>
         </p:txBody>
       </p:sp>
@@ -807,7 +1686,7 @@
           <a:bodyPr/>
           <a:lstStyle/>
           <a:p>
-            <a:endParaRPr lang="es-CR"/>
+            <a:endParaRPr lang="es-CR" dirty="0"/>
           </a:p>
         </p:txBody>
       </p:sp>
@@ -830,7 +1709,7 @@
               <a:rPr lang="es-CR" smtClean="0"/>
               <a:t>‹Nº›</a:t>
             </a:fld>
-            <a:endParaRPr lang="es-CR"/>
+            <a:endParaRPr lang="es-CR" dirty="0"/>
           </a:p>
         </p:txBody>
       </p:sp>
@@ -968,7 +1847,7 @@
               <a:rPr lang="es-CR" smtClean="0"/>
               <a:t>25/9/2018</a:t>
             </a:fld>
-            <a:endParaRPr lang="es-CR"/>
+            <a:endParaRPr lang="es-CR" dirty="0"/>
           </a:p>
         </p:txBody>
       </p:sp>
@@ -987,7 +1866,7 @@
           <a:bodyPr/>
           <a:lstStyle/>
           <a:p>
-            <a:endParaRPr lang="es-CR"/>
+            <a:endParaRPr lang="es-CR" dirty="0"/>
           </a:p>
         </p:txBody>
       </p:sp>
@@ -1010,7 +1889,7 @@
               <a:rPr lang="es-CR" smtClean="0"/>
               <a:t>‹Nº›</a:t>
             </a:fld>
-            <a:endParaRPr lang="es-CR"/>
+            <a:endParaRPr lang="es-CR" dirty="0"/>
           </a:p>
         </p:txBody>
       </p:sp>
@@ -2861,7 +3740,7 @@
               <a:rPr lang="es-CR" smtClean="0"/>
               <a:t>25/9/2018</a:t>
             </a:fld>
-            <a:endParaRPr lang="es-CR"/>
+            <a:endParaRPr lang="es-CR" dirty="0"/>
           </a:p>
         </p:txBody>
       </p:sp>
@@ -2880,7 +3759,7 @@
           <a:bodyPr/>
           <a:lstStyle/>
           <a:p>
-            <a:endParaRPr lang="es-CR"/>
+            <a:endParaRPr lang="es-CR" dirty="0"/>
           </a:p>
         </p:txBody>
       </p:sp>
@@ -2903,7 +3782,7 @@
               <a:rPr lang="es-CR" smtClean="0"/>
               <a:t>‹Nº›</a:t>
             </a:fld>
-            <a:endParaRPr lang="es-CR"/>
+            <a:endParaRPr lang="es-CR" dirty="0"/>
           </a:p>
         </p:txBody>
       </p:sp>
@@ -3029,7 +3908,7 @@
           </a:lstStyle>
           <a:p>
             <a:r>
-              <a:rPr lang="es-ES" smtClean="0"/>
+              <a:rPr lang="es-ES" dirty="0" smtClean="0"/>
               <a:t>Haga clic en el icono para agregar una imagen</a:t>
             </a:r>
             <a:endParaRPr lang="en-US" dirty="0"/>
@@ -5453,7 +6332,7 @@
               <a:rPr lang="es-CR" smtClean="0"/>
               <a:t>25/9/2018</a:t>
             </a:fld>
-            <a:endParaRPr lang="es-CR"/>
+            <a:endParaRPr lang="es-CR" dirty="0"/>
           </a:p>
         </p:txBody>
       </p:sp>
@@ -5472,7 +6351,7 @@
           <a:bodyPr/>
           <a:lstStyle/>
           <a:p>
-            <a:endParaRPr lang="es-CR"/>
+            <a:endParaRPr lang="es-CR" dirty="0"/>
           </a:p>
         </p:txBody>
       </p:sp>
@@ -5495,7 +6374,7 @@
               <a:rPr lang="es-CR" smtClean="0"/>
               <a:t>‹Nº›</a:t>
             </a:fld>
-            <a:endParaRPr lang="es-CR"/>
+            <a:endParaRPr lang="es-CR" dirty="0"/>
           </a:p>
         </p:txBody>
       </p:sp>
@@ -5916,7 +6795,7 @@
           </a:lstStyle>
           <a:p>
             <a:r>
-              <a:rPr lang="es-ES" smtClean="0"/>
+              <a:rPr lang="es-ES" dirty="0" smtClean="0"/>
               <a:t>Haga clic en el icono para agregar una imagen</a:t>
             </a:r>
             <a:endParaRPr lang="en-US" dirty="0"/>
@@ -6597,7 +7476,7 @@
               <a:rPr lang="es-CR" smtClean="0"/>
               <a:t>25/9/2018</a:t>
             </a:fld>
-            <a:endParaRPr lang="es-CR"/>
+            <a:endParaRPr lang="es-CR" dirty="0"/>
           </a:p>
         </p:txBody>
       </p:sp>
@@ -6616,7 +7495,7 @@
           <a:bodyPr/>
           <a:lstStyle/>
           <a:p>
-            <a:endParaRPr lang="es-CR"/>
+            <a:endParaRPr lang="es-CR" dirty="0"/>
           </a:p>
         </p:txBody>
       </p:sp>
@@ -6639,7 +7518,7 @@
               <a:rPr lang="es-CR" smtClean="0"/>
               <a:t>‹Nº›</a:t>
             </a:fld>
-            <a:endParaRPr lang="es-CR"/>
+            <a:endParaRPr lang="es-CR" dirty="0"/>
           </a:p>
         </p:txBody>
       </p:sp>
@@ -6944,7 +7823,7 @@
               <a:rPr lang="es-CR" smtClean="0"/>
               <a:t>25/9/2018</a:t>
             </a:fld>
-            <a:endParaRPr lang="es-CR"/>
+            <a:endParaRPr lang="es-CR" dirty="0"/>
           </a:p>
         </p:txBody>
       </p:sp>
@@ -6963,7 +7842,7 @@
           <a:bodyPr/>
           <a:lstStyle/>
           <a:p>
-            <a:endParaRPr lang="es-CR"/>
+            <a:endParaRPr lang="es-CR" dirty="0"/>
           </a:p>
         </p:txBody>
       </p:sp>
@@ -6986,7 +7865,7 @@
               <a:rPr lang="es-CR" smtClean="0"/>
               <a:t>‹Nº›</a:t>
             </a:fld>
-            <a:endParaRPr lang="es-CR"/>
+            <a:endParaRPr lang="es-CR" dirty="0"/>
           </a:p>
         </p:txBody>
       </p:sp>
@@ -7062,7 +7941,7 @@
               <a:rPr lang="es-CR" smtClean="0"/>
               <a:t>25/9/2018</a:t>
             </a:fld>
-            <a:endParaRPr lang="es-CR"/>
+            <a:endParaRPr lang="es-CR" dirty="0"/>
           </a:p>
         </p:txBody>
       </p:sp>
@@ -7081,7 +7960,7 @@
           <a:bodyPr/>
           <a:lstStyle/>
           <a:p>
-            <a:endParaRPr lang="es-CR"/>
+            <a:endParaRPr lang="es-CR" dirty="0"/>
           </a:p>
         </p:txBody>
       </p:sp>
@@ -7104,7 +7983,7 @@
               <a:rPr lang="es-CR" smtClean="0"/>
               <a:t>‹Nº›</a:t>
             </a:fld>
-            <a:endParaRPr lang="es-CR"/>
+            <a:endParaRPr lang="es-CR" dirty="0"/>
           </a:p>
         </p:txBody>
       </p:sp>
@@ -7180,7 +8059,7 @@
               <a:rPr lang="es-CR" smtClean="0"/>
               <a:t>25/9/2018</a:t>
             </a:fld>
-            <a:endParaRPr lang="es-CR"/>
+            <a:endParaRPr lang="es-CR" dirty="0"/>
           </a:p>
         </p:txBody>
       </p:sp>
@@ -7199,7 +8078,7 @@
           <a:bodyPr/>
           <a:lstStyle/>
           <a:p>
-            <a:endParaRPr lang="es-CR"/>
+            <a:endParaRPr lang="es-CR" dirty="0"/>
           </a:p>
         </p:txBody>
       </p:sp>
@@ -7222,7 +8101,7 @@
               <a:rPr lang="es-CR" smtClean="0"/>
               <a:t>‹Nº›</a:t>
             </a:fld>
-            <a:endParaRPr lang="es-CR"/>
+            <a:endParaRPr lang="es-CR" dirty="0"/>
           </a:p>
         </p:txBody>
       </p:sp>
@@ -7464,7 +8343,7 @@
               <a:rPr lang="es-CR" smtClean="0"/>
               <a:t>25/9/2018</a:t>
             </a:fld>
-            <a:endParaRPr lang="es-CR"/>
+            <a:endParaRPr lang="es-CR" dirty="0"/>
           </a:p>
         </p:txBody>
       </p:sp>
@@ -7483,7 +8362,7 @@
           <a:bodyPr/>
           <a:lstStyle/>
           <a:p>
-            <a:endParaRPr lang="es-CR"/>
+            <a:endParaRPr lang="es-CR" dirty="0"/>
           </a:p>
         </p:txBody>
       </p:sp>
@@ -7506,7 +8385,7 @@
               <a:rPr lang="es-CR" smtClean="0"/>
               <a:t>‹Nº›</a:t>
             </a:fld>
-            <a:endParaRPr lang="es-CR"/>
+            <a:endParaRPr lang="es-CR" dirty="0"/>
           </a:p>
         </p:txBody>
       </p:sp>
@@ -7632,7 +8511,7 @@
           </a:lstStyle>
           <a:p>
             <a:r>
-              <a:rPr lang="es-ES" smtClean="0"/>
+              <a:rPr lang="es-ES" dirty="0" smtClean="0"/>
               <a:t>Haga clic en el icono para agregar una imagen</a:t>
             </a:r>
             <a:endParaRPr lang="en-US" dirty="0"/>
@@ -7728,7 +8607,7 @@
               <a:rPr lang="es-CR" smtClean="0"/>
               <a:t>25/9/2018</a:t>
             </a:fld>
-            <a:endParaRPr lang="es-CR"/>
+            <a:endParaRPr lang="es-CR" dirty="0"/>
           </a:p>
         </p:txBody>
       </p:sp>
@@ -7747,7 +8626,7 @@
           <a:bodyPr/>
           <a:lstStyle/>
           <a:p>
-            <a:endParaRPr lang="es-CR"/>
+            <a:endParaRPr lang="es-CR" dirty="0"/>
           </a:p>
         </p:txBody>
       </p:sp>
@@ -7770,7 +8649,7 @@
               <a:rPr lang="es-CR" smtClean="0"/>
               <a:t>‹Nº›</a:t>
             </a:fld>
-            <a:endParaRPr lang="es-CR"/>
+            <a:endParaRPr lang="es-CR" dirty="0"/>
           </a:p>
         </p:txBody>
       </p:sp>
@@ -7942,7 +8821,7 @@
               <a:rPr lang="es-CR" smtClean="0"/>
               <a:t>25/9/2018</a:t>
             </a:fld>
-            <a:endParaRPr lang="es-CR"/>
+            <a:endParaRPr lang="es-CR" dirty="0"/>
           </a:p>
         </p:txBody>
       </p:sp>
@@ -7980,7 +8859,7 @@
             </a:lvl1pPr>
           </a:lstStyle>
           <a:p>
-            <a:endParaRPr lang="es-CR"/>
+            <a:endParaRPr lang="es-CR" dirty="0"/>
           </a:p>
         </p:txBody>
       </p:sp>
@@ -8021,7 +8900,7 @@
               <a:rPr lang="es-CR" smtClean="0"/>
               <a:t>‹Nº›</a:t>
             </a:fld>
-            <a:endParaRPr lang="es-CR"/>
+            <a:endParaRPr lang="es-CR" dirty="0"/>
           </a:p>
         </p:txBody>
       </p:sp>
@@ -9600,16 +10479,7 @@
                 </a:solidFill>
                 <a:latin typeface="+mj-lt"/>
               </a:rPr>
-              <a:t>Setiembre </a:t>
-            </a:r>
-            <a:r>
-              <a:rPr lang="es-CR" sz="2800" b="1" dirty="0" smtClean="0">
-                <a:solidFill>
-                  <a:schemeClr val="tx1"/>
-                </a:solidFill>
-                <a:latin typeface="+mj-lt"/>
-              </a:rPr>
-              <a:t>2018</a:t>
+              <a:t>Setiembre 2018</a:t>
             </a:r>
             <a:endParaRPr lang="es-CR" sz="2800" b="1" dirty="0">
               <a:solidFill>
@@ -9640,7 +10510,7 @@
 </p:sld>
 </file>
 
-<file path=ppt/slides/slide2.xml><?xml version="1.0" encoding="utf-8"?>
+<file path=ppt/slides/slide10.xml><?xml version="1.0" encoding="utf-8"?>
 <p:sld xmlns:a="http://schemas.openxmlformats.org/drawingml/2006/main" xmlns:r="http://schemas.openxmlformats.org/officeDocument/2006/relationships" xmlns:p="http://schemas.openxmlformats.org/presentationml/2006/main">
   <p:cSld>
     <p:spTree>
@@ -9678,7 +10548,7 @@
                   <a:schemeClr val="tx1"/>
                 </a:solidFill>
               </a:rPr>
-              <a:t>Agenda</a:t>
+              <a:t>Argumentos</a:t>
             </a:r>
             <a:endParaRPr lang="es-CR" dirty="0">
               <a:solidFill>
@@ -9690,95 +10560,6 @@
       </p:sp>
       <p:sp>
         <p:nvSpPr>
-          <p:cNvPr id="3" name="Marcador de contenido 2"/>
-          <p:cNvSpPr>
-            <a:spLocks noGrp="1"/>
-          </p:cNvSpPr>
-          <p:nvPr>
-            <p:ph idx="1"/>
-          </p:nvPr>
-        </p:nvSpPr>
-        <p:spPr/>
-        <p:txBody>
-          <a:bodyPr>
-            <a:normAutofit/>
-          </a:bodyPr>
-          <a:lstStyle/>
-          <a:p>
-            <a:r>
-              <a:rPr lang="es-CR" sz="2800" dirty="0" smtClean="0">
-                <a:solidFill>
-                  <a:schemeClr val="tx1"/>
-                </a:solidFill>
-              </a:rPr>
-              <a:t>Programa PINN del MICITT</a:t>
-            </a:r>
-            <a:endParaRPr lang="es-CR" sz="2800" dirty="0" smtClean="0">
-              <a:solidFill>
-                <a:schemeClr val="tx1"/>
-              </a:solidFill>
-            </a:endParaRPr>
-          </a:p>
-          <a:p>
-            <a:r>
-              <a:rPr lang="es-CR" sz="2800" dirty="0" smtClean="0">
-                <a:solidFill>
-                  <a:schemeClr val="tx1"/>
-                </a:solidFill>
-              </a:rPr>
-              <a:t>Propuestas </a:t>
-            </a:r>
-            <a:r>
-              <a:rPr lang="es-CR" sz="2800" dirty="0" smtClean="0">
-                <a:solidFill>
-                  <a:schemeClr val="tx1"/>
-                </a:solidFill>
-              </a:rPr>
-              <a:t>de solución</a:t>
-            </a:r>
-          </a:p>
-          <a:p>
-            <a:pPr lvl="1"/>
-            <a:r>
-              <a:rPr lang="es-CR" sz="2600" dirty="0" smtClean="0">
-                <a:solidFill>
-                  <a:schemeClr val="tx1"/>
-                </a:solidFill>
-              </a:rPr>
-              <a:t>Propuesta 1</a:t>
-            </a:r>
-          </a:p>
-          <a:p>
-            <a:pPr lvl="1"/>
-            <a:r>
-              <a:rPr lang="es-CR" sz="2600" dirty="0" smtClean="0">
-                <a:solidFill>
-                  <a:schemeClr val="tx1"/>
-                </a:solidFill>
-              </a:rPr>
-              <a:t>Propuesta 2</a:t>
-            </a:r>
-          </a:p>
-          <a:p>
-            <a:pPr lvl="1"/>
-            <a:r>
-              <a:rPr lang="es-CR" sz="2600" dirty="0" smtClean="0">
-                <a:solidFill>
-                  <a:schemeClr val="tx1"/>
-                </a:solidFill>
-              </a:rPr>
-              <a:t>Propuesta 3</a:t>
-            </a:r>
-            <a:endParaRPr lang="es-CR" sz="2600" dirty="0" smtClean="0">
-              <a:solidFill>
-                <a:schemeClr val="tx1"/>
-              </a:solidFill>
-            </a:endParaRPr>
-          </a:p>
-        </p:txBody>
-      </p:sp>
-      <p:sp>
-        <p:nvSpPr>
           <p:cNvPr id="4" name="Marcador de número de diapositiva 3"/>
           <p:cNvSpPr>
             <a:spLocks noGrp="1"/>
@@ -9794,1624 +10575,7 @@
           <a:p>
             <a:fld id="{5B27CDC1-117D-4425-A72F-8A90F6D88CD2}" type="slidenum">
               <a:rPr lang="es-CR" smtClean="0"/>
-              <a:t>2</a:t>
-            </a:fld>
-            <a:endParaRPr lang="es-CR" dirty="0"/>
-          </a:p>
-        </p:txBody>
-      </p:sp>
-    </p:spTree>
-    <p:extLst>
-      <p:ext uri="{BB962C8B-B14F-4D97-AF65-F5344CB8AC3E}">
-        <p14:creationId xmlns:p14="http://schemas.microsoft.com/office/powerpoint/2010/main" val="1955106053"/>
-      </p:ext>
-    </p:extLst>
-  </p:cSld>
-  <p:clrMapOvr>
-    <a:masterClrMapping/>
-  </p:clrMapOvr>
-  <p:timing>
-    <p:tnLst>
-      <p:par>
-        <p:cTn id="1" dur="indefinite" restart="never" nodeType="tmRoot"/>
-      </p:par>
-    </p:tnLst>
-  </p:timing>
-</p:sld>
-</file>
-
-<file path=ppt/slides/slide3.xml><?xml version="1.0" encoding="utf-8"?>
-<p:sld xmlns:a="http://schemas.openxmlformats.org/drawingml/2006/main" xmlns:r="http://schemas.openxmlformats.org/officeDocument/2006/relationships" xmlns:p="http://schemas.openxmlformats.org/presentationml/2006/main">
-  <p:cSld>
-    <p:spTree>
-      <p:nvGrpSpPr>
-        <p:cNvPr id="1" name=""/>
-        <p:cNvGrpSpPr/>
-        <p:nvPr/>
-      </p:nvGrpSpPr>
-      <p:grpSpPr>
-        <a:xfrm>
-          <a:off x="0" y="0"/>
-          <a:ext cx="0" cy="0"/>
-          <a:chOff x="0" y="0"/>
-          <a:chExt cx="0" cy="0"/>
-        </a:xfrm>
-      </p:grpSpPr>
-      <p:sp>
-        <p:nvSpPr>
-          <p:cNvPr id="2" name="Título 1"/>
-          <p:cNvSpPr>
-            <a:spLocks noGrp="1"/>
-          </p:cNvSpPr>
-          <p:nvPr>
-            <p:ph type="title"/>
-          </p:nvPr>
-        </p:nvSpPr>
-        <p:spPr/>
-        <p:txBody>
-          <a:bodyPr/>
-          <a:lstStyle/>
-          <a:p>
-            <a:r>
-              <a:rPr lang="es-CR" dirty="0" smtClean="0">
-                <a:solidFill>
-                  <a:schemeClr val="tx1"/>
-                </a:solidFill>
-              </a:rPr>
-              <a:t>Programa PINN del MICITT</a:t>
-            </a:r>
-            <a:endParaRPr lang="es-CR" dirty="0">
-              <a:solidFill>
-                <a:schemeClr val="tx1"/>
-              </a:solidFill>
-            </a:endParaRPr>
-          </a:p>
-        </p:txBody>
-      </p:sp>
-      <p:sp>
-        <p:nvSpPr>
-          <p:cNvPr id="3" name="Marcador de número de diapositiva 2"/>
-          <p:cNvSpPr>
-            <a:spLocks noGrp="1"/>
-          </p:cNvSpPr>
-          <p:nvPr>
-            <p:ph type="sldNum" sz="quarter" idx="12"/>
-          </p:nvPr>
-        </p:nvSpPr>
-        <p:spPr/>
-        <p:txBody>
-          <a:bodyPr/>
-          <a:lstStyle/>
-          <a:p>
-            <a:fld id="{5B27CDC1-117D-4425-A72F-8A90F6D88CD2}" type="slidenum">
-              <a:rPr lang="es-CR" smtClean="0"/>
-              <a:t>3</a:t>
-            </a:fld>
-            <a:endParaRPr lang="es-CR" dirty="0"/>
-          </a:p>
-        </p:txBody>
-      </p:sp>
-      <p:sp>
-        <p:nvSpPr>
-          <p:cNvPr id="5" name="Marcador de contenido 4"/>
-          <p:cNvSpPr>
-            <a:spLocks noGrp="1"/>
-          </p:cNvSpPr>
-          <p:nvPr>
-            <p:ph idx="1"/>
-          </p:nvPr>
-        </p:nvSpPr>
-        <p:spPr/>
-        <p:txBody>
-          <a:bodyPr/>
-          <a:lstStyle/>
-          <a:p>
-            <a:endParaRPr lang="es-CR"/>
-          </a:p>
-        </p:txBody>
-      </p:sp>
-    </p:spTree>
-    <p:extLst>
-      <p:ext uri="{BB962C8B-B14F-4D97-AF65-F5344CB8AC3E}">
-        <p14:creationId xmlns:p14="http://schemas.microsoft.com/office/powerpoint/2010/main" val="1955254730"/>
-      </p:ext>
-    </p:extLst>
-  </p:cSld>
-  <p:clrMapOvr>
-    <a:masterClrMapping/>
-  </p:clrMapOvr>
-  <p:timing>
-    <p:tnLst>
-      <p:par>
-        <p:cTn id="1" dur="indefinite" restart="never" nodeType="tmRoot"/>
-      </p:par>
-    </p:tnLst>
-  </p:timing>
-</p:sld>
-</file>
-
-<file path=ppt/slides/slide4.xml><?xml version="1.0" encoding="utf-8"?>
-<p:sld xmlns:a="http://schemas.openxmlformats.org/drawingml/2006/main" xmlns:r="http://schemas.openxmlformats.org/officeDocument/2006/relationships" xmlns:p="http://schemas.openxmlformats.org/presentationml/2006/main">
-  <p:cSld>
-    <p:spTree>
-      <p:nvGrpSpPr>
-        <p:cNvPr id="1" name=""/>
-        <p:cNvGrpSpPr/>
-        <p:nvPr/>
-      </p:nvGrpSpPr>
-      <p:grpSpPr>
-        <a:xfrm>
-          <a:off x="0" y="0"/>
-          <a:ext cx="0" cy="0"/>
-          <a:chOff x="0" y="0"/>
-          <a:chExt cx="0" cy="0"/>
-        </a:xfrm>
-      </p:grpSpPr>
-      <p:sp>
-        <p:nvSpPr>
-          <p:cNvPr id="2" name="Título 1"/>
-          <p:cNvSpPr>
-            <a:spLocks noGrp="1"/>
-          </p:cNvSpPr>
-          <p:nvPr>
-            <p:ph type="title"/>
-          </p:nvPr>
-        </p:nvSpPr>
-        <p:spPr/>
-        <p:txBody>
-          <a:bodyPr/>
-          <a:lstStyle/>
-          <a:p>
-            <a:r>
-              <a:rPr lang="es-CR" dirty="0" smtClean="0">
-                <a:solidFill>
-                  <a:schemeClr val="tx1"/>
-                </a:solidFill>
-              </a:rPr>
-              <a:t>Propuestas </a:t>
-            </a:r>
-            <a:r>
-              <a:rPr lang="es-CR" dirty="0" smtClean="0">
-                <a:solidFill>
-                  <a:schemeClr val="tx1"/>
-                </a:solidFill>
-              </a:rPr>
-              <a:t>de </a:t>
-            </a:r>
-            <a:r>
-              <a:rPr lang="es-CR" dirty="0" smtClean="0">
-                <a:solidFill>
-                  <a:schemeClr val="tx1"/>
-                </a:solidFill>
-              </a:rPr>
-              <a:t>solución para dispositivo medidor</a:t>
-            </a:r>
-            <a:endParaRPr lang="es-CR" dirty="0">
-              <a:solidFill>
-                <a:schemeClr val="tx1"/>
-              </a:solidFill>
-            </a:endParaRPr>
-          </a:p>
-        </p:txBody>
-      </p:sp>
-      <p:sp>
-        <p:nvSpPr>
-          <p:cNvPr id="4" name="Marcador de número de diapositiva 3"/>
-          <p:cNvSpPr>
-            <a:spLocks noGrp="1"/>
-          </p:cNvSpPr>
-          <p:nvPr>
-            <p:ph type="sldNum" sz="quarter" idx="12"/>
-          </p:nvPr>
-        </p:nvSpPr>
-        <p:spPr/>
-        <p:txBody>
-          <a:bodyPr/>
-          <a:lstStyle/>
-          <a:p>
-            <a:fld id="{5B27CDC1-117D-4425-A72F-8A90F6D88CD2}" type="slidenum">
-              <a:rPr lang="es-CR" smtClean="0"/>
-              <a:t>4</a:t>
-            </a:fld>
-            <a:endParaRPr lang="es-CR" dirty="0"/>
-          </a:p>
-        </p:txBody>
-      </p:sp>
-      <p:graphicFrame>
-        <p:nvGraphicFramePr>
-          <p:cNvPr id="7" name="Tabla 6"/>
-          <p:cNvGraphicFramePr>
-            <a:graphicFrameLocks noGrp="1"/>
-          </p:cNvGraphicFramePr>
-          <p:nvPr>
-            <p:extLst>
-              <p:ext uri="{D42A27DB-BD31-4B8C-83A1-F6EECF244321}">
-                <p14:modId xmlns:p14="http://schemas.microsoft.com/office/powerpoint/2010/main" val="1226471743"/>
-              </p:ext>
-            </p:extLst>
-          </p:nvPr>
-        </p:nvGraphicFramePr>
-        <p:xfrm>
-          <a:off x="12515295" y="2790420"/>
-          <a:ext cx="5998027" cy="2157658"/>
-        </p:xfrm>
-        <a:graphic>
-          <a:graphicData uri="http://schemas.openxmlformats.org/drawingml/2006/table">
-            <a:tbl>
-              <a:tblPr firstRow="1" firstCol="1" bandRow="1">
-                <a:tableStyleId>{5C22544A-7EE6-4342-B048-85BDC9FD1C3A}</a:tableStyleId>
-              </a:tblPr>
-              <a:tblGrid>
-                <a:gridCol w="1639470">
-                  <a:extLst>
-                    <a:ext uri="{9D8B030D-6E8A-4147-A177-3AD203B41FA5}">
-                      <a16:colId xmlns:a16="http://schemas.microsoft.com/office/drawing/2014/main" val="4238947611"/>
-                    </a:ext>
-                  </a:extLst>
-                </a:gridCol>
-                <a:gridCol w="1518530">
-                  <a:extLst>
-                    <a:ext uri="{9D8B030D-6E8A-4147-A177-3AD203B41FA5}">
-                      <a16:colId xmlns:a16="http://schemas.microsoft.com/office/drawing/2014/main" val="1291406790"/>
-                    </a:ext>
-                  </a:extLst>
-                </a:gridCol>
-                <a:gridCol w="1564733">
-                  <a:extLst>
-                    <a:ext uri="{9D8B030D-6E8A-4147-A177-3AD203B41FA5}">
-                      <a16:colId xmlns:a16="http://schemas.microsoft.com/office/drawing/2014/main" val="3520066546"/>
-                    </a:ext>
-                  </a:extLst>
-                </a:gridCol>
-                <a:gridCol w="1275294">
-                  <a:extLst>
-                    <a:ext uri="{9D8B030D-6E8A-4147-A177-3AD203B41FA5}">
-                      <a16:colId xmlns:a16="http://schemas.microsoft.com/office/drawing/2014/main" val="3228532141"/>
-                    </a:ext>
-                  </a:extLst>
-                </a:gridCol>
-              </a:tblGrid>
-              <a:tr h="614898">
-                <a:tc>
-                  <a:txBody>
-                    <a:bodyPr/>
-                    <a:lstStyle/>
-                    <a:p>
-                      <a:pPr algn="ctr">
-                        <a:lnSpc>
-                          <a:spcPct val="115000"/>
-                        </a:lnSpc>
-                        <a:spcAft>
-                          <a:spcPts val="0"/>
-                        </a:spcAft>
-                      </a:pPr>
-                      <a:r>
-                        <a:rPr lang="es-CR" sz="1800" dirty="0">
-                          <a:effectLst/>
-                        </a:rPr>
-                        <a:t>Materia prima</a:t>
-                      </a:r>
-                      <a:endParaRPr lang="es-CR" sz="1600" dirty="0">
-                        <a:effectLst/>
-                        <a:latin typeface="Calibri" panose="020F0502020204030204" pitchFamily="34" charset="0"/>
-                        <a:ea typeface="Calibri" panose="020F0502020204030204" pitchFamily="34" charset="0"/>
-                        <a:cs typeface="Times New Roman" panose="02020603050405020304" pitchFamily="18" charset="0"/>
-                      </a:endParaRPr>
-                    </a:p>
-                  </a:txBody>
-                  <a:tcPr marL="68580" marR="68580" marT="0" marB="0"/>
-                </a:tc>
-                <a:tc>
-                  <a:txBody>
-                    <a:bodyPr/>
-                    <a:lstStyle/>
-                    <a:p>
-                      <a:pPr algn="ctr">
-                        <a:lnSpc>
-                          <a:spcPct val="115000"/>
-                        </a:lnSpc>
-                        <a:spcAft>
-                          <a:spcPts val="0"/>
-                        </a:spcAft>
-                      </a:pPr>
-                      <a:r>
-                        <a:rPr lang="es-CR" sz="1800">
-                          <a:effectLst/>
-                        </a:rPr>
-                        <a:t>Tamaño de la dosis (kg)</a:t>
-                      </a:r>
-                      <a:endParaRPr lang="es-CR" sz="1600">
-                        <a:effectLst/>
-                        <a:latin typeface="Calibri" panose="020F0502020204030204" pitchFamily="34" charset="0"/>
-                        <a:ea typeface="Calibri" panose="020F0502020204030204" pitchFamily="34" charset="0"/>
-                        <a:cs typeface="Times New Roman" panose="02020603050405020304" pitchFamily="18" charset="0"/>
-                      </a:endParaRPr>
-                    </a:p>
-                  </a:txBody>
-                  <a:tcPr marL="68580" marR="68580" marT="0" marB="0"/>
-                </a:tc>
-                <a:tc>
-                  <a:txBody>
-                    <a:bodyPr/>
-                    <a:lstStyle/>
-                    <a:p>
-                      <a:pPr algn="ctr">
-                        <a:lnSpc>
-                          <a:spcPct val="115000"/>
-                        </a:lnSpc>
-                        <a:spcAft>
-                          <a:spcPts val="0"/>
-                        </a:spcAft>
-                      </a:pPr>
-                      <a:r>
-                        <a:rPr lang="es-CR" sz="1800">
-                          <a:effectLst/>
-                        </a:rPr>
-                        <a:t>Precisión máxima requerida (g)</a:t>
-                      </a:r>
-                      <a:endParaRPr lang="es-CR" sz="1600">
-                        <a:effectLst/>
-                        <a:latin typeface="Calibri" panose="020F0502020204030204" pitchFamily="34" charset="0"/>
-                        <a:ea typeface="Calibri" panose="020F0502020204030204" pitchFamily="34" charset="0"/>
-                        <a:cs typeface="Times New Roman" panose="02020603050405020304" pitchFamily="18" charset="0"/>
-                      </a:endParaRPr>
-                    </a:p>
-                  </a:txBody>
-                  <a:tcPr marL="68580" marR="68580" marT="0" marB="0"/>
-                </a:tc>
-                <a:tc>
-                  <a:txBody>
-                    <a:bodyPr/>
-                    <a:lstStyle/>
-                    <a:p>
-                      <a:pPr algn="ctr">
-                        <a:lnSpc>
-                          <a:spcPct val="115000"/>
-                        </a:lnSpc>
-                        <a:spcAft>
-                          <a:spcPts val="0"/>
-                        </a:spcAft>
-                      </a:pPr>
-                      <a:r>
-                        <a:rPr lang="es-CR" sz="1800" dirty="0">
-                          <a:effectLst/>
-                        </a:rPr>
-                        <a:t>Precisión requerida (%)</a:t>
-                      </a:r>
-                      <a:endParaRPr lang="es-CR" sz="1600" dirty="0">
-                        <a:effectLst/>
-                        <a:latin typeface="Calibri" panose="020F0502020204030204" pitchFamily="34" charset="0"/>
-                        <a:ea typeface="Calibri" panose="020F0502020204030204" pitchFamily="34" charset="0"/>
-                        <a:cs typeface="Times New Roman" panose="02020603050405020304" pitchFamily="18" charset="0"/>
-                      </a:endParaRPr>
-                    </a:p>
-                  </a:txBody>
-                  <a:tcPr marL="68580" marR="68580" marT="0" marB="0"/>
-                </a:tc>
-                <a:extLst>
-                  <a:ext uri="{0D108BD9-81ED-4DB2-BD59-A6C34878D82A}">
-                    <a16:rowId xmlns:a16="http://schemas.microsoft.com/office/drawing/2014/main" val="1506657863"/>
-                  </a:ext>
-                </a:extLst>
-              </a:tr>
-              <a:tr h="307449">
-                <a:tc>
-                  <a:txBody>
-                    <a:bodyPr/>
-                    <a:lstStyle/>
-                    <a:p>
-                      <a:pPr algn="ctr">
-                        <a:lnSpc>
-                          <a:spcPct val="115000"/>
-                        </a:lnSpc>
-                        <a:spcAft>
-                          <a:spcPts val="0"/>
-                        </a:spcAft>
-                      </a:pPr>
-                      <a:r>
-                        <a:rPr lang="es-CR" sz="1800">
-                          <a:effectLst/>
-                        </a:rPr>
-                        <a:t>Concentrado</a:t>
-                      </a:r>
-                      <a:endParaRPr lang="es-CR" sz="1600">
-                        <a:effectLst/>
-                        <a:latin typeface="Calibri" panose="020F0502020204030204" pitchFamily="34" charset="0"/>
-                        <a:ea typeface="Calibri" panose="020F0502020204030204" pitchFamily="34" charset="0"/>
-                        <a:cs typeface="Times New Roman" panose="02020603050405020304" pitchFamily="18" charset="0"/>
-                      </a:endParaRPr>
-                    </a:p>
-                  </a:txBody>
-                  <a:tcPr marL="68580" marR="68580" marT="0" marB="0"/>
-                </a:tc>
-                <a:tc>
-                  <a:txBody>
-                    <a:bodyPr/>
-                    <a:lstStyle/>
-                    <a:p>
-                      <a:pPr algn="ctr">
-                        <a:lnSpc>
-                          <a:spcPct val="115000"/>
-                        </a:lnSpc>
-                        <a:spcAft>
-                          <a:spcPts val="0"/>
-                        </a:spcAft>
-                      </a:pPr>
-                      <a:r>
-                        <a:rPr lang="es-CR" sz="1800">
-                          <a:effectLst/>
-                        </a:rPr>
-                        <a:t>5,00 – 7,00</a:t>
-                      </a:r>
-                      <a:endParaRPr lang="es-CR" sz="1600">
-                        <a:effectLst/>
-                        <a:latin typeface="Calibri" panose="020F0502020204030204" pitchFamily="34" charset="0"/>
-                        <a:ea typeface="Calibri" panose="020F0502020204030204" pitchFamily="34" charset="0"/>
-                        <a:cs typeface="Times New Roman" panose="02020603050405020304" pitchFamily="18" charset="0"/>
-                      </a:endParaRPr>
-                    </a:p>
-                  </a:txBody>
-                  <a:tcPr marL="68580" marR="68580" marT="0" marB="0"/>
-                </a:tc>
-                <a:tc>
-                  <a:txBody>
-                    <a:bodyPr/>
-                    <a:lstStyle/>
-                    <a:p>
-                      <a:pPr algn="ctr">
-                        <a:lnSpc>
-                          <a:spcPct val="115000"/>
-                        </a:lnSpc>
-                        <a:spcAft>
-                          <a:spcPts val="0"/>
-                        </a:spcAft>
-                      </a:pPr>
-                      <a:r>
-                        <a:rPr lang="es-CR" sz="1800" dirty="0">
-                          <a:effectLst/>
-                        </a:rPr>
-                        <a:t>50</a:t>
-                      </a:r>
-                      <a:endParaRPr lang="es-CR" sz="1600" dirty="0">
-                        <a:effectLst/>
-                        <a:latin typeface="Calibri" panose="020F0502020204030204" pitchFamily="34" charset="0"/>
-                        <a:ea typeface="Calibri" panose="020F0502020204030204" pitchFamily="34" charset="0"/>
-                        <a:cs typeface="Times New Roman" panose="02020603050405020304" pitchFamily="18" charset="0"/>
-                      </a:endParaRPr>
-                    </a:p>
-                  </a:txBody>
-                  <a:tcPr marL="68580" marR="68580" marT="0" marB="0"/>
-                </a:tc>
-                <a:tc>
-                  <a:txBody>
-                    <a:bodyPr/>
-                    <a:lstStyle/>
-                    <a:p>
-                      <a:pPr algn="ctr">
-                        <a:lnSpc>
-                          <a:spcPct val="115000"/>
-                        </a:lnSpc>
-                        <a:spcAft>
-                          <a:spcPts val="0"/>
-                        </a:spcAft>
-                      </a:pPr>
-                      <a:r>
-                        <a:rPr lang="es-CR" sz="1800">
-                          <a:effectLst/>
-                        </a:rPr>
-                        <a:t>1</a:t>
-                      </a:r>
-                      <a:endParaRPr lang="es-CR" sz="1600">
-                        <a:effectLst/>
-                        <a:latin typeface="Calibri" panose="020F0502020204030204" pitchFamily="34" charset="0"/>
-                        <a:ea typeface="Calibri" panose="020F0502020204030204" pitchFamily="34" charset="0"/>
-                        <a:cs typeface="Times New Roman" panose="02020603050405020304" pitchFamily="18" charset="0"/>
-                      </a:endParaRPr>
-                    </a:p>
-                  </a:txBody>
-                  <a:tcPr marL="68580" marR="68580" marT="0" marB="0"/>
-                </a:tc>
-                <a:extLst>
-                  <a:ext uri="{0D108BD9-81ED-4DB2-BD59-A6C34878D82A}">
-                    <a16:rowId xmlns:a16="http://schemas.microsoft.com/office/drawing/2014/main" val="2067725949"/>
-                  </a:ext>
-                </a:extLst>
-              </a:tr>
-              <a:tr h="307449">
-                <a:tc>
-                  <a:txBody>
-                    <a:bodyPr/>
-                    <a:lstStyle/>
-                    <a:p>
-                      <a:pPr algn="ctr">
-                        <a:lnSpc>
-                          <a:spcPct val="115000"/>
-                        </a:lnSpc>
-                        <a:spcAft>
-                          <a:spcPts val="0"/>
-                        </a:spcAft>
-                      </a:pPr>
-                      <a:r>
-                        <a:rPr lang="es-CR" sz="1800">
-                          <a:effectLst/>
-                        </a:rPr>
-                        <a:t>Adicional</a:t>
-                      </a:r>
-                      <a:endParaRPr lang="es-CR" sz="1600">
-                        <a:effectLst/>
-                        <a:latin typeface="Calibri" panose="020F0502020204030204" pitchFamily="34" charset="0"/>
-                        <a:ea typeface="Calibri" panose="020F0502020204030204" pitchFamily="34" charset="0"/>
-                        <a:cs typeface="Times New Roman" panose="02020603050405020304" pitchFamily="18" charset="0"/>
-                      </a:endParaRPr>
-                    </a:p>
-                  </a:txBody>
-                  <a:tcPr marL="68580" marR="68580" marT="0" marB="0"/>
-                </a:tc>
-                <a:tc>
-                  <a:txBody>
-                    <a:bodyPr/>
-                    <a:lstStyle/>
-                    <a:p>
-                      <a:pPr algn="ctr">
-                        <a:lnSpc>
-                          <a:spcPct val="115000"/>
-                        </a:lnSpc>
-                        <a:spcAft>
-                          <a:spcPts val="0"/>
-                        </a:spcAft>
-                      </a:pPr>
-                      <a:r>
-                        <a:rPr lang="es-CR" sz="1800">
-                          <a:effectLst/>
-                        </a:rPr>
-                        <a:t>0,400 – 0,600</a:t>
-                      </a:r>
-                      <a:endParaRPr lang="es-CR" sz="1600">
-                        <a:effectLst/>
-                        <a:latin typeface="Calibri" panose="020F0502020204030204" pitchFamily="34" charset="0"/>
-                        <a:ea typeface="Calibri" panose="020F0502020204030204" pitchFamily="34" charset="0"/>
-                        <a:cs typeface="Times New Roman" panose="02020603050405020304" pitchFamily="18" charset="0"/>
-                      </a:endParaRPr>
-                    </a:p>
-                  </a:txBody>
-                  <a:tcPr marL="68580" marR="68580" marT="0" marB="0"/>
-                </a:tc>
-                <a:tc>
-                  <a:txBody>
-                    <a:bodyPr/>
-                    <a:lstStyle/>
-                    <a:p>
-                      <a:pPr algn="ctr">
-                        <a:lnSpc>
-                          <a:spcPct val="115000"/>
-                        </a:lnSpc>
-                        <a:spcAft>
-                          <a:spcPts val="0"/>
-                        </a:spcAft>
-                      </a:pPr>
-                      <a:r>
-                        <a:rPr lang="es-CR" sz="1800">
-                          <a:effectLst/>
-                        </a:rPr>
-                        <a:t>5</a:t>
-                      </a:r>
-                      <a:endParaRPr lang="es-CR" sz="1600">
-                        <a:effectLst/>
-                        <a:latin typeface="Calibri" panose="020F0502020204030204" pitchFamily="34" charset="0"/>
-                        <a:ea typeface="Calibri" panose="020F0502020204030204" pitchFamily="34" charset="0"/>
-                        <a:cs typeface="Times New Roman" panose="02020603050405020304" pitchFamily="18" charset="0"/>
-                      </a:endParaRPr>
-                    </a:p>
-                  </a:txBody>
-                  <a:tcPr marL="68580" marR="68580" marT="0" marB="0"/>
-                </a:tc>
-                <a:tc>
-                  <a:txBody>
-                    <a:bodyPr/>
-                    <a:lstStyle/>
-                    <a:p>
-                      <a:pPr algn="ctr">
-                        <a:lnSpc>
-                          <a:spcPct val="115000"/>
-                        </a:lnSpc>
-                        <a:spcAft>
-                          <a:spcPts val="0"/>
-                        </a:spcAft>
-                      </a:pPr>
-                      <a:r>
-                        <a:rPr lang="es-CR" sz="1800">
-                          <a:effectLst/>
-                        </a:rPr>
-                        <a:t>1</a:t>
-                      </a:r>
-                      <a:endParaRPr lang="es-CR" sz="1600">
-                        <a:effectLst/>
-                        <a:latin typeface="Calibri" panose="020F0502020204030204" pitchFamily="34" charset="0"/>
-                        <a:ea typeface="Calibri" panose="020F0502020204030204" pitchFamily="34" charset="0"/>
-                        <a:cs typeface="Times New Roman" panose="02020603050405020304" pitchFamily="18" charset="0"/>
-                      </a:endParaRPr>
-                    </a:p>
-                  </a:txBody>
-                  <a:tcPr marL="68580" marR="68580" marT="0" marB="0"/>
-                </a:tc>
-                <a:extLst>
-                  <a:ext uri="{0D108BD9-81ED-4DB2-BD59-A6C34878D82A}">
-                    <a16:rowId xmlns:a16="http://schemas.microsoft.com/office/drawing/2014/main" val="2725334660"/>
-                  </a:ext>
-                </a:extLst>
-              </a:tr>
-              <a:tr h="307449">
-                <a:tc>
-                  <a:txBody>
-                    <a:bodyPr/>
-                    <a:lstStyle/>
-                    <a:p>
-                      <a:pPr algn="ctr">
-                        <a:lnSpc>
-                          <a:spcPct val="115000"/>
-                        </a:lnSpc>
-                        <a:spcAft>
-                          <a:spcPts val="0"/>
-                        </a:spcAft>
-                      </a:pPr>
-                      <a:r>
-                        <a:rPr lang="es-CR" sz="1800">
-                          <a:effectLst/>
-                        </a:rPr>
-                        <a:t>Mineral</a:t>
-                      </a:r>
-                      <a:endParaRPr lang="es-CR" sz="1600">
-                        <a:effectLst/>
-                        <a:latin typeface="Calibri" panose="020F0502020204030204" pitchFamily="34" charset="0"/>
-                        <a:ea typeface="Calibri" panose="020F0502020204030204" pitchFamily="34" charset="0"/>
-                        <a:cs typeface="Times New Roman" panose="02020603050405020304" pitchFamily="18" charset="0"/>
-                      </a:endParaRPr>
-                    </a:p>
-                  </a:txBody>
-                  <a:tcPr marL="68580" marR="68580" marT="0" marB="0"/>
-                </a:tc>
-                <a:tc>
-                  <a:txBody>
-                    <a:bodyPr/>
-                    <a:lstStyle/>
-                    <a:p>
-                      <a:pPr algn="ctr">
-                        <a:lnSpc>
-                          <a:spcPct val="115000"/>
-                        </a:lnSpc>
-                        <a:spcAft>
-                          <a:spcPts val="0"/>
-                        </a:spcAft>
-                      </a:pPr>
-                      <a:r>
-                        <a:rPr lang="es-CR" sz="1800">
-                          <a:effectLst/>
-                        </a:rPr>
-                        <a:t>0,050 – 0,150</a:t>
-                      </a:r>
-                      <a:endParaRPr lang="es-CR" sz="1600">
-                        <a:effectLst/>
-                        <a:latin typeface="Calibri" panose="020F0502020204030204" pitchFamily="34" charset="0"/>
-                        <a:ea typeface="Calibri" panose="020F0502020204030204" pitchFamily="34" charset="0"/>
-                        <a:cs typeface="Times New Roman" panose="02020603050405020304" pitchFamily="18" charset="0"/>
-                      </a:endParaRPr>
-                    </a:p>
-                  </a:txBody>
-                  <a:tcPr marL="68580" marR="68580" marT="0" marB="0"/>
-                </a:tc>
-                <a:tc>
-                  <a:txBody>
-                    <a:bodyPr/>
-                    <a:lstStyle/>
-                    <a:p>
-                      <a:pPr algn="ctr">
-                        <a:lnSpc>
-                          <a:spcPct val="115000"/>
-                        </a:lnSpc>
-                        <a:spcAft>
-                          <a:spcPts val="0"/>
-                        </a:spcAft>
-                      </a:pPr>
-                      <a:r>
-                        <a:rPr lang="es-CR" sz="1800" dirty="0">
-                          <a:effectLst/>
-                        </a:rPr>
-                        <a:t>1</a:t>
-                      </a:r>
-                      <a:endParaRPr lang="es-CR" sz="1600" dirty="0">
-                        <a:effectLst/>
-                        <a:latin typeface="Calibri" panose="020F0502020204030204" pitchFamily="34" charset="0"/>
-                        <a:ea typeface="Calibri" panose="020F0502020204030204" pitchFamily="34" charset="0"/>
-                        <a:cs typeface="Times New Roman" panose="02020603050405020304" pitchFamily="18" charset="0"/>
-                      </a:endParaRPr>
-                    </a:p>
-                  </a:txBody>
-                  <a:tcPr marL="68580" marR="68580" marT="0" marB="0"/>
-                </a:tc>
-                <a:tc>
-                  <a:txBody>
-                    <a:bodyPr/>
-                    <a:lstStyle/>
-                    <a:p>
-                      <a:pPr algn="ctr">
-                        <a:lnSpc>
-                          <a:spcPct val="115000"/>
-                        </a:lnSpc>
-                        <a:spcAft>
-                          <a:spcPts val="0"/>
-                        </a:spcAft>
-                      </a:pPr>
-                      <a:r>
-                        <a:rPr lang="es-CR" sz="1800">
-                          <a:effectLst/>
-                        </a:rPr>
-                        <a:t>2</a:t>
-                      </a:r>
-                      <a:endParaRPr lang="es-CR" sz="1600">
-                        <a:effectLst/>
-                        <a:latin typeface="Calibri" panose="020F0502020204030204" pitchFamily="34" charset="0"/>
-                        <a:ea typeface="Calibri" panose="020F0502020204030204" pitchFamily="34" charset="0"/>
-                        <a:cs typeface="Times New Roman" panose="02020603050405020304" pitchFamily="18" charset="0"/>
-                      </a:endParaRPr>
-                    </a:p>
-                  </a:txBody>
-                  <a:tcPr marL="68580" marR="68580" marT="0" marB="0"/>
-                </a:tc>
-                <a:extLst>
-                  <a:ext uri="{0D108BD9-81ED-4DB2-BD59-A6C34878D82A}">
-                    <a16:rowId xmlns:a16="http://schemas.microsoft.com/office/drawing/2014/main" val="3014012321"/>
-                  </a:ext>
-                </a:extLst>
-              </a:tr>
-              <a:tr h="307449">
-                <a:tc>
-                  <a:txBody>
-                    <a:bodyPr/>
-                    <a:lstStyle/>
-                    <a:p>
-                      <a:pPr algn="ctr">
-                        <a:lnSpc>
-                          <a:spcPct val="115000"/>
-                        </a:lnSpc>
-                        <a:spcAft>
-                          <a:spcPts val="0"/>
-                        </a:spcAft>
-                      </a:pPr>
-                      <a:r>
-                        <a:rPr lang="es-CR" sz="1800" dirty="0">
-                          <a:effectLst/>
-                        </a:rPr>
-                        <a:t>Levadura</a:t>
-                      </a:r>
-                      <a:endParaRPr lang="es-CR" sz="1600" dirty="0">
-                        <a:effectLst/>
-                        <a:latin typeface="Calibri" panose="020F0502020204030204" pitchFamily="34" charset="0"/>
-                        <a:ea typeface="Calibri" panose="020F0502020204030204" pitchFamily="34" charset="0"/>
-                        <a:cs typeface="Times New Roman" panose="02020603050405020304" pitchFamily="18" charset="0"/>
-                      </a:endParaRPr>
-                    </a:p>
-                  </a:txBody>
-                  <a:tcPr marL="68580" marR="68580" marT="0" marB="0"/>
-                </a:tc>
-                <a:tc>
-                  <a:txBody>
-                    <a:bodyPr/>
-                    <a:lstStyle/>
-                    <a:p>
-                      <a:pPr algn="ctr">
-                        <a:lnSpc>
-                          <a:spcPct val="115000"/>
-                        </a:lnSpc>
-                        <a:spcAft>
-                          <a:spcPts val="0"/>
-                        </a:spcAft>
-                      </a:pPr>
-                      <a:r>
-                        <a:rPr lang="es-CR" sz="1800" dirty="0">
-                          <a:effectLst/>
-                        </a:rPr>
-                        <a:t>0,0050</a:t>
-                      </a:r>
-                      <a:endParaRPr lang="es-CR" sz="1600" dirty="0">
-                        <a:effectLst/>
-                        <a:latin typeface="Calibri" panose="020F0502020204030204" pitchFamily="34" charset="0"/>
-                        <a:ea typeface="Calibri" panose="020F0502020204030204" pitchFamily="34" charset="0"/>
-                        <a:cs typeface="Times New Roman" panose="02020603050405020304" pitchFamily="18" charset="0"/>
-                      </a:endParaRPr>
-                    </a:p>
-                  </a:txBody>
-                  <a:tcPr marL="68580" marR="68580" marT="0" marB="0"/>
-                </a:tc>
-                <a:tc>
-                  <a:txBody>
-                    <a:bodyPr/>
-                    <a:lstStyle/>
-                    <a:p>
-                      <a:pPr algn="ctr">
-                        <a:lnSpc>
-                          <a:spcPct val="115000"/>
-                        </a:lnSpc>
-                        <a:spcAft>
-                          <a:spcPts val="0"/>
-                        </a:spcAft>
-                      </a:pPr>
-                      <a:r>
-                        <a:rPr lang="es-CR" sz="1800">
-                          <a:effectLst/>
-                        </a:rPr>
-                        <a:t>0,1</a:t>
-                      </a:r>
-                      <a:endParaRPr lang="es-CR" sz="1600">
-                        <a:effectLst/>
-                        <a:latin typeface="Calibri" panose="020F0502020204030204" pitchFamily="34" charset="0"/>
-                        <a:ea typeface="Calibri" panose="020F0502020204030204" pitchFamily="34" charset="0"/>
-                        <a:cs typeface="Times New Roman" panose="02020603050405020304" pitchFamily="18" charset="0"/>
-                      </a:endParaRPr>
-                    </a:p>
-                  </a:txBody>
-                  <a:tcPr marL="68580" marR="68580" marT="0" marB="0"/>
-                </a:tc>
-                <a:tc>
-                  <a:txBody>
-                    <a:bodyPr/>
-                    <a:lstStyle/>
-                    <a:p>
-                      <a:pPr algn="ctr">
-                        <a:lnSpc>
-                          <a:spcPct val="115000"/>
-                        </a:lnSpc>
-                        <a:spcAft>
-                          <a:spcPts val="0"/>
-                        </a:spcAft>
-                      </a:pPr>
-                      <a:r>
-                        <a:rPr lang="es-CR" sz="1800" dirty="0">
-                          <a:effectLst/>
-                        </a:rPr>
-                        <a:t>2</a:t>
-                      </a:r>
-                      <a:endParaRPr lang="es-CR" sz="1600" dirty="0">
-                        <a:effectLst/>
-                        <a:latin typeface="Calibri" panose="020F0502020204030204" pitchFamily="34" charset="0"/>
-                        <a:ea typeface="Calibri" panose="020F0502020204030204" pitchFamily="34" charset="0"/>
-                        <a:cs typeface="Times New Roman" panose="02020603050405020304" pitchFamily="18" charset="0"/>
-                      </a:endParaRPr>
-                    </a:p>
-                  </a:txBody>
-                  <a:tcPr marL="68580" marR="68580" marT="0" marB="0"/>
-                </a:tc>
-                <a:extLst>
-                  <a:ext uri="{0D108BD9-81ED-4DB2-BD59-A6C34878D82A}">
-                    <a16:rowId xmlns:a16="http://schemas.microsoft.com/office/drawing/2014/main" val="4293346552"/>
-                  </a:ext>
-                </a:extLst>
-              </a:tr>
-            </a:tbl>
-          </a:graphicData>
-        </a:graphic>
-      </p:graphicFrame>
-      <p:sp>
-        <p:nvSpPr>
-          <p:cNvPr id="8" name="Rectangle 1"/>
-          <p:cNvSpPr>
-            <a:spLocks noChangeArrowheads="1"/>
-          </p:cNvSpPr>
-          <p:nvPr/>
-        </p:nvSpPr>
-        <p:spPr bwMode="auto">
-          <a:xfrm>
-            <a:off x="12515294" y="1965960"/>
-            <a:ext cx="5998027" cy="646331"/>
-          </a:xfrm>
-          <a:prstGeom prst="rect">
-            <a:avLst/>
-          </a:prstGeom>
-          <a:noFill/>
-          <a:ln>
-            <a:noFill/>
-          </a:ln>
-          <a:effectLst/>
-          <a:extLst>
-            <a:ext uri="{909E8E84-426E-40DD-AFC4-6F175D3DCCD1}">
-              <a14:hiddenFill xmlns:a14="http://schemas.microsoft.com/office/drawing/2010/main">
-                <a:solidFill>
-                  <a:schemeClr val="accent1"/>
-                </a:solidFill>
-              </a14:hiddenFill>
-            </a:ext>
-            <a:ext uri="{91240B29-F687-4F45-9708-019B960494DF}">
-              <a14:hiddenLine xmlns:a14="http://schemas.microsoft.com/office/drawing/2010/main" w="9525">
-                <a:solidFill>
-                  <a:schemeClr val="tx1"/>
-                </a:solidFill>
-                <a:miter lim="800000"/>
-                <a:headEnd/>
-                <a:tailEnd/>
-              </a14:hiddenLine>
-            </a:ext>
-            <a:ext uri="{AF507438-7753-43E0-B8FC-AC1667EBCBE1}">
-              <a14:hiddenEffects xmlns:a14="http://schemas.microsoft.com/office/drawing/2010/main">
-                <a:effectLst>
-                  <a:outerShdw dist="35921" dir="2700000" algn="ctr" rotWithShape="0">
-                    <a:schemeClr val="bg2"/>
-                  </a:outerShdw>
-                </a:effectLst>
-              </a14:hiddenEffects>
-            </a:ext>
-          </a:extLst>
-        </p:spPr>
-        <p:txBody>
-          <a:bodyPr vert="horz" wrap="square" lIns="91440" tIns="45720" rIns="91440" bIns="45720" numCol="1" anchor="ctr" anchorCtr="0" compatLnSpc="1">
-            <a:prstTxWarp prst="textNoShape">
-              <a:avLst/>
-            </a:prstTxWarp>
-            <a:spAutoFit/>
-          </a:bodyPr>
-          <a:lstStyle/>
-          <a:p>
-            <a:pPr marL="0" marR="0" lvl="0" indent="0" algn="ctr" defTabSz="914400" rtl="0" eaLnBrk="0" fontAlgn="base" latinLnBrk="0" hangingPunct="0">
-              <a:lnSpc>
-                <a:spcPct val="100000"/>
-              </a:lnSpc>
-              <a:spcBef>
-                <a:spcPct val="0"/>
-              </a:spcBef>
-              <a:spcAft>
-                <a:spcPct val="0"/>
-              </a:spcAft>
-              <a:buClrTx/>
-              <a:buSzTx/>
-              <a:buFontTx/>
-              <a:buNone/>
-              <a:tabLst/>
-            </a:pPr>
-            <a:r>
-              <a:rPr kumimoji="0" lang="es-CR" altLang="es-CR" b="1" i="0" u="none" strike="noStrike" cap="none" normalizeH="0" baseline="0" dirty="0" smtClean="0">
-                <a:ln>
-                  <a:noFill/>
-                </a:ln>
-                <a:solidFill>
-                  <a:srgbClr val="000000"/>
-                </a:solidFill>
-                <a:effectLst/>
-                <a:latin typeface="Arial" panose="020B0604020202020204" pitchFamily="34" charset="0"/>
-                <a:ea typeface="Calibri" panose="020F0502020204030204" pitchFamily="34" charset="0"/>
-                <a:cs typeface="Arial" panose="020B0604020202020204" pitchFamily="34" charset="0"/>
-              </a:rPr>
-              <a:t>Tabla: </a:t>
-            </a:r>
-            <a:r>
-              <a:rPr kumimoji="0" lang="es-CR" altLang="es-CR" b="1" i="0" u="none" strike="noStrike" cap="none" normalizeH="0" baseline="0" dirty="0" smtClean="0">
-                <a:ln>
-                  <a:noFill/>
-                </a:ln>
-                <a:solidFill>
-                  <a:srgbClr val="000000"/>
-                </a:solidFill>
-                <a:effectLst/>
-                <a:latin typeface="Arial" panose="020B0604020202020204" pitchFamily="34" charset="0"/>
-                <a:ea typeface="Calibri" panose="020F0502020204030204" pitchFamily="34" charset="0"/>
-                <a:cs typeface="Arial" panose="020B0604020202020204" pitchFamily="34" charset="0"/>
-              </a:rPr>
-              <a:t>Requerimientos de las dosis para cada tolva y su precisi</a:t>
-            </a:r>
-            <a:r>
-              <a:rPr kumimoji="0" lang="es-CR" altLang="es-CR" b="1" i="0" u="none" strike="noStrike" cap="none" normalizeH="0" baseline="0" dirty="0" smtClean="0">
-                <a:ln>
-                  <a:noFill/>
-                </a:ln>
-                <a:solidFill>
-                  <a:srgbClr val="000000"/>
-                </a:solidFill>
-                <a:effectLst/>
-                <a:latin typeface="Calibri" panose="020F0502020204030204" pitchFamily="34" charset="0"/>
-                <a:ea typeface="Calibri" panose="020F0502020204030204" pitchFamily="34" charset="0"/>
-                <a:cs typeface="Arial" panose="020B0604020202020204" pitchFamily="34" charset="0"/>
-              </a:rPr>
-              <a:t>ó</a:t>
-            </a:r>
-            <a:r>
-              <a:rPr kumimoji="0" lang="es-CR" altLang="es-CR" b="1" i="0" u="none" strike="noStrike" cap="none" normalizeH="0" baseline="0" dirty="0" smtClean="0">
-                <a:ln>
-                  <a:noFill/>
-                </a:ln>
-                <a:solidFill>
-                  <a:srgbClr val="000000"/>
-                </a:solidFill>
-                <a:effectLst/>
-                <a:latin typeface="Arial" panose="020B0604020202020204" pitchFamily="34" charset="0"/>
-                <a:ea typeface="Calibri" panose="020F0502020204030204" pitchFamily="34" charset="0"/>
-                <a:cs typeface="Arial" panose="020B0604020202020204" pitchFamily="34" charset="0"/>
-              </a:rPr>
-              <a:t>n.</a:t>
-            </a:r>
-            <a:endParaRPr kumimoji="0" lang="es-CR" altLang="es-CR" sz="2800" b="0" i="0" u="none" strike="noStrike" cap="none" normalizeH="0" baseline="0" dirty="0" smtClean="0">
-              <a:ln>
-                <a:noFill/>
-              </a:ln>
-              <a:solidFill>
-                <a:schemeClr val="tx1"/>
-              </a:solidFill>
-              <a:effectLst/>
-              <a:latin typeface="Arial" panose="020B0604020202020204" pitchFamily="34" charset="0"/>
-            </a:endParaRPr>
-          </a:p>
-        </p:txBody>
-      </p:sp>
-      <p:sp>
-        <p:nvSpPr>
-          <p:cNvPr id="3" name="Marcador de contenido 2"/>
-          <p:cNvSpPr>
-            <a:spLocks noGrp="1"/>
-          </p:cNvSpPr>
-          <p:nvPr>
-            <p:ph idx="1"/>
-          </p:nvPr>
-        </p:nvSpPr>
-        <p:spPr>
-          <a:xfrm>
-            <a:off x="1162876" y="2075594"/>
-            <a:ext cx="9872871" cy="4038600"/>
-          </a:xfrm>
-        </p:spPr>
-        <p:txBody>
-          <a:bodyPr/>
-          <a:lstStyle/>
-          <a:p>
-            <a:pPr lvl="1"/>
-            <a:r>
-              <a:rPr lang="es-CR" dirty="0">
-                <a:solidFill>
-                  <a:schemeClr val="tx1"/>
-                </a:solidFill>
-              </a:rPr>
-              <a:t>Descripción de la propuesta.</a:t>
-            </a:r>
-          </a:p>
-          <a:p>
-            <a:pPr lvl="1"/>
-            <a:r>
-              <a:rPr lang="es-CR" dirty="0">
-                <a:solidFill>
-                  <a:schemeClr val="tx1"/>
-                </a:solidFill>
-              </a:rPr>
-              <a:t>Diagrama de flujo.</a:t>
-            </a:r>
-          </a:p>
-          <a:p>
-            <a:pPr lvl="1"/>
-            <a:r>
-              <a:rPr lang="es-CR" dirty="0">
-                <a:solidFill>
-                  <a:schemeClr val="tx1"/>
-                </a:solidFill>
-              </a:rPr>
-              <a:t>Detalles importantes.</a:t>
-            </a:r>
-          </a:p>
-          <a:p>
-            <a:pPr lvl="1"/>
-            <a:r>
-              <a:rPr lang="es-CR" dirty="0">
-                <a:solidFill>
-                  <a:schemeClr val="tx1"/>
-                </a:solidFill>
-              </a:rPr>
-              <a:t>Argumentos a favor.</a:t>
-            </a:r>
-          </a:p>
-          <a:p>
-            <a:pPr lvl="1"/>
-            <a:r>
-              <a:rPr lang="es-CR" dirty="0">
-                <a:solidFill>
-                  <a:schemeClr val="tx1"/>
-                </a:solidFill>
-              </a:rPr>
-              <a:t>Argumentos en contra.</a:t>
-            </a:r>
-          </a:p>
-          <a:p>
-            <a:pPr marL="274320" lvl="1" indent="0">
-              <a:buNone/>
-            </a:pPr>
-            <a:endParaRPr lang="es-CR" dirty="0"/>
-          </a:p>
-        </p:txBody>
-      </p:sp>
-    </p:spTree>
-    <p:extLst>
-      <p:ext uri="{BB962C8B-B14F-4D97-AF65-F5344CB8AC3E}">
-        <p14:creationId xmlns:p14="http://schemas.microsoft.com/office/powerpoint/2010/main" val="2705448991"/>
-      </p:ext>
-    </p:extLst>
-  </p:cSld>
-  <p:clrMapOvr>
-    <a:masterClrMapping/>
-  </p:clrMapOvr>
-  <p:timing>
-    <p:tnLst>
-      <p:par>
-        <p:cTn id="1" dur="indefinite" restart="never" nodeType="tmRoot"/>
-      </p:par>
-    </p:tnLst>
-  </p:timing>
-</p:sld>
-</file>
-
-<file path=ppt/slides/slide5.xml><?xml version="1.0" encoding="utf-8"?>
-<p:sld xmlns:a="http://schemas.openxmlformats.org/drawingml/2006/main" xmlns:r="http://schemas.openxmlformats.org/officeDocument/2006/relationships" xmlns:p="http://schemas.openxmlformats.org/presentationml/2006/main">
-  <p:cSld>
-    <p:spTree>
-      <p:nvGrpSpPr>
-        <p:cNvPr id="1" name=""/>
-        <p:cNvGrpSpPr/>
-        <p:nvPr/>
-      </p:nvGrpSpPr>
-      <p:grpSpPr>
-        <a:xfrm>
-          <a:off x="0" y="0"/>
-          <a:ext cx="0" cy="0"/>
-          <a:chOff x="0" y="0"/>
-          <a:chExt cx="0" cy="0"/>
-        </a:xfrm>
-      </p:grpSpPr>
-      <p:sp>
-        <p:nvSpPr>
-          <p:cNvPr id="2" name="Título 1"/>
-          <p:cNvSpPr>
-            <a:spLocks noGrp="1"/>
-          </p:cNvSpPr>
-          <p:nvPr>
-            <p:ph type="title"/>
-          </p:nvPr>
-        </p:nvSpPr>
-        <p:spPr/>
-        <p:txBody>
-          <a:bodyPr/>
-          <a:lstStyle/>
-          <a:p>
-            <a:r>
-              <a:rPr lang="es-CR" dirty="0" smtClean="0">
-                <a:solidFill>
-                  <a:schemeClr val="tx1"/>
-                </a:solidFill>
-              </a:rPr>
-              <a:t>Propuesta 1</a:t>
-            </a:r>
-            <a:endParaRPr lang="es-CR" dirty="0">
-              <a:solidFill>
-                <a:schemeClr val="tx1"/>
-              </a:solidFill>
-            </a:endParaRPr>
-          </a:p>
-        </p:txBody>
-      </p:sp>
-      <p:sp>
-        <p:nvSpPr>
-          <p:cNvPr id="3" name="Marcador de número de diapositiva 2"/>
-          <p:cNvSpPr>
-            <a:spLocks noGrp="1"/>
-          </p:cNvSpPr>
-          <p:nvPr>
-            <p:ph type="sldNum" sz="quarter" idx="12"/>
-          </p:nvPr>
-        </p:nvSpPr>
-        <p:spPr/>
-        <p:txBody>
-          <a:bodyPr/>
-          <a:lstStyle/>
-          <a:p>
-            <a:fld id="{5B27CDC1-117D-4425-A72F-8A90F6D88CD2}" type="slidenum">
-              <a:rPr lang="es-CR" smtClean="0"/>
-              <a:t>5</a:t>
-            </a:fld>
-            <a:endParaRPr lang="es-CR" dirty="0"/>
-          </a:p>
-        </p:txBody>
-      </p:sp>
-      <p:sp>
-        <p:nvSpPr>
-          <p:cNvPr id="5" name="Marcador de contenido 4"/>
-          <p:cNvSpPr>
-            <a:spLocks noGrp="1"/>
-          </p:cNvSpPr>
-          <p:nvPr>
-            <p:ph idx="1"/>
-          </p:nvPr>
-        </p:nvSpPr>
-        <p:spPr>
-          <a:xfrm>
-            <a:off x="1143000" y="2057400"/>
-            <a:ext cx="5798127" cy="4038600"/>
-          </a:xfrm>
-        </p:spPr>
-        <p:txBody>
-          <a:bodyPr>
-            <a:normAutofit/>
-          </a:bodyPr>
-          <a:lstStyle/>
-          <a:p>
-            <a:r>
-              <a:rPr lang="es-CR" sz="2000" dirty="0" smtClean="0">
-                <a:solidFill>
-                  <a:schemeClr val="tx1"/>
-                </a:solidFill>
-              </a:rPr>
-              <a:t>Los alimentos se almacenan en tolvas separadas, las tolvas del concentrado y adicional tienen una pared divisoria.</a:t>
-            </a:r>
-          </a:p>
-          <a:p>
-            <a:r>
-              <a:rPr lang="es-CR" sz="2000" dirty="0" smtClean="0">
-                <a:solidFill>
-                  <a:schemeClr val="tx1"/>
-                </a:solidFill>
-              </a:rPr>
-              <a:t>Los alimentos son transportados por un TSF con ligera inclinación pesados en una tolva por sumatoria.</a:t>
-            </a:r>
-          </a:p>
-          <a:p>
-            <a:r>
-              <a:rPr lang="es-CR" sz="2000" dirty="0" smtClean="0">
-                <a:solidFill>
-                  <a:schemeClr val="tx1"/>
-                </a:solidFill>
-              </a:rPr>
-              <a:t>El mineral es medido en una tolva aparte.</a:t>
-            </a:r>
-          </a:p>
-          <a:p>
-            <a:r>
-              <a:rPr lang="es-CR" sz="2000" dirty="0" smtClean="0">
-                <a:solidFill>
-                  <a:schemeClr val="tx1"/>
-                </a:solidFill>
-              </a:rPr>
-              <a:t>La levadura es dosificada por volumen accionado por un motor a pasos.</a:t>
-            </a:r>
-          </a:p>
-          <a:p>
-            <a:r>
-              <a:rPr lang="es-CR" sz="2000" dirty="0" smtClean="0">
-                <a:solidFill>
-                  <a:schemeClr val="tx1"/>
-                </a:solidFill>
-              </a:rPr>
-              <a:t>La compuerta general es abierta y cerrada por un servomotor y trancada por un solenoide.</a:t>
-            </a:r>
-          </a:p>
-          <a:p>
-            <a:endParaRPr lang="es-CR" dirty="0" smtClean="0"/>
-          </a:p>
-        </p:txBody>
-      </p:sp>
-      <p:pic>
-        <p:nvPicPr>
-          <p:cNvPr id="6" name="Imagen 5"/>
-          <p:cNvPicPr>
-            <a:picLocks noChangeAspect="1"/>
-          </p:cNvPicPr>
-          <p:nvPr/>
-        </p:nvPicPr>
-        <p:blipFill>
-          <a:blip r:embed="rId2"/>
-          <a:stretch>
-            <a:fillRect/>
-          </a:stretch>
-        </p:blipFill>
-        <p:spPr>
-          <a:xfrm>
-            <a:off x="7667707" y="432263"/>
-            <a:ext cx="2823784" cy="5902036"/>
-          </a:xfrm>
-          <a:prstGeom prst="rect">
-            <a:avLst/>
-          </a:prstGeom>
-        </p:spPr>
-      </p:pic>
-    </p:spTree>
-    <p:extLst>
-      <p:ext uri="{BB962C8B-B14F-4D97-AF65-F5344CB8AC3E}">
-        <p14:creationId xmlns:p14="http://schemas.microsoft.com/office/powerpoint/2010/main" val="480160282"/>
-      </p:ext>
-    </p:extLst>
-  </p:cSld>
-  <p:clrMapOvr>
-    <a:masterClrMapping/>
-  </p:clrMapOvr>
-  <p:timing>
-    <p:tnLst>
-      <p:par>
-        <p:cTn id="1" dur="indefinite" restart="never" nodeType="tmRoot"/>
-      </p:par>
-    </p:tnLst>
-  </p:timing>
-</p:sld>
-</file>
-
-<file path=ppt/slides/slide6.xml><?xml version="1.0" encoding="utf-8"?>
-<p:sld xmlns:a="http://schemas.openxmlformats.org/drawingml/2006/main" xmlns:r="http://schemas.openxmlformats.org/officeDocument/2006/relationships" xmlns:p="http://schemas.openxmlformats.org/presentationml/2006/main">
-  <p:cSld>
-    <p:spTree>
-      <p:nvGrpSpPr>
-        <p:cNvPr id="1" name=""/>
-        <p:cNvGrpSpPr/>
-        <p:nvPr/>
-      </p:nvGrpSpPr>
-      <p:grpSpPr>
-        <a:xfrm>
-          <a:off x="0" y="0"/>
-          <a:ext cx="0" cy="0"/>
-          <a:chOff x="0" y="0"/>
-          <a:chExt cx="0" cy="0"/>
-        </a:xfrm>
-      </p:grpSpPr>
-      <p:sp>
-        <p:nvSpPr>
-          <p:cNvPr id="2" name="Título 1"/>
-          <p:cNvSpPr>
-            <a:spLocks noGrp="1"/>
-          </p:cNvSpPr>
-          <p:nvPr>
-            <p:ph type="title"/>
-          </p:nvPr>
-        </p:nvSpPr>
-        <p:spPr>
-          <a:xfrm>
-            <a:off x="880243" y="719234"/>
-            <a:ext cx="9875520" cy="1356360"/>
-          </a:xfrm>
-        </p:spPr>
-        <p:txBody>
-          <a:bodyPr/>
-          <a:lstStyle/>
-          <a:p>
-            <a:r>
-              <a:rPr lang="es-CR" dirty="0" smtClean="0">
-                <a:solidFill>
-                  <a:schemeClr val="tx1"/>
-                </a:solidFill>
-              </a:rPr>
-              <a:t>Descripción del proceso</a:t>
-            </a:r>
-            <a:endParaRPr lang="es-CR" dirty="0"/>
-          </a:p>
-        </p:txBody>
-      </p:sp>
-      <p:sp>
-        <p:nvSpPr>
-          <p:cNvPr id="7" name="Marcador de número de diapositiva 6"/>
-          <p:cNvSpPr>
-            <a:spLocks noGrp="1"/>
-          </p:cNvSpPr>
-          <p:nvPr>
-            <p:ph type="sldNum" sz="quarter" idx="12"/>
-          </p:nvPr>
-        </p:nvSpPr>
-        <p:spPr/>
-        <p:txBody>
-          <a:bodyPr/>
-          <a:lstStyle/>
-          <a:p>
-            <a:fld id="{5B27CDC1-117D-4425-A72F-8A90F6D88CD2}" type="slidenum">
-              <a:rPr lang="es-CR" smtClean="0"/>
-              <a:t>6</a:t>
-            </a:fld>
-            <a:endParaRPr lang="es-CR" dirty="0"/>
-          </a:p>
-        </p:txBody>
-      </p:sp>
-      <p:sp>
-        <p:nvSpPr>
-          <p:cNvPr id="8" name="Marcador de contenido 2"/>
-          <p:cNvSpPr>
-            <a:spLocks noGrp="1"/>
-          </p:cNvSpPr>
-          <p:nvPr>
-            <p:ph idx="1"/>
-          </p:nvPr>
-        </p:nvSpPr>
-        <p:spPr>
-          <a:xfrm>
-            <a:off x="880243" y="2075594"/>
-            <a:ext cx="4656033" cy="4038600"/>
-          </a:xfrm>
-        </p:spPr>
-        <p:txBody>
-          <a:bodyPr/>
-          <a:lstStyle/>
-          <a:p>
-            <a:pPr lvl="1"/>
-            <a:r>
-              <a:rPr lang="es-CR" dirty="0">
-                <a:solidFill>
-                  <a:schemeClr val="tx1"/>
-                </a:solidFill>
-              </a:rPr>
-              <a:t>L</a:t>
-            </a:r>
-            <a:r>
-              <a:rPr lang="es-CR" dirty="0" smtClean="0">
-                <a:solidFill>
-                  <a:schemeClr val="tx1"/>
-                </a:solidFill>
-              </a:rPr>
-              <a:t>levar el sistema a la posición de inicio. </a:t>
-            </a:r>
-            <a:endParaRPr lang="es-CR" dirty="0">
-              <a:solidFill>
-                <a:schemeClr val="tx1"/>
-              </a:solidFill>
-            </a:endParaRPr>
-          </a:p>
-          <a:p>
-            <a:pPr lvl="1"/>
-            <a:r>
-              <a:rPr lang="es-CR" dirty="0" smtClean="0">
-                <a:solidFill>
-                  <a:schemeClr val="tx1"/>
-                </a:solidFill>
-              </a:rPr>
-              <a:t>Comenzar a dosificar el concentrado por los tornillo sin fin.</a:t>
-            </a:r>
-          </a:p>
-          <a:p>
-            <a:pPr lvl="1"/>
-            <a:r>
-              <a:rPr lang="es-CR" dirty="0" smtClean="0">
-                <a:solidFill>
-                  <a:schemeClr val="tx1"/>
-                </a:solidFill>
-              </a:rPr>
-              <a:t>Tarar la tolva y se inicia con la dosificación del adicional, y el mineral.</a:t>
-            </a:r>
-          </a:p>
-          <a:p>
-            <a:pPr lvl="1"/>
-            <a:r>
-              <a:rPr lang="es-CR" dirty="0" smtClean="0">
-                <a:solidFill>
-                  <a:schemeClr val="tx1"/>
-                </a:solidFill>
-              </a:rPr>
-              <a:t>Depositar la levadura.</a:t>
-            </a:r>
-          </a:p>
-          <a:p>
-            <a:pPr lvl="1"/>
-            <a:r>
-              <a:rPr lang="es-CR" dirty="0" smtClean="0">
-                <a:solidFill>
-                  <a:schemeClr val="tx1"/>
-                </a:solidFill>
-              </a:rPr>
-              <a:t>Abrir la tolva romana.</a:t>
-            </a:r>
-          </a:p>
-          <a:p>
-            <a:pPr marL="274320" lvl="1" indent="0">
-              <a:buNone/>
-            </a:pPr>
-            <a:endParaRPr lang="es-CR" dirty="0">
-              <a:solidFill>
-                <a:schemeClr val="tx1"/>
-              </a:solidFill>
-            </a:endParaRPr>
-          </a:p>
-        </p:txBody>
-      </p:sp>
-      <p:pic>
-        <p:nvPicPr>
-          <p:cNvPr id="9" name="Imagen 8"/>
-          <p:cNvPicPr>
-            <a:picLocks noChangeAspect="1"/>
-          </p:cNvPicPr>
-          <p:nvPr/>
-        </p:nvPicPr>
-        <p:blipFill>
-          <a:blip r:embed="rId2"/>
-          <a:stretch>
-            <a:fillRect/>
-          </a:stretch>
-        </p:blipFill>
-        <p:spPr>
-          <a:xfrm>
-            <a:off x="6859217" y="292552"/>
-            <a:ext cx="2470313" cy="6296401"/>
-          </a:xfrm>
-          <a:prstGeom prst="rect">
-            <a:avLst/>
-          </a:prstGeom>
-        </p:spPr>
-      </p:pic>
-    </p:spTree>
-    <p:extLst>
-      <p:ext uri="{BB962C8B-B14F-4D97-AF65-F5344CB8AC3E}">
-        <p14:creationId xmlns:p14="http://schemas.microsoft.com/office/powerpoint/2010/main" val="2437483365"/>
-      </p:ext>
-    </p:extLst>
-  </p:cSld>
-  <p:clrMapOvr>
-    <a:masterClrMapping/>
-  </p:clrMapOvr>
-  <p:timing>
-    <p:tnLst>
-      <p:par>
-        <p:cTn id="1" dur="indefinite" restart="never" nodeType="tmRoot"/>
-      </p:par>
-    </p:tnLst>
-  </p:timing>
-</p:sld>
-</file>
-
-<file path=ppt/slides/slide7.xml><?xml version="1.0" encoding="utf-8"?>
-<p:sld xmlns:a="http://schemas.openxmlformats.org/drawingml/2006/main" xmlns:r="http://schemas.openxmlformats.org/officeDocument/2006/relationships" xmlns:p="http://schemas.openxmlformats.org/presentationml/2006/main">
-  <p:cSld>
-    <p:spTree>
-      <p:nvGrpSpPr>
-        <p:cNvPr id="1" name=""/>
-        <p:cNvGrpSpPr/>
-        <p:nvPr/>
-      </p:nvGrpSpPr>
-      <p:grpSpPr>
-        <a:xfrm>
-          <a:off x="0" y="0"/>
-          <a:ext cx="0" cy="0"/>
-          <a:chOff x="0" y="0"/>
-          <a:chExt cx="0" cy="0"/>
-        </a:xfrm>
-      </p:grpSpPr>
-      <p:sp>
-        <p:nvSpPr>
-          <p:cNvPr id="2" name="Título 1"/>
-          <p:cNvSpPr>
-            <a:spLocks noGrp="1"/>
-          </p:cNvSpPr>
-          <p:nvPr>
-            <p:ph type="title"/>
-          </p:nvPr>
-        </p:nvSpPr>
-        <p:spPr/>
-        <p:txBody>
-          <a:bodyPr/>
-          <a:lstStyle/>
-          <a:p>
-            <a:r>
-              <a:rPr lang="es-CR" dirty="0" smtClean="0">
-                <a:solidFill>
-                  <a:schemeClr val="tx1"/>
-                </a:solidFill>
-              </a:rPr>
-              <a:t>Argumentos</a:t>
-            </a:r>
-            <a:endParaRPr lang="es-CR" dirty="0">
-              <a:solidFill>
-                <a:schemeClr val="tx1"/>
-              </a:solidFill>
-            </a:endParaRPr>
-          </a:p>
-        </p:txBody>
-      </p:sp>
-      <p:sp>
-        <p:nvSpPr>
-          <p:cNvPr id="4" name="Marcador de número de diapositiva 3"/>
-          <p:cNvSpPr>
-            <a:spLocks noGrp="1"/>
-          </p:cNvSpPr>
-          <p:nvPr>
-            <p:ph type="sldNum" sz="quarter" idx="12"/>
-          </p:nvPr>
-        </p:nvSpPr>
-        <p:spPr/>
-        <p:txBody>
-          <a:bodyPr/>
-          <a:lstStyle/>
-          <a:p>
-            <a:fld id="{5B27CDC1-117D-4425-A72F-8A90F6D88CD2}" type="slidenum">
-              <a:rPr lang="es-CR" smtClean="0"/>
-              <a:t>7</a:t>
+              <a:t>10</a:t>
             </a:fld>
             <a:endParaRPr lang="es-CR" dirty="0"/>
           </a:p>
@@ -11427,14 +10591,14 @@
             <p:ph idx="1"/>
             <p:extLst>
               <p:ext uri="{D42A27DB-BD31-4B8C-83A1-F6EECF244321}">
-                <p14:modId xmlns:p14="http://schemas.microsoft.com/office/powerpoint/2010/main" val="1749413571"/>
+                <p14:modId xmlns:p14="http://schemas.microsoft.com/office/powerpoint/2010/main" val="1291727375"/>
               </p:ext>
             </p:extLst>
           </p:nvPr>
         </p:nvGraphicFramePr>
         <p:xfrm>
           <a:off x="1143000" y="2057400"/>
-          <a:ext cx="9872664" cy="3322320"/>
+          <a:ext cx="9872664" cy="4003040"/>
         </p:xfrm>
         <a:graphic>
           <a:graphicData uri="http://schemas.openxmlformats.org/drawingml/2006/table">
@@ -11500,14 +10664,14 @@
                     <a:lstStyle/>
                     <a:p>
                       <a:r>
-                        <a:rPr lang="es-CR" sz="1600" dirty="0" smtClean="0"/>
+                        <a:rPr lang="es-CR" sz="1400" dirty="0" smtClean="0"/>
                         <a:t>Sencillez</a:t>
                       </a:r>
                       <a:r>
-                        <a:rPr lang="es-CR" sz="1600" baseline="0" dirty="0" smtClean="0"/>
+                        <a:rPr lang="es-CR" sz="1400" baseline="0" dirty="0" smtClean="0"/>
                         <a:t> en el diseño del tornillo sin fin (TSF).</a:t>
                       </a:r>
-                      <a:endParaRPr lang="es-CR" sz="1600" dirty="0"/>
+                      <a:endParaRPr lang="es-CR" sz="1400" dirty="0"/>
                     </a:p>
                   </a:txBody>
                   <a:tcPr/>
@@ -11518,14 +10682,14 @@
                     <a:lstStyle/>
                     <a:p>
                       <a:r>
-                        <a:rPr lang="es-CR" sz="1600" dirty="0" smtClean="0"/>
+                        <a:rPr lang="es-CR" sz="1400" dirty="0" smtClean="0"/>
                         <a:t>Puede existir rotura</a:t>
                       </a:r>
                       <a:r>
-                        <a:rPr lang="es-CR" sz="1600" baseline="0" dirty="0" smtClean="0"/>
+                        <a:rPr lang="es-CR" sz="1400" baseline="0" dirty="0" smtClean="0"/>
                         <a:t> en cadena de las celdas de carga (LC).</a:t>
                       </a:r>
-                      <a:endParaRPr lang="es-CR" sz="1600" dirty="0"/>
+                      <a:endParaRPr lang="es-CR" sz="1400" dirty="0"/>
                     </a:p>
                   </a:txBody>
                   <a:tcPr/>
@@ -11543,14 +10707,14 @@
                     <a:lstStyle/>
                     <a:p>
                       <a:r>
-                        <a:rPr lang="es-CR" sz="1600" dirty="0" smtClean="0"/>
-                        <a:t>Pocas partes móviles </a:t>
+                        <a:rPr lang="es-CR" sz="1400" dirty="0" smtClean="0"/>
+                        <a:t>Es auto </a:t>
                       </a:r>
                       <a:r>
-                        <a:rPr lang="es-CR" sz="1600" baseline="0" dirty="0" smtClean="0"/>
-                        <a:t>comparado con otros.</a:t>
+                        <a:rPr lang="es-CR" sz="1400" dirty="0" smtClean="0"/>
+                        <a:t>limpiante.</a:t>
                       </a:r>
-                      <a:endParaRPr lang="es-CR" sz="1600" dirty="0"/>
+                      <a:endParaRPr lang="es-CR" sz="1400" dirty="0"/>
                     </a:p>
                   </a:txBody>
                   <a:tcPr/>
@@ -11561,10 +10725,10 @@
                     <a:lstStyle/>
                     <a:p>
                       <a:r>
-                        <a:rPr lang="es-CR" sz="1600" dirty="0" smtClean="0"/>
-                        <a:t>Requiere de calibraciones más complejas</a:t>
+                        <a:rPr lang="es-CR" sz="1400" dirty="0" smtClean="0"/>
+                        <a:t>Requiere de calibraciones más complejas.</a:t>
                       </a:r>
-                      <a:endParaRPr lang="es-CR" sz="1600" dirty="0"/>
+                      <a:endParaRPr lang="es-CR" sz="1400" dirty="0"/>
                     </a:p>
                   </a:txBody>
                   <a:tcPr/>
@@ -11582,10 +10746,18 @@
                     <a:lstStyle/>
                     <a:p>
                       <a:r>
-                        <a:rPr lang="es-CR" sz="1600" dirty="0" smtClean="0"/>
-                        <a:t>Es auto limpiante</a:t>
+                        <a:rPr lang="es-CR" sz="1400" dirty="0" smtClean="0"/>
+                        <a:t>Permite</a:t>
                       </a:r>
-                      <a:endParaRPr lang="es-CR" sz="1600" dirty="0"/>
+                      <a:r>
+                        <a:rPr lang="es-CR" sz="1400" baseline="0" dirty="0" smtClean="0"/>
+                        <a:t> dosificación controlada y </a:t>
+                      </a:r>
+                      <a:r>
+                        <a:rPr lang="es-CR" sz="1400" baseline="0" dirty="0" smtClean="0"/>
+                        <a:t>variable.</a:t>
+                      </a:r>
+                      <a:endParaRPr lang="es-CR" sz="1400" dirty="0"/>
                     </a:p>
                   </a:txBody>
                   <a:tcPr/>
@@ -11597,7 +10769,7 @@
                     <a:p>
                       <a:r>
                         <a:rPr lang="es-CR" sz="1400" dirty="0" smtClean="0"/>
-                        <a:t>Es posible que dure más de 30 s por tener que dosificar en secuencia</a:t>
+                        <a:t>Es posible que dure más de 30 s por tener que dosificar en secuencia.</a:t>
                       </a:r>
                       <a:endParaRPr lang="es-CR" sz="1400" dirty="0"/>
                     </a:p>
@@ -11617,14 +10789,14 @@
                     <a:lstStyle/>
                     <a:p>
                       <a:r>
-                        <a:rPr lang="es-CR" sz="1600" dirty="0" smtClean="0"/>
-                        <a:t>Permite</a:t>
+                        <a:rPr lang="es-CR" sz="1400" dirty="0" smtClean="0"/>
+                        <a:t>Medición “directa” del </a:t>
                       </a:r>
                       <a:r>
-                        <a:rPr lang="es-CR" sz="1600" baseline="0" dirty="0" smtClean="0"/>
-                        <a:t> dosificación controlada y variable</a:t>
+                        <a:rPr lang="es-CR" sz="1400" dirty="0" smtClean="0"/>
+                        <a:t>peso.</a:t>
                       </a:r>
-                      <a:endParaRPr lang="es-CR" sz="1600" dirty="0"/>
+                      <a:endParaRPr lang="es-CR" sz="1400" dirty="0"/>
                     </a:p>
                   </a:txBody>
                   <a:tcPr/>
@@ -11635,14 +10807,14 @@
                     <a:lstStyle/>
                     <a:p>
                       <a:r>
-                        <a:rPr lang="es-CR" sz="1600" dirty="0" smtClean="0"/>
+                        <a:rPr lang="es-CR" sz="1400" dirty="0" smtClean="0"/>
                         <a:t>Dificultad</a:t>
                       </a:r>
                       <a:r>
-                        <a:rPr lang="es-CR" sz="1600" baseline="0" dirty="0" smtClean="0"/>
-                        <a:t> de manufactura de TSF</a:t>
+                        <a:rPr lang="es-CR" sz="1400" baseline="0" dirty="0" smtClean="0"/>
+                        <a:t> de manufactura de TSF.</a:t>
                       </a:r>
-                      <a:endParaRPr lang="es-CR" sz="1600" dirty="0"/>
+                      <a:endParaRPr lang="es-CR" sz="1400" dirty="0"/>
                     </a:p>
                   </a:txBody>
                   <a:tcPr/>
@@ -11660,10 +10832,22 @@
                     <a:lstStyle/>
                     <a:p>
                       <a:r>
-                        <a:rPr lang="es-CR" sz="1600" dirty="0" smtClean="0"/>
-                        <a:t>Medición “directa” del peso</a:t>
+                        <a:rPr lang="es-CR" sz="1400" dirty="0" smtClean="0"/>
+                        <a:t>Minimiza </a:t>
                       </a:r>
-                      <a:endParaRPr lang="es-CR" sz="1600" dirty="0"/>
+                      <a:r>
+                        <a:rPr lang="es-CR" sz="1400" dirty="0" smtClean="0"/>
+                        <a:t>re trabajos</a:t>
+                      </a:r>
+                      <a:r>
+                        <a:rPr lang="es-CR" sz="1400" baseline="0" dirty="0" smtClean="0"/>
+                        <a:t> por movimiento de </a:t>
+                      </a:r>
+                      <a:r>
+                        <a:rPr lang="es-CR" sz="1400" dirty="0" smtClean="0"/>
+                        <a:t>materiales.</a:t>
+                      </a:r>
+                      <a:endParaRPr lang="es-CR" sz="1400" dirty="0"/>
                     </a:p>
                   </a:txBody>
                   <a:tcPr/>
@@ -11674,14 +10858,14 @@
                     <a:lstStyle/>
                     <a:p>
                       <a:r>
-                        <a:rPr lang="es-CR" sz="1600" dirty="0" smtClean="0"/>
+                        <a:rPr lang="es-CR" sz="1400" dirty="0" smtClean="0"/>
                         <a:t>Puede colarse levadura en las superficies internas del</a:t>
                       </a:r>
                       <a:r>
-                        <a:rPr lang="es-CR" sz="1600" baseline="0" dirty="0" smtClean="0"/>
+                        <a:rPr lang="es-CR" sz="1400" baseline="0" dirty="0" smtClean="0"/>
                         <a:t> tambor.</a:t>
                       </a:r>
-                      <a:endParaRPr lang="es-CR" sz="1600" dirty="0"/>
+                      <a:endParaRPr lang="es-CR" sz="1400" dirty="0"/>
                     </a:p>
                   </a:txBody>
                   <a:tcPr/>
@@ -11699,10 +10883,14 @@
                     <a:lstStyle/>
                     <a:p>
                       <a:r>
-                        <a:rPr lang="es-CR" sz="1600" dirty="0" smtClean="0"/>
-                        <a:t>Minimiza movilización de materiales</a:t>
+                        <a:rPr lang="es-CR" sz="1400" dirty="0" smtClean="0"/>
+                        <a:t>La</a:t>
                       </a:r>
-                      <a:endParaRPr lang="es-CR" sz="1600" dirty="0"/>
+                      <a:r>
+                        <a:rPr lang="es-CR" sz="1400" baseline="0" dirty="0" smtClean="0"/>
+                        <a:t> mesa de trabajo se compacta.</a:t>
+                      </a:r>
+                      <a:endParaRPr lang="es-CR" sz="1400" dirty="0"/>
                     </a:p>
                   </a:txBody>
                   <a:tcPr/>
@@ -11712,7 +10900,7 @@
                     <a:bodyPr/>
                     <a:lstStyle/>
                     <a:p>
-                      <a:endParaRPr lang="es-CR" sz="1600" dirty="0"/>
+                      <a:endParaRPr lang="es-CR" sz="1400" dirty="0"/>
                     </a:p>
                   </a:txBody>
                   <a:tcPr/>
@@ -11730,20 +10918,1230 @@
                     <a:lstStyle/>
                     <a:p>
                       <a:r>
-                        <a:rPr lang="es-CR" sz="1600" dirty="0" smtClean="0"/>
-                        <a:t>La</a:t>
+                        <a:rPr lang="es-CR" sz="1400" dirty="0" smtClean="0"/>
+                        <a:t>Permite</a:t>
                       </a:r>
                       <a:r>
-                        <a:rPr lang="es-CR" sz="1600" baseline="0" dirty="0" smtClean="0"/>
-                        <a:t> mesa de trabajo se </a:t>
+                        <a:rPr lang="es-CR" sz="1400" baseline="0" dirty="0" smtClean="0"/>
+                        <a:t> proteger la tolva de </a:t>
                       </a:r>
                       <a:r>
-                        <a:rPr lang="es-CR" sz="1600" baseline="0" dirty="0" err="1" smtClean="0"/>
-                        <a:t>compactifica</a:t>
+                        <a:rPr lang="es-CR" sz="1400" baseline="0" dirty="0" smtClean="0"/>
+                        <a:t>romana ante </a:t>
                       </a:r>
                       <a:r>
-                        <a:rPr lang="es-CR" sz="1600" baseline="0" dirty="0" smtClean="0"/>
-                        <a:t>.</a:t>
+                        <a:rPr lang="es-CR" sz="1400" baseline="0" dirty="0" smtClean="0"/>
+                        <a:t>golpes o accidentes.</a:t>
+                      </a:r>
+                      <a:endParaRPr lang="es-CR" sz="1400" dirty="0"/>
+                    </a:p>
+                  </a:txBody>
+                  <a:tcPr/>
+                </a:tc>
+                <a:tc>
+                  <a:txBody>
+                    <a:bodyPr/>
+                    <a:lstStyle/>
+                    <a:p>
+                      <a:endParaRPr lang="es-CR" sz="1400" dirty="0" smtClean="0"/>
+                    </a:p>
+                  </a:txBody>
+                  <a:tcPr/>
+                </a:tc>
+                <a:extLst>
+                  <a:ext uri="{0D108BD9-81ED-4DB2-BD59-A6C34878D82A}">
+                    <a16:rowId xmlns:a16="http://schemas.microsoft.com/office/drawing/2014/main" val="2933573740"/>
+                  </a:ext>
+                </a:extLst>
+              </a:tr>
+              <a:tr h="370840">
+                <a:tc>
+                  <a:txBody>
+                    <a:bodyPr/>
+                    <a:lstStyle/>
+                    <a:p>
+                      <a:r>
+                        <a:rPr lang="es-CR" sz="1400" dirty="0" smtClean="0"/>
+                        <a:t>Simplifica</a:t>
+                      </a:r>
+                      <a:r>
+                        <a:rPr lang="es-CR" sz="1400" baseline="0" dirty="0" smtClean="0"/>
+                        <a:t> el mantenimiento </a:t>
+                      </a:r>
+                      <a:r>
+                        <a:rPr lang="es-CR" sz="1400" baseline="0" dirty="0" smtClean="0"/>
+                        <a:t>de los aparatos de medición ya </a:t>
+                      </a:r>
+                      <a:r>
+                        <a:rPr lang="es-CR" sz="1400" baseline="0" dirty="0" smtClean="0"/>
+                        <a:t>que solo es necesario retirar </a:t>
+                      </a:r>
+                      <a:r>
+                        <a:rPr lang="es-CR" sz="1400" baseline="0" dirty="0" smtClean="0"/>
+                        <a:t>una tolva.</a:t>
+                      </a:r>
+                      <a:endParaRPr lang="es-CR" sz="1400" baseline="0" dirty="0" smtClean="0"/>
+                    </a:p>
+                  </a:txBody>
+                  <a:tcPr/>
+                </a:tc>
+                <a:tc>
+                  <a:txBody>
+                    <a:bodyPr/>
+                    <a:lstStyle/>
+                    <a:p>
+                      <a:endParaRPr lang="es-CR" sz="1400" dirty="0" smtClean="0"/>
+                    </a:p>
+                  </a:txBody>
+                  <a:tcPr/>
+                </a:tc>
+                <a:extLst>
+                  <a:ext uri="{0D108BD9-81ED-4DB2-BD59-A6C34878D82A}">
+                    <a16:rowId xmlns:a16="http://schemas.microsoft.com/office/drawing/2014/main" val="1198860816"/>
+                  </a:ext>
+                </a:extLst>
+              </a:tr>
+              <a:tr h="370840">
+                <a:tc>
+                  <a:txBody>
+                    <a:bodyPr/>
+                    <a:lstStyle/>
+                    <a:p>
+                      <a:r>
+                        <a:rPr lang="es-CR" sz="1400" baseline="0" dirty="0" smtClean="0"/>
+                        <a:t>Es fácilmente escalable para más vacas.</a:t>
+                      </a:r>
+                    </a:p>
+                  </a:txBody>
+                  <a:tcPr/>
+                </a:tc>
+                <a:tc>
+                  <a:txBody>
+                    <a:bodyPr/>
+                    <a:lstStyle/>
+                    <a:p>
+                      <a:endParaRPr lang="es-CR" sz="1400" dirty="0" smtClean="0"/>
+                    </a:p>
+                  </a:txBody>
+                  <a:tcPr/>
+                </a:tc>
+                <a:extLst>
+                  <a:ext uri="{0D108BD9-81ED-4DB2-BD59-A6C34878D82A}">
+                    <a16:rowId xmlns:a16="http://schemas.microsoft.com/office/drawing/2014/main" val="3642480500"/>
+                  </a:ext>
+                </a:extLst>
+              </a:tr>
+            </a:tbl>
+          </a:graphicData>
+        </a:graphic>
+      </p:graphicFrame>
+    </p:spTree>
+    <p:extLst>
+      <p:ext uri="{BB962C8B-B14F-4D97-AF65-F5344CB8AC3E}">
+        <p14:creationId xmlns:p14="http://schemas.microsoft.com/office/powerpoint/2010/main" val="3863916427"/>
+      </p:ext>
+    </p:extLst>
+  </p:cSld>
+  <p:clrMapOvr>
+    <a:masterClrMapping/>
+  </p:clrMapOvr>
+  <p:timing>
+    <p:tnLst>
+      <p:par>
+        <p:cTn id="1" dur="indefinite" restart="never" nodeType="tmRoot"/>
+      </p:par>
+    </p:tnLst>
+  </p:timing>
+</p:sld>
+</file>
+
+<file path=ppt/slides/slide11.xml><?xml version="1.0" encoding="utf-8"?>
+<p:sld xmlns:a="http://schemas.openxmlformats.org/drawingml/2006/main" xmlns:r="http://schemas.openxmlformats.org/officeDocument/2006/relationships" xmlns:p="http://schemas.openxmlformats.org/presentationml/2006/main">
+  <p:cSld>
+    <p:spTree>
+      <p:nvGrpSpPr>
+        <p:cNvPr id="1" name=""/>
+        <p:cNvGrpSpPr/>
+        <p:nvPr/>
+      </p:nvGrpSpPr>
+      <p:grpSpPr>
+        <a:xfrm>
+          <a:off x="0" y="0"/>
+          <a:ext cx="0" cy="0"/>
+          <a:chOff x="0" y="0"/>
+          <a:chExt cx="0" cy="0"/>
+        </a:xfrm>
+      </p:grpSpPr>
+      <p:sp>
+        <p:nvSpPr>
+          <p:cNvPr id="2" name="Título 1"/>
+          <p:cNvSpPr>
+            <a:spLocks noGrp="1"/>
+          </p:cNvSpPr>
+          <p:nvPr>
+            <p:ph type="title"/>
+          </p:nvPr>
+        </p:nvSpPr>
+        <p:spPr/>
+        <p:txBody>
+          <a:bodyPr/>
+          <a:lstStyle/>
+          <a:p>
+            <a:r>
+              <a:rPr lang="es-CR" dirty="0" smtClean="0">
+                <a:solidFill>
+                  <a:schemeClr val="tx1"/>
+                </a:solidFill>
+              </a:rPr>
+              <a:t>Propuesta 2</a:t>
+            </a:r>
+            <a:endParaRPr lang="es-CR" dirty="0">
+              <a:solidFill>
+                <a:schemeClr val="tx1"/>
+              </a:solidFill>
+            </a:endParaRPr>
+          </a:p>
+        </p:txBody>
+      </p:sp>
+      <p:sp>
+        <p:nvSpPr>
+          <p:cNvPr id="3" name="Marcador de contenido 2"/>
+          <p:cNvSpPr>
+            <a:spLocks noGrp="1"/>
+          </p:cNvSpPr>
+          <p:nvPr>
+            <p:ph idx="1"/>
+          </p:nvPr>
+        </p:nvSpPr>
+        <p:spPr>
+          <a:xfrm>
+            <a:off x="1143000" y="2057400"/>
+            <a:ext cx="4908665" cy="4038600"/>
+          </a:xfrm>
+        </p:spPr>
+        <p:txBody>
+          <a:bodyPr/>
+          <a:lstStyle/>
+          <a:p>
+            <a:r>
+              <a:rPr lang="es-CR" dirty="0" smtClean="0">
+                <a:solidFill>
+                  <a:schemeClr val="tx1"/>
+                </a:solidFill>
+              </a:rPr>
+              <a:t>Las tolvas de almacenamiento están soportadas por celdas de carga y poseen una válvula de cuchilla accionada por pistones neumáticos.</a:t>
+            </a:r>
+          </a:p>
+          <a:p>
+            <a:r>
+              <a:rPr lang="es-CR" dirty="0" smtClean="0">
+                <a:solidFill>
+                  <a:schemeClr val="tx1"/>
+                </a:solidFill>
+              </a:rPr>
+              <a:t>Los alimentos son transportador mediante una banda en V.</a:t>
+            </a:r>
+          </a:p>
+          <a:p>
+            <a:r>
+              <a:rPr lang="es-CR" dirty="0" smtClean="0">
+                <a:solidFill>
+                  <a:schemeClr val="tx1"/>
+                </a:solidFill>
+              </a:rPr>
+              <a:t>La banda en la parte inferior tiene un sistema que limpia los residuos.</a:t>
+            </a:r>
+          </a:p>
+          <a:p>
+            <a:r>
+              <a:rPr lang="es-CR" dirty="0" smtClean="0">
+                <a:solidFill>
+                  <a:schemeClr val="tx1"/>
+                </a:solidFill>
+              </a:rPr>
+              <a:t>Los materiales caen por un cono hasta los tubos.</a:t>
+            </a:r>
+          </a:p>
+          <a:p>
+            <a:endParaRPr lang="es-CR" dirty="0">
+              <a:solidFill>
+                <a:schemeClr val="tx1"/>
+              </a:solidFill>
+            </a:endParaRPr>
+          </a:p>
+        </p:txBody>
+      </p:sp>
+      <p:sp>
+        <p:nvSpPr>
+          <p:cNvPr id="4" name="Marcador de número de diapositiva 3"/>
+          <p:cNvSpPr>
+            <a:spLocks noGrp="1"/>
+          </p:cNvSpPr>
+          <p:nvPr>
+            <p:ph type="sldNum" sz="quarter" idx="12"/>
+          </p:nvPr>
+        </p:nvSpPr>
+        <p:spPr/>
+        <p:txBody>
+          <a:bodyPr/>
+          <a:lstStyle/>
+          <a:p>
+            <a:fld id="{5B27CDC1-117D-4425-A72F-8A90F6D88CD2}" type="slidenum">
+              <a:rPr lang="es-CR" smtClean="0"/>
+              <a:t>11</a:t>
+            </a:fld>
+            <a:endParaRPr lang="es-CR" dirty="0"/>
+          </a:p>
+        </p:txBody>
+      </p:sp>
+      <p:pic>
+        <p:nvPicPr>
+          <p:cNvPr id="5" name="Imagen 4"/>
+          <p:cNvPicPr>
+            <a:picLocks noChangeAspect="1"/>
+          </p:cNvPicPr>
+          <p:nvPr/>
+        </p:nvPicPr>
+        <p:blipFill>
+          <a:blip r:embed="rId2"/>
+          <a:stretch>
+            <a:fillRect/>
+          </a:stretch>
+        </p:blipFill>
+        <p:spPr>
+          <a:xfrm>
+            <a:off x="8814204" y="2279963"/>
+            <a:ext cx="3037073" cy="2142408"/>
+          </a:xfrm>
+          <a:prstGeom prst="rect">
+            <a:avLst/>
+          </a:prstGeom>
+        </p:spPr>
+      </p:pic>
+      <p:pic>
+        <p:nvPicPr>
+          <p:cNvPr id="6" name="Imagen 5"/>
+          <p:cNvPicPr>
+            <a:picLocks noChangeAspect="1"/>
+          </p:cNvPicPr>
+          <p:nvPr/>
+        </p:nvPicPr>
+        <p:blipFill>
+          <a:blip r:embed="rId3"/>
+          <a:stretch>
+            <a:fillRect/>
+          </a:stretch>
+        </p:blipFill>
+        <p:spPr>
+          <a:xfrm>
+            <a:off x="5939367" y="1965960"/>
+            <a:ext cx="2991219" cy="3625204"/>
+          </a:xfrm>
+          <a:prstGeom prst="rect">
+            <a:avLst/>
+          </a:prstGeom>
+        </p:spPr>
+      </p:pic>
+    </p:spTree>
+    <p:extLst>
+      <p:ext uri="{BB962C8B-B14F-4D97-AF65-F5344CB8AC3E}">
+        <p14:creationId xmlns:p14="http://schemas.microsoft.com/office/powerpoint/2010/main" val="1882219682"/>
+      </p:ext>
+    </p:extLst>
+  </p:cSld>
+  <p:clrMapOvr>
+    <a:masterClrMapping/>
+  </p:clrMapOvr>
+  <p:timing>
+    <p:tnLst>
+      <p:par>
+        <p:cTn id="1" dur="indefinite" restart="never" nodeType="tmRoot"/>
+      </p:par>
+    </p:tnLst>
+  </p:timing>
+</p:sld>
+</file>
+
+<file path=ppt/slides/slide12.xml><?xml version="1.0" encoding="utf-8"?>
+<p:sld xmlns:a="http://schemas.openxmlformats.org/drawingml/2006/main" xmlns:r="http://schemas.openxmlformats.org/officeDocument/2006/relationships" xmlns:p="http://schemas.openxmlformats.org/presentationml/2006/main">
+  <p:cSld>
+    <p:spTree>
+      <p:nvGrpSpPr>
+        <p:cNvPr id="1" name=""/>
+        <p:cNvGrpSpPr/>
+        <p:nvPr/>
+      </p:nvGrpSpPr>
+      <p:grpSpPr>
+        <a:xfrm>
+          <a:off x="0" y="0"/>
+          <a:ext cx="0" cy="0"/>
+          <a:chOff x="0" y="0"/>
+          <a:chExt cx="0" cy="0"/>
+        </a:xfrm>
+      </p:grpSpPr>
+      <p:sp>
+        <p:nvSpPr>
+          <p:cNvPr id="2" name="Título 1"/>
+          <p:cNvSpPr>
+            <a:spLocks noGrp="1"/>
+          </p:cNvSpPr>
+          <p:nvPr>
+            <p:ph type="title"/>
+          </p:nvPr>
+        </p:nvSpPr>
+        <p:spPr>
+          <a:xfrm>
+            <a:off x="880243" y="719234"/>
+            <a:ext cx="9875520" cy="1356360"/>
+          </a:xfrm>
+        </p:spPr>
+        <p:txBody>
+          <a:bodyPr/>
+          <a:lstStyle/>
+          <a:p>
+            <a:r>
+              <a:rPr lang="es-CR" dirty="0" smtClean="0">
+                <a:solidFill>
+                  <a:schemeClr val="tx1"/>
+                </a:solidFill>
+              </a:rPr>
+              <a:t>Descripción del proceso</a:t>
+            </a:r>
+            <a:endParaRPr lang="es-CR" dirty="0"/>
+          </a:p>
+        </p:txBody>
+      </p:sp>
+      <p:sp>
+        <p:nvSpPr>
+          <p:cNvPr id="7" name="Marcador de número de diapositiva 6"/>
+          <p:cNvSpPr>
+            <a:spLocks noGrp="1"/>
+          </p:cNvSpPr>
+          <p:nvPr>
+            <p:ph type="sldNum" sz="quarter" idx="12"/>
+          </p:nvPr>
+        </p:nvSpPr>
+        <p:spPr/>
+        <p:txBody>
+          <a:bodyPr/>
+          <a:lstStyle/>
+          <a:p>
+            <a:fld id="{5B27CDC1-117D-4425-A72F-8A90F6D88CD2}" type="slidenum">
+              <a:rPr lang="es-CR" smtClean="0"/>
+              <a:t>12</a:t>
+            </a:fld>
+            <a:endParaRPr lang="es-CR" dirty="0"/>
+          </a:p>
+        </p:txBody>
+      </p:sp>
+      <p:sp>
+        <p:nvSpPr>
+          <p:cNvPr id="8" name="Marcador de contenido 2"/>
+          <p:cNvSpPr>
+            <a:spLocks noGrp="1"/>
+          </p:cNvSpPr>
+          <p:nvPr>
+            <p:ph idx="1"/>
+          </p:nvPr>
+        </p:nvSpPr>
+        <p:spPr>
+          <a:xfrm>
+            <a:off x="880243" y="2075594"/>
+            <a:ext cx="4656033" cy="4038600"/>
+          </a:xfrm>
+        </p:spPr>
+        <p:txBody>
+          <a:bodyPr/>
+          <a:lstStyle/>
+          <a:p>
+            <a:pPr lvl="1"/>
+            <a:r>
+              <a:rPr lang="es-CR" dirty="0" smtClean="0">
+                <a:solidFill>
+                  <a:schemeClr val="tx1"/>
+                </a:solidFill>
+              </a:rPr>
+              <a:t>La banda transportadora siempre está funcionando.</a:t>
+            </a:r>
+            <a:endParaRPr lang="es-CR" dirty="0">
+              <a:solidFill>
+                <a:schemeClr val="tx1"/>
+              </a:solidFill>
+            </a:endParaRPr>
+          </a:p>
+          <a:p>
+            <a:pPr lvl="1"/>
+            <a:r>
+              <a:rPr lang="es-CR" dirty="0" smtClean="0">
+                <a:solidFill>
+                  <a:schemeClr val="tx1"/>
+                </a:solidFill>
+              </a:rPr>
+              <a:t>Abrir los pistones.</a:t>
+            </a:r>
+          </a:p>
+          <a:p>
+            <a:pPr lvl="1"/>
+            <a:r>
+              <a:rPr lang="es-CR" dirty="0" smtClean="0">
+                <a:solidFill>
+                  <a:schemeClr val="tx1"/>
+                </a:solidFill>
+              </a:rPr>
+              <a:t>Depositar los alimentos uno a uno.</a:t>
+            </a:r>
+          </a:p>
+          <a:p>
+            <a:pPr marL="274320" lvl="1" indent="0">
+              <a:buNone/>
+            </a:pPr>
+            <a:endParaRPr lang="es-CR" dirty="0">
+              <a:solidFill>
+                <a:schemeClr val="tx1"/>
+              </a:solidFill>
+            </a:endParaRPr>
+          </a:p>
+        </p:txBody>
+      </p:sp>
+      <p:pic>
+        <p:nvPicPr>
+          <p:cNvPr id="4" name="Imagen 3"/>
+          <p:cNvPicPr>
+            <a:picLocks noChangeAspect="1"/>
+          </p:cNvPicPr>
+          <p:nvPr/>
+        </p:nvPicPr>
+        <p:blipFill>
+          <a:blip r:embed="rId2"/>
+          <a:stretch>
+            <a:fillRect/>
+          </a:stretch>
+        </p:blipFill>
+        <p:spPr>
+          <a:xfrm>
+            <a:off x="6745627" y="719234"/>
+            <a:ext cx="4802288" cy="4999501"/>
+          </a:xfrm>
+          <a:prstGeom prst="rect">
+            <a:avLst/>
+          </a:prstGeom>
+        </p:spPr>
+      </p:pic>
+    </p:spTree>
+    <p:extLst>
+      <p:ext uri="{BB962C8B-B14F-4D97-AF65-F5344CB8AC3E}">
+        <p14:creationId xmlns:p14="http://schemas.microsoft.com/office/powerpoint/2010/main" val="2353852588"/>
+      </p:ext>
+    </p:extLst>
+  </p:cSld>
+  <p:clrMapOvr>
+    <a:masterClrMapping/>
+  </p:clrMapOvr>
+  <p:timing>
+    <p:tnLst>
+      <p:par>
+        <p:cTn id="1" dur="indefinite" restart="never" nodeType="tmRoot"/>
+      </p:par>
+    </p:tnLst>
+  </p:timing>
+</p:sld>
+</file>
+
+<file path=ppt/slides/slide13.xml><?xml version="1.0" encoding="utf-8"?>
+<p:sld xmlns:a="http://schemas.openxmlformats.org/drawingml/2006/main" xmlns:r="http://schemas.openxmlformats.org/officeDocument/2006/relationships" xmlns:p="http://schemas.openxmlformats.org/presentationml/2006/main">
+  <p:cSld>
+    <p:spTree>
+      <p:nvGrpSpPr>
+        <p:cNvPr id="1" name=""/>
+        <p:cNvGrpSpPr/>
+        <p:nvPr/>
+      </p:nvGrpSpPr>
+      <p:grpSpPr>
+        <a:xfrm>
+          <a:off x="0" y="0"/>
+          <a:ext cx="0" cy="0"/>
+          <a:chOff x="0" y="0"/>
+          <a:chExt cx="0" cy="0"/>
+        </a:xfrm>
+      </p:grpSpPr>
+      <p:sp>
+        <p:nvSpPr>
+          <p:cNvPr id="2" name="Título 1"/>
+          <p:cNvSpPr>
+            <a:spLocks noGrp="1"/>
+          </p:cNvSpPr>
+          <p:nvPr>
+            <p:ph type="title"/>
+          </p:nvPr>
+        </p:nvSpPr>
+        <p:spPr/>
+        <p:txBody>
+          <a:bodyPr/>
+          <a:lstStyle/>
+          <a:p>
+            <a:r>
+              <a:rPr lang="es-CR" dirty="0" smtClean="0">
+                <a:solidFill>
+                  <a:schemeClr val="tx1"/>
+                </a:solidFill>
+              </a:rPr>
+              <a:t>Puntos clave</a:t>
+            </a:r>
+            <a:endParaRPr lang="es-CR" dirty="0">
+              <a:solidFill>
+                <a:schemeClr val="tx1"/>
+              </a:solidFill>
+            </a:endParaRPr>
+          </a:p>
+        </p:txBody>
+      </p:sp>
+      <p:sp>
+        <p:nvSpPr>
+          <p:cNvPr id="3" name="Marcador de número de diapositiva 2"/>
+          <p:cNvSpPr>
+            <a:spLocks noGrp="1"/>
+          </p:cNvSpPr>
+          <p:nvPr>
+            <p:ph type="sldNum" sz="quarter" idx="12"/>
+          </p:nvPr>
+        </p:nvSpPr>
+        <p:spPr/>
+        <p:txBody>
+          <a:bodyPr/>
+          <a:lstStyle/>
+          <a:p>
+            <a:fld id="{5B27CDC1-117D-4425-A72F-8A90F6D88CD2}" type="slidenum">
+              <a:rPr lang="es-CR" smtClean="0"/>
+              <a:t>13</a:t>
+            </a:fld>
+            <a:endParaRPr lang="es-CR" dirty="0"/>
+          </a:p>
+        </p:txBody>
+      </p:sp>
+      <p:sp>
+        <p:nvSpPr>
+          <p:cNvPr id="5" name="Marcador de contenido 4"/>
+          <p:cNvSpPr>
+            <a:spLocks noGrp="1"/>
+          </p:cNvSpPr>
+          <p:nvPr>
+            <p:ph idx="1"/>
+          </p:nvPr>
+        </p:nvSpPr>
+        <p:spPr>
+          <a:xfrm>
+            <a:off x="1143000" y="2057400"/>
+            <a:ext cx="5798127" cy="545123"/>
+          </a:xfrm>
+        </p:spPr>
+        <p:txBody>
+          <a:bodyPr>
+            <a:normAutofit/>
+          </a:bodyPr>
+          <a:lstStyle/>
+          <a:p>
+            <a:r>
+              <a:rPr lang="es-CR" sz="2000" dirty="0" smtClean="0">
+                <a:solidFill>
+                  <a:schemeClr val="tx1"/>
+                </a:solidFill>
+              </a:rPr>
+              <a:t>Banda en V</a:t>
+            </a:r>
+          </a:p>
+          <a:p>
+            <a:pPr marL="45720" indent="0">
+              <a:buNone/>
+            </a:pPr>
+            <a:endParaRPr lang="es-CR" dirty="0" smtClean="0"/>
+          </a:p>
+        </p:txBody>
+      </p:sp>
+      <p:sp>
+        <p:nvSpPr>
+          <p:cNvPr id="7" name="Marcador de contenido 4"/>
+          <p:cNvSpPr txBox="1">
+            <a:spLocks/>
+          </p:cNvSpPr>
+          <p:nvPr/>
+        </p:nvSpPr>
+        <p:spPr>
+          <a:xfrm>
+            <a:off x="5770684" y="2057399"/>
+            <a:ext cx="5798127" cy="545123"/>
+          </a:xfrm>
+          <a:prstGeom prst="rect">
+            <a:avLst/>
+          </a:prstGeom>
+        </p:spPr>
+        <p:txBody>
+          <a:bodyPr vert="horz" lIns="91440" tIns="45720" rIns="91440" bIns="45720" rtlCol="0">
+            <a:normAutofit/>
+          </a:bodyPr>
+          <a:lstStyle>
+            <a:lvl1pPr marL="228600" indent="-182880" algn="l" defTabSz="914400" rtl="0" eaLnBrk="1" latinLnBrk="0" hangingPunct="1">
+              <a:lnSpc>
+                <a:spcPct val="90000"/>
+              </a:lnSpc>
+              <a:spcBef>
+                <a:spcPts val="1400"/>
+              </a:spcBef>
+              <a:buClr>
+                <a:schemeClr val="accent1"/>
+              </a:buClr>
+              <a:buSzPct val="80000"/>
+              <a:buFont typeface="Corbel" pitchFamily="34" charset="0"/>
+              <a:buChar char="•"/>
+              <a:defRPr sz="2200" kern="1200">
+                <a:solidFill>
+                  <a:schemeClr val="accent1"/>
+                </a:solidFill>
+                <a:latin typeface="+mn-lt"/>
+                <a:ea typeface="+mn-ea"/>
+                <a:cs typeface="+mn-cs"/>
+              </a:defRPr>
+            </a:lvl1pPr>
+            <a:lvl2pPr marL="457200" indent="-182880" algn="l" defTabSz="914400" rtl="0" eaLnBrk="1" latinLnBrk="0" hangingPunct="1">
+              <a:lnSpc>
+                <a:spcPct val="90000"/>
+              </a:lnSpc>
+              <a:spcBef>
+                <a:spcPts val="200"/>
+              </a:spcBef>
+              <a:spcAft>
+                <a:spcPts val="400"/>
+              </a:spcAft>
+              <a:buClr>
+                <a:schemeClr val="accent1"/>
+              </a:buClr>
+              <a:buSzPct val="80000"/>
+              <a:buFont typeface="Corbel" pitchFamily="34" charset="0"/>
+              <a:buChar char="•"/>
+              <a:defRPr sz="2000" kern="1200">
+                <a:solidFill>
+                  <a:schemeClr val="accent1"/>
+                </a:solidFill>
+                <a:latin typeface="+mn-lt"/>
+                <a:ea typeface="+mn-ea"/>
+                <a:cs typeface="+mn-cs"/>
+              </a:defRPr>
+            </a:lvl2pPr>
+            <a:lvl3pPr marL="731520" indent="-182880" algn="l" defTabSz="914400" rtl="0" eaLnBrk="1" latinLnBrk="0" hangingPunct="1">
+              <a:lnSpc>
+                <a:spcPct val="90000"/>
+              </a:lnSpc>
+              <a:spcBef>
+                <a:spcPts val="200"/>
+              </a:spcBef>
+              <a:spcAft>
+                <a:spcPts val="400"/>
+              </a:spcAft>
+              <a:buClr>
+                <a:schemeClr val="accent1"/>
+              </a:buClr>
+              <a:buSzPct val="80000"/>
+              <a:buFont typeface="Corbel" pitchFamily="34" charset="0"/>
+              <a:buChar char="•"/>
+              <a:defRPr sz="1800" kern="1200">
+                <a:solidFill>
+                  <a:schemeClr val="accent1"/>
+                </a:solidFill>
+                <a:latin typeface="+mn-lt"/>
+                <a:ea typeface="+mn-ea"/>
+                <a:cs typeface="+mn-cs"/>
+              </a:defRPr>
+            </a:lvl3pPr>
+            <a:lvl4pPr marL="1005840" indent="-182880" algn="l" defTabSz="914400" rtl="0" eaLnBrk="1" latinLnBrk="0" hangingPunct="1">
+              <a:lnSpc>
+                <a:spcPct val="90000"/>
+              </a:lnSpc>
+              <a:spcBef>
+                <a:spcPts val="200"/>
+              </a:spcBef>
+              <a:spcAft>
+                <a:spcPts val="400"/>
+              </a:spcAft>
+              <a:buClr>
+                <a:schemeClr val="accent1"/>
+              </a:buClr>
+              <a:buSzPct val="80000"/>
+              <a:buFont typeface="Corbel" pitchFamily="34" charset="0"/>
+              <a:buChar char="•"/>
+              <a:defRPr sz="1600" kern="1200">
+                <a:solidFill>
+                  <a:schemeClr val="accent1"/>
+                </a:solidFill>
+                <a:latin typeface="+mn-lt"/>
+                <a:ea typeface="+mn-ea"/>
+                <a:cs typeface="+mn-cs"/>
+              </a:defRPr>
+            </a:lvl4pPr>
+            <a:lvl5pPr marL="1280160" indent="-182880" algn="l" defTabSz="914400" rtl="0" eaLnBrk="1" latinLnBrk="0" hangingPunct="1">
+              <a:lnSpc>
+                <a:spcPct val="90000"/>
+              </a:lnSpc>
+              <a:spcBef>
+                <a:spcPts val="200"/>
+              </a:spcBef>
+              <a:spcAft>
+                <a:spcPts val="400"/>
+              </a:spcAft>
+              <a:buClr>
+                <a:schemeClr val="accent1"/>
+              </a:buClr>
+              <a:buSzPct val="80000"/>
+              <a:buFont typeface="Corbel" pitchFamily="34" charset="0"/>
+              <a:buChar char="•"/>
+              <a:defRPr sz="1600" kern="1200">
+                <a:solidFill>
+                  <a:schemeClr val="accent1"/>
+                </a:solidFill>
+                <a:latin typeface="+mn-lt"/>
+                <a:ea typeface="+mn-ea"/>
+                <a:cs typeface="+mn-cs"/>
+              </a:defRPr>
+            </a:lvl5pPr>
+            <a:lvl6pPr marL="1600000" indent="-228600" algn="l" defTabSz="914400" rtl="0" eaLnBrk="1" latinLnBrk="0" hangingPunct="1">
+              <a:lnSpc>
+                <a:spcPct val="90000"/>
+              </a:lnSpc>
+              <a:spcBef>
+                <a:spcPts val="200"/>
+              </a:spcBef>
+              <a:spcAft>
+                <a:spcPts val="400"/>
+              </a:spcAft>
+              <a:buClr>
+                <a:schemeClr val="accent1"/>
+              </a:buClr>
+              <a:buSzPct val="80000"/>
+              <a:buFont typeface="Corbel" pitchFamily="34" charset="0"/>
+              <a:buChar char="•"/>
+              <a:defRPr sz="1600" kern="1200">
+                <a:solidFill>
+                  <a:schemeClr val="accent1"/>
+                </a:solidFill>
+                <a:latin typeface="+mn-lt"/>
+                <a:ea typeface="+mn-ea"/>
+                <a:cs typeface="+mn-cs"/>
+              </a:defRPr>
+            </a:lvl6pPr>
+            <a:lvl7pPr marL="1900000" indent="-228600" algn="l" defTabSz="914400" rtl="0" eaLnBrk="1" latinLnBrk="0" hangingPunct="1">
+              <a:lnSpc>
+                <a:spcPct val="90000"/>
+              </a:lnSpc>
+              <a:spcBef>
+                <a:spcPts val="200"/>
+              </a:spcBef>
+              <a:spcAft>
+                <a:spcPts val="400"/>
+              </a:spcAft>
+              <a:buClr>
+                <a:schemeClr val="accent1"/>
+              </a:buClr>
+              <a:buSzPct val="80000"/>
+              <a:buFont typeface="Corbel" pitchFamily="34" charset="0"/>
+              <a:buChar char="•"/>
+              <a:defRPr sz="1600" kern="1200">
+                <a:solidFill>
+                  <a:schemeClr val="accent1"/>
+                </a:solidFill>
+                <a:latin typeface="+mn-lt"/>
+                <a:ea typeface="+mn-ea"/>
+                <a:cs typeface="+mn-cs"/>
+              </a:defRPr>
+            </a:lvl7pPr>
+            <a:lvl8pPr marL="2200000" indent="-228600" algn="l" defTabSz="914400" rtl="0" eaLnBrk="1" latinLnBrk="0" hangingPunct="1">
+              <a:lnSpc>
+                <a:spcPct val="90000"/>
+              </a:lnSpc>
+              <a:spcBef>
+                <a:spcPts val="200"/>
+              </a:spcBef>
+              <a:spcAft>
+                <a:spcPts val="400"/>
+              </a:spcAft>
+              <a:buClr>
+                <a:schemeClr val="accent1"/>
+              </a:buClr>
+              <a:buSzPct val="80000"/>
+              <a:buFont typeface="Corbel" pitchFamily="34" charset="0"/>
+              <a:buChar char="•"/>
+              <a:defRPr sz="1600" kern="1200">
+                <a:solidFill>
+                  <a:schemeClr val="accent1"/>
+                </a:solidFill>
+                <a:latin typeface="+mn-lt"/>
+                <a:ea typeface="+mn-ea"/>
+                <a:cs typeface="+mn-cs"/>
+              </a:defRPr>
+            </a:lvl8pPr>
+            <a:lvl9pPr marL="2500000" indent="-228600" algn="l" defTabSz="914400" rtl="0" eaLnBrk="1" latinLnBrk="0" hangingPunct="1">
+              <a:lnSpc>
+                <a:spcPct val="90000"/>
+              </a:lnSpc>
+              <a:spcBef>
+                <a:spcPts val="200"/>
+              </a:spcBef>
+              <a:spcAft>
+                <a:spcPts val="400"/>
+              </a:spcAft>
+              <a:buClr>
+                <a:schemeClr val="accent1"/>
+              </a:buClr>
+              <a:buSzPct val="80000"/>
+              <a:buFont typeface="Corbel" pitchFamily="34" charset="0"/>
+              <a:buChar char="•"/>
+              <a:defRPr sz="1600" kern="1200">
+                <a:solidFill>
+                  <a:schemeClr val="accent1"/>
+                </a:solidFill>
+                <a:latin typeface="+mn-lt"/>
+                <a:ea typeface="+mn-ea"/>
+                <a:cs typeface="+mn-cs"/>
+              </a:defRPr>
+            </a:lvl9pPr>
+          </a:lstStyle>
+          <a:p>
+            <a:r>
+              <a:rPr lang="es-CR" sz="2000" dirty="0" smtClean="0">
+                <a:solidFill>
+                  <a:schemeClr val="tx1"/>
+                </a:solidFill>
+              </a:rPr>
+              <a:t>Válvula accionada por pistón</a:t>
+            </a:r>
+          </a:p>
+          <a:p>
+            <a:pPr marL="45720" indent="0">
+              <a:buFont typeface="Corbel" pitchFamily="34" charset="0"/>
+              <a:buNone/>
+            </a:pPr>
+            <a:endParaRPr lang="es-CR" dirty="0" smtClean="0"/>
+          </a:p>
+        </p:txBody>
+      </p:sp>
+      <p:pic>
+        <p:nvPicPr>
+          <p:cNvPr id="4" name="Imagen 3"/>
+          <p:cNvPicPr>
+            <a:picLocks noChangeAspect="1"/>
+          </p:cNvPicPr>
+          <p:nvPr/>
+        </p:nvPicPr>
+        <p:blipFill>
+          <a:blip r:embed="rId2"/>
+          <a:stretch>
+            <a:fillRect/>
+          </a:stretch>
+        </p:blipFill>
+        <p:spPr>
+          <a:xfrm>
+            <a:off x="1283797" y="2513082"/>
+            <a:ext cx="2486293" cy="3893308"/>
+          </a:xfrm>
+          <a:prstGeom prst="rect">
+            <a:avLst/>
+          </a:prstGeom>
+        </p:spPr>
+      </p:pic>
+      <p:pic>
+        <p:nvPicPr>
+          <p:cNvPr id="6" name="Imagen 5"/>
+          <p:cNvPicPr>
+            <a:picLocks noChangeAspect="1"/>
+          </p:cNvPicPr>
+          <p:nvPr/>
+        </p:nvPicPr>
+        <p:blipFill>
+          <a:blip r:embed="rId3"/>
+          <a:stretch>
+            <a:fillRect/>
+          </a:stretch>
+        </p:blipFill>
+        <p:spPr>
+          <a:xfrm>
+            <a:off x="5844686" y="2787160"/>
+            <a:ext cx="3862328" cy="3094894"/>
+          </a:xfrm>
+          <a:prstGeom prst="rect">
+            <a:avLst/>
+          </a:prstGeom>
+        </p:spPr>
+      </p:pic>
+    </p:spTree>
+    <p:extLst>
+      <p:ext uri="{BB962C8B-B14F-4D97-AF65-F5344CB8AC3E}">
+        <p14:creationId xmlns:p14="http://schemas.microsoft.com/office/powerpoint/2010/main" val="801462090"/>
+      </p:ext>
+    </p:extLst>
+  </p:cSld>
+  <p:clrMapOvr>
+    <a:masterClrMapping/>
+  </p:clrMapOvr>
+  <p:timing>
+    <p:tnLst>
+      <p:par>
+        <p:cTn id="1" dur="indefinite" restart="never" nodeType="tmRoot"/>
+      </p:par>
+    </p:tnLst>
+  </p:timing>
+</p:sld>
+</file>
+
+<file path=ppt/slides/slide14.xml><?xml version="1.0" encoding="utf-8"?>
+<p:sld xmlns:a="http://schemas.openxmlformats.org/drawingml/2006/main" xmlns:r="http://schemas.openxmlformats.org/officeDocument/2006/relationships" xmlns:p="http://schemas.openxmlformats.org/presentationml/2006/main">
+  <p:cSld>
+    <p:spTree>
+      <p:nvGrpSpPr>
+        <p:cNvPr id="1" name=""/>
+        <p:cNvGrpSpPr/>
+        <p:nvPr/>
+      </p:nvGrpSpPr>
+      <p:grpSpPr>
+        <a:xfrm>
+          <a:off x="0" y="0"/>
+          <a:ext cx="0" cy="0"/>
+          <a:chOff x="0" y="0"/>
+          <a:chExt cx="0" cy="0"/>
+        </a:xfrm>
+      </p:grpSpPr>
+      <p:sp>
+        <p:nvSpPr>
+          <p:cNvPr id="2" name="Título 1"/>
+          <p:cNvSpPr>
+            <a:spLocks noGrp="1"/>
+          </p:cNvSpPr>
+          <p:nvPr>
+            <p:ph type="title"/>
+          </p:nvPr>
+        </p:nvSpPr>
+        <p:spPr/>
+        <p:txBody>
+          <a:bodyPr/>
+          <a:lstStyle/>
+          <a:p>
+            <a:r>
+              <a:rPr lang="es-CR" dirty="0" smtClean="0">
+                <a:solidFill>
+                  <a:schemeClr val="tx1"/>
+                </a:solidFill>
+              </a:rPr>
+              <a:t>Argumentos</a:t>
+            </a:r>
+            <a:endParaRPr lang="es-CR" dirty="0">
+              <a:solidFill>
+                <a:schemeClr val="tx1"/>
+              </a:solidFill>
+            </a:endParaRPr>
+          </a:p>
+        </p:txBody>
+      </p:sp>
+      <p:sp>
+        <p:nvSpPr>
+          <p:cNvPr id="4" name="Marcador de número de diapositiva 3"/>
+          <p:cNvSpPr>
+            <a:spLocks noGrp="1"/>
+          </p:cNvSpPr>
+          <p:nvPr>
+            <p:ph type="sldNum" sz="quarter" idx="12"/>
+          </p:nvPr>
+        </p:nvSpPr>
+        <p:spPr/>
+        <p:txBody>
+          <a:bodyPr/>
+          <a:lstStyle/>
+          <a:p>
+            <a:fld id="{5B27CDC1-117D-4425-A72F-8A90F6D88CD2}" type="slidenum">
+              <a:rPr lang="es-CR" smtClean="0"/>
+              <a:t>14</a:t>
+            </a:fld>
+            <a:endParaRPr lang="es-CR" dirty="0"/>
+          </a:p>
+        </p:txBody>
+      </p:sp>
+      <p:graphicFrame>
+        <p:nvGraphicFramePr>
+          <p:cNvPr id="6" name="Marcador de contenido 5"/>
+          <p:cNvGraphicFramePr>
+            <a:graphicFrameLocks noGrp="1"/>
+          </p:cNvGraphicFramePr>
+          <p:nvPr>
+            <p:ph idx="1"/>
+            <p:extLst>
+              <p:ext uri="{D42A27DB-BD31-4B8C-83A1-F6EECF244321}">
+                <p14:modId xmlns:p14="http://schemas.microsoft.com/office/powerpoint/2010/main" val="3232056692"/>
+              </p:ext>
+            </p:extLst>
+          </p:nvPr>
+        </p:nvGraphicFramePr>
+        <p:xfrm>
+          <a:off x="1143000" y="2057400"/>
+          <a:ext cx="9872664" cy="4150360"/>
+        </p:xfrm>
+        <a:graphic>
+          <a:graphicData uri="http://schemas.openxmlformats.org/drawingml/2006/table">
+            <a:tbl>
+              <a:tblPr firstRow="1" bandRow="1">
+                <a:tableStyleId>{9D7B26C5-4107-4FEC-AEDC-1716B250A1EF}</a:tableStyleId>
+              </a:tblPr>
+              <a:tblGrid>
+                <a:gridCol w="4936332">
+                  <a:extLst>
+                    <a:ext uri="{9D8B030D-6E8A-4147-A177-3AD203B41FA5}">
+                      <a16:colId xmlns:a16="http://schemas.microsoft.com/office/drawing/2014/main" val="1287396384"/>
+                    </a:ext>
+                  </a:extLst>
+                </a:gridCol>
+                <a:gridCol w="4936332">
+                  <a:extLst>
+                    <a:ext uri="{9D8B030D-6E8A-4147-A177-3AD203B41FA5}">
+                      <a16:colId xmlns:a16="http://schemas.microsoft.com/office/drawing/2014/main" val="2886830424"/>
+                    </a:ext>
+                  </a:extLst>
+                </a:gridCol>
+              </a:tblGrid>
+              <a:tr h="370840">
+                <a:tc>
+                  <a:txBody>
+                    <a:bodyPr/>
+                    <a:lstStyle/>
+                    <a:p>
+                      <a:pPr marL="0" algn="l" defTabSz="914400" rtl="0" eaLnBrk="1" latinLnBrk="0" hangingPunct="1"/>
+                      <a:r>
+                        <a:rPr lang="es-CR" sz="1800" b="1" kern="1200" dirty="0" smtClean="0">
+                          <a:solidFill>
+                            <a:schemeClr val="tx1"/>
+                          </a:solidFill>
+                          <a:latin typeface="+mn-lt"/>
+                          <a:ea typeface="+mn-ea"/>
+                          <a:cs typeface="+mn-cs"/>
+                        </a:rPr>
+                        <a:t>Favor</a:t>
+                      </a:r>
+                      <a:endParaRPr lang="es-CR" sz="1800" b="1" kern="1200" dirty="0">
+                        <a:solidFill>
+                          <a:schemeClr val="tx1"/>
+                        </a:solidFill>
+                        <a:latin typeface="+mn-lt"/>
+                        <a:ea typeface="+mn-ea"/>
+                        <a:cs typeface="+mn-cs"/>
+                      </a:endParaRPr>
+                    </a:p>
+                  </a:txBody>
+                  <a:tcPr/>
+                </a:tc>
+                <a:tc>
+                  <a:txBody>
+                    <a:bodyPr/>
+                    <a:lstStyle/>
+                    <a:p>
+                      <a:r>
+                        <a:rPr lang="es-CR" dirty="0" smtClean="0"/>
+                        <a:t>Contra</a:t>
+                      </a:r>
+                      <a:endParaRPr lang="es-CR" dirty="0"/>
+                    </a:p>
+                  </a:txBody>
+                  <a:tcPr/>
+                </a:tc>
+                <a:extLst>
+                  <a:ext uri="{0D108BD9-81ED-4DB2-BD59-A6C34878D82A}">
+                    <a16:rowId xmlns:a16="http://schemas.microsoft.com/office/drawing/2014/main" val="3309441683"/>
+                  </a:ext>
+                </a:extLst>
+              </a:tr>
+              <a:tr h="370840">
+                <a:tc>
+                  <a:txBody>
+                    <a:bodyPr/>
+                    <a:lstStyle/>
+                    <a:p>
+                      <a:r>
+                        <a:rPr lang="es-CR" sz="1400" dirty="0" smtClean="0"/>
+                        <a:t>Simplifica el diseño al evitar usar TSF.</a:t>
+                      </a:r>
+                      <a:endParaRPr lang="es-CR" sz="1400" dirty="0"/>
+                    </a:p>
+                  </a:txBody>
+                  <a:tcPr/>
+                </a:tc>
+                <a:tc>
+                  <a:txBody>
+                    <a:bodyPr/>
+                    <a:lstStyle/>
+                    <a:p>
+                      <a:r>
+                        <a:rPr lang="es-CR" sz="1400" dirty="0" smtClean="0"/>
+                        <a:t>Requiere de un mecanismo de</a:t>
+                      </a:r>
+                      <a:r>
+                        <a:rPr lang="es-CR" sz="1400" baseline="0" dirty="0" smtClean="0"/>
+                        <a:t> control para los pistones</a:t>
+                      </a:r>
+                      <a:endParaRPr lang="es-CR" sz="1600" dirty="0"/>
+                    </a:p>
+                  </a:txBody>
+                  <a:tcPr/>
+                </a:tc>
+                <a:extLst>
+                  <a:ext uri="{0D108BD9-81ED-4DB2-BD59-A6C34878D82A}">
+                    <a16:rowId xmlns:a16="http://schemas.microsoft.com/office/drawing/2014/main" val="1978415111"/>
+                  </a:ext>
+                </a:extLst>
+              </a:tr>
+              <a:tr h="370840">
+                <a:tc>
+                  <a:txBody>
+                    <a:bodyPr/>
+                    <a:lstStyle/>
+                    <a:p>
+                      <a:r>
+                        <a:rPr lang="es-CR" sz="1400" dirty="0" smtClean="0"/>
+                        <a:t>No</a:t>
+                      </a:r>
+                      <a:r>
+                        <a:rPr lang="es-CR" sz="1400" baseline="0" dirty="0" smtClean="0"/>
+                        <a:t> existe movimiento relativo entre la banda y los alimentos.</a:t>
+                      </a:r>
+                      <a:endParaRPr lang="es-CR" sz="1400" dirty="0"/>
+                    </a:p>
+                  </a:txBody>
+                  <a:tcPr/>
+                </a:tc>
+                <a:tc>
+                  <a:txBody>
+                    <a:bodyPr/>
+                    <a:lstStyle/>
+                    <a:p>
+                      <a:r>
+                        <a:rPr lang="es-CR" sz="1400" dirty="0" smtClean="0"/>
+                        <a:t>Obliga a cargar máximo ración para 20 vacas.</a:t>
+                      </a:r>
+                      <a:endParaRPr lang="es-CR" sz="1600" dirty="0"/>
+                    </a:p>
+                  </a:txBody>
+                  <a:tcPr/>
+                </a:tc>
+                <a:extLst>
+                  <a:ext uri="{0D108BD9-81ED-4DB2-BD59-A6C34878D82A}">
+                    <a16:rowId xmlns:a16="http://schemas.microsoft.com/office/drawing/2014/main" val="239441708"/>
+                  </a:ext>
+                </a:extLst>
+              </a:tr>
+              <a:tr h="370840">
+                <a:tc>
+                  <a:txBody>
+                    <a:bodyPr/>
+                    <a:lstStyle/>
+                    <a:p>
+                      <a:r>
+                        <a:rPr lang="es-CR" sz="1400" dirty="0" smtClean="0"/>
+                        <a:t>Banda es</a:t>
+                      </a:r>
+                      <a:r>
+                        <a:rPr lang="es-CR" sz="1400" baseline="0" dirty="0" smtClean="0"/>
+                        <a:t> posible conseguirla en central de mangueras.</a:t>
                       </a:r>
                       <a:endParaRPr lang="es-CR" sz="1600" dirty="0"/>
                     </a:p>
@@ -11755,14 +12153,275 @@
                     <a:bodyPr/>
                     <a:lstStyle/>
                     <a:p>
-                      <a:endParaRPr lang="es-CR" sz="1600" dirty="0"/>
+                      <a:r>
+                        <a:rPr lang="es-CR" sz="1400" dirty="0" smtClean="0"/>
+                        <a:t>Capacidad</a:t>
+                      </a:r>
+                      <a:r>
+                        <a:rPr lang="es-CR" sz="1400" baseline="0" dirty="0" smtClean="0"/>
+                        <a:t> para almacenar más alimentos aumenta el costo (375 USD /LC)</a:t>
+                      </a:r>
+                      <a:endParaRPr lang="es-CR" sz="1400" dirty="0"/>
                     </a:p>
                   </a:txBody>
                   <a:tcPr/>
                 </a:tc>
                 <a:extLst>
                   <a:ext uri="{0D108BD9-81ED-4DB2-BD59-A6C34878D82A}">
-                    <a16:rowId xmlns:a16="http://schemas.microsoft.com/office/drawing/2014/main" val="2933573740"/>
+                    <a16:rowId xmlns:a16="http://schemas.microsoft.com/office/drawing/2014/main" val="1008675034"/>
+                  </a:ext>
+                </a:extLst>
+              </a:tr>
+              <a:tr h="370840">
+                <a:tc>
+                  <a:txBody>
+                    <a:bodyPr/>
+                    <a:lstStyle/>
+                    <a:p>
+                      <a:r>
+                        <a:rPr lang="es-CR" sz="1400" dirty="0" smtClean="0"/>
+                        <a:t>Fuerza</a:t>
+                      </a:r>
+                      <a:r>
+                        <a:rPr lang="es-CR" sz="1400" baseline="0" dirty="0" smtClean="0"/>
+                        <a:t> de los pistones permite cierres rápidos y elimina la necesidad de cierres eléctricos.</a:t>
+                      </a:r>
+                      <a:endParaRPr lang="es-CR" sz="1200" dirty="0"/>
+                    </a:p>
+                  </a:txBody>
+                  <a:tcPr/>
+                </a:tc>
+                <a:tc>
+                  <a:txBody>
+                    <a:bodyPr/>
+                    <a:lstStyle/>
+                    <a:p>
+                      <a:r>
+                        <a:rPr lang="es-CR" sz="1400" dirty="0" smtClean="0"/>
+                        <a:t>Requiere de </a:t>
+                      </a:r>
+                      <a:r>
+                        <a:rPr lang="es-CR" sz="1400" dirty="0" smtClean="0"/>
+                        <a:t>calibraciones</a:t>
+                      </a:r>
+                      <a:r>
+                        <a:rPr lang="es-CR" sz="1400" baseline="0" dirty="0" smtClean="0"/>
+                        <a:t> aún </a:t>
+                      </a:r>
+                      <a:r>
+                        <a:rPr lang="es-CR" sz="1400" dirty="0" smtClean="0"/>
+                        <a:t>más </a:t>
+                      </a:r>
+                      <a:r>
+                        <a:rPr lang="es-CR" sz="1400" dirty="0" smtClean="0"/>
+                        <a:t>complejas</a:t>
+                      </a:r>
+                      <a:endParaRPr lang="es-CR" sz="1400" dirty="0"/>
+                    </a:p>
+                  </a:txBody>
+                  <a:tcPr/>
+                </a:tc>
+                <a:extLst>
+                  <a:ext uri="{0D108BD9-81ED-4DB2-BD59-A6C34878D82A}">
+                    <a16:rowId xmlns:a16="http://schemas.microsoft.com/office/drawing/2014/main" val="1297529540"/>
+                  </a:ext>
+                </a:extLst>
+              </a:tr>
+              <a:tr h="370840">
+                <a:tc>
+                  <a:txBody>
+                    <a:bodyPr/>
+                    <a:lstStyle/>
+                    <a:p>
+                      <a:pPr marL="0" marR="0" lvl="0" indent="0" algn="l" defTabSz="914400" rtl="0" eaLnBrk="1" fontAlgn="auto" latinLnBrk="0" hangingPunct="1">
+                        <a:lnSpc>
+                          <a:spcPct val="100000"/>
+                        </a:lnSpc>
+                        <a:spcBef>
+                          <a:spcPts val="0"/>
+                        </a:spcBef>
+                        <a:spcAft>
+                          <a:spcPts val="0"/>
+                        </a:spcAft>
+                        <a:buClrTx/>
+                        <a:buSzTx/>
+                        <a:buFontTx/>
+                        <a:buNone/>
+                        <a:tabLst/>
+                        <a:defRPr/>
+                      </a:pPr>
+                      <a:r>
+                        <a:rPr lang="es-MX" sz="1600" kern="1200" baseline="0" dirty="0" smtClean="0">
+                          <a:solidFill>
+                            <a:schemeClr val="tx1"/>
+                          </a:solidFill>
+                          <a:latin typeface="+mn-lt"/>
+                          <a:ea typeface="+mn-ea"/>
+                          <a:cs typeface="+mn-cs"/>
+                        </a:rPr>
+                        <a:t>Es posible mover la cinta si se va la electricidad.</a:t>
+                      </a:r>
+                    </a:p>
+                  </a:txBody>
+                  <a:tcPr/>
+                </a:tc>
+                <a:tc>
+                  <a:txBody>
+                    <a:bodyPr/>
+                    <a:lstStyle/>
+                    <a:p>
+                      <a:r>
+                        <a:rPr lang="es-CR" sz="1400" dirty="0" smtClean="0"/>
+                        <a:t>Si de tiene que cambiar</a:t>
+                      </a:r>
+                      <a:r>
+                        <a:rPr lang="es-CR" sz="1400" baseline="0" dirty="0" smtClean="0"/>
+                        <a:t> cada celda es necesario retirar toda la tolva.</a:t>
+                      </a:r>
+                      <a:endParaRPr lang="es-CR" sz="1400" dirty="0"/>
+                    </a:p>
+                  </a:txBody>
+                  <a:tcPr/>
+                </a:tc>
+                <a:extLst>
+                  <a:ext uri="{0D108BD9-81ED-4DB2-BD59-A6C34878D82A}">
+                    <a16:rowId xmlns:a16="http://schemas.microsoft.com/office/drawing/2014/main" val="4117605206"/>
+                  </a:ext>
+                </a:extLst>
+              </a:tr>
+              <a:tr h="370840">
+                <a:tc>
+                  <a:txBody>
+                    <a:bodyPr/>
+                    <a:lstStyle/>
+                    <a:p>
+                      <a:endParaRPr lang="es-CR" sz="1600" dirty="0"/>
+                    </a:p>
+                  </a:txBody>
+                  <a:tcPr/>
+                </a:tc>
+                <a:tc>
+                  <a:txBody>
+                    <a:bodyPr/>
+                    <a:lstStyle/>
+                    <a:p>
+                      <a:r>
+                        <a:rPr lang="es-CR" sz="1400" dirty="0" smtClean="0"/>
+                        <a:t>Alimentos</a:t>
+                      </a:r>
+                      <a:r>
+                        <a:rPr lang="es-CR" sz="1400" baseline="0" dirty="0" smtClean="0"/>
+                        <a:t> están a la intemperie en ciertos tramos de la banda.</a:t>
+                      </a:r>
+                      <a:endParaRPr lang="es-CR" sz="1400" dirty="0"/>
+                    </a:p>
+                  </a:txBody>
+                  <a:tcPr/>
+                </a:tc>
+                <a:extLst>
+                  <a:ext uri="{0D108BD9-81ED-4DB2-BD59-A6C34878D82A}">
+                    <a16:rowId xmlns:a16="http://schemas.microsoft.com/office/drawing/2014/main" val="1306906377"/>
+                  </a:ext>
+                </a:extLst>
+              </a:tr>
+              <a:tr h="370840">
+                <a:tc>
+                  <a:txBody>
+                    <a:bodyPr/>
+                    <a:lstStyle/>
+                    <a:p>
+                      <a:endParaRPr lang="es-CR" dirty="0"/>
+                    </a:p>
+                  </a:txBody>
+                  <a:tcPr/>
+                </a:tc>
+                <a:tc>
+                  <a:txBody>
+                    <a:bodyPr/>
+                    <a:lstStyle/>
+                    <a:p>
+                      <a:r>
+                        <a:rPr lang="es-CR" sz="1400" dirty="0" smtClean="0"/>
+                        <a:t>Existe riesgo</a:t>
+                      </a:r>
+                      <a:r>
+                        <a:rPr lang="es-CR" sz="1400" baseline="0" dirty="0" smtClean="0"/>
+                        <a:t> de falla en cadena.</a:t>
+                      </a:r>
+                    </a:p>
+                  </a:txBody>
+                  <a:tcPr/>
+                </a:tc>
+                <a:extLst>
+                  <a:ext uri="{0D108BD9-81ED-4DB2-BD59-A6C34878D82A}">
+                    <a16:rowId xmlns:a16="http://schemas.microsoft.com/office/drawing/2014/main" val="732470973"/>
+                  </a:ext>
+                </a:extLst>
+              </a:tr>
+              <a:tr h="370840">
+                <a:tc>
+                  <a:txBody>
+                    <a:bodyPr/>
+                    <a:lstStyle/>
+                    <a:p>
+                      <a:endParaRPr lang="es-MX" sz="1400" kern="1200" baseline="0" dirty="0" smtClean="0">
+                        <a:solidFill>
+                          <a:schemeClr val="tx1"/>
+                        </a:solidFill>
+                        <a:latin typeface="+mn-lt"/>
+                        <a:ea typeface="+mn-ea"/>
+                        <a:cs typeface="+mn-cs"/>
+                      </a:endParaRPr>
+                    </a:p>
+                  </a:txBody>
+                  <a:tcPr/>
+                </a:tc>
+                <a:tc>
+                  <a:txBody>
+                    <a:bodyPr/>
+                    <a:lstStyle/>
+                    <a:p>
+                      <a:r>
+                        <a:rPr lang="es-CR" sz="1400" baseline="0" dirty="0" smtClean="0"/>
+                        <a:t>Obliga a aislar muy bien los silos ante golpes o accidentes.</a:t>
+                      </a:r>
+                    </a:p>
+                  </a:txBody>
+                  <a:tcPr/>
+                </a:tc>
+                <a:extLst>
+                  <a:ext uri="{0D108BD9-81ED-4DB2-BD59-A6C34878D82A}">
+                    <a16:rowId xmlns:a16="http://schemas.microsoft.com/office/drawing/2014/main" val="918614331"/>
+                  </a:ext>
+                </a:extLst>
+              </a:tr>
+              <a:tr h="370840">
+                <a:tc>
+                  <a:txBody>
+                    <a:bodyPr/>
+                    <a:lstStyle/>
+                    <a:p>
+                      <a:endParaRPr lang="es-CR" dirty="0"/>
+                    </a:p>
+                  </a:txBody>
+                  <a:tcPr/>
+                </a:tc>
+                <a:tc>
+                  <a:txBody>
+                    <a:bodyPr/>
+                    <a:lstStyle/>
+                    <a:p>
+                      <a:r>
+                        <a:rPr lang="es-CR" sz="1400" baseline="0" dirty="0" smtClean="0"/>
+                        <a:t>Inconvenientes en el mantenimiento de sistemas neumáticos.</a:t>
+                      </a:r>
+                    </a:p>
+                  </a:txBody>
+                  <a:tcPr/>
+                </a:tc>
+                <a:extLst>
+                  <a:ext uri="{0D108BD9-81ED-4DB2-BD59-A6C34878D82A}">
+                    <a16:rowId xmlns:a16="http://schemas.microsoft.com/office/drawing/2014/main" val="1038253603"/>
                   </a:ext>
                 </a:extLst>
               </a:tr>
@@ -11773,7 +12432,3090 @@
     </p:spTree>
     <p:extLst>
       <p:ext uri="{BB962C8B-B14F-4D97-AF65-F5344CB8AC3E}">
-        <p14:creationId xmlns:p14="http://schemas.microsoft.com/office/powerpoint/2010/main" val="3863916427"/>
+        <p14:creationId xmlns:p14="http://schemas.microsoft.com/office/powerpoint/2010/main" val="2186861193"/>
+      </p:ext>
+    </p:extLst>
+  </p:cSld>
+  <p:clrMapOvr>
+    <a:masterClrMapping/>
+  </p:clrMapOvr>
+  <p:timing>
+    <p:tnLst>
+      <p:par>
+        <p:cTn id="1" dur="indefinite" restart="never" nodeType="tmRoot"/>
+      </p:par>
+    </p:tnLst>
+  </p:timing>
+</p:sld>
+</file>
+
+<file path=ppt/slides/slide15.xml><?xml version="1.0" encoding="utf-8"?>
+<p:sld xmlns:a="http://schemas.openxmlformats.org/drawingml/2006/main" xmlns:r="http://schemas.openxmlformats.org/officeDocument/2006/relationships" xmlns:p="http://schemas.openxmlformats.org/presentationml/2006/main">
+  <p:cSld>
+    <p:spTree>
+      <p:nvGrpSpPr>
+        <p:cNvPr id="1" name=""/>
+        <p:cNvGrpSpPr/>
+        <p:nvPr/>
+      </p:nvGrpSpPr>
+      <p:grpSpPr>
+        <a:xfrm>
+          <a:off x="0" y="0"/>
+          <a:ext cx="0" cy="0"/>
+          <a:chOff x="0" y="0"/>
+          <a:chExt cx="0" cy="0"/>
+        </a:xfrm>
+      </p:grpSpPr>
+      <p:sp>
+        <p:nvSpPr>
+          <p:cNvPr id="2" name="Título 1"/>
+          <p:cNvSpPr>
+            <a:spLocks noGrp="1"/>
+          </p:cNvSpPr>
+          <p:nvPr>
+            <p:ph type="title"/>
+          </p:nvPr>
+        </p:nvSpPr>
+        <p:spPr/>
+        <p:txBody>
+          <a:bodyPr/>
+          <a:lstStyle/>
+          <a:p>
+            <a:r>
+              <a:rPr lang="es-CR" dirty="0" smtClean="0">
+                <a:solidFill>
+                  <a:schemeClr val="tx1"/>
+                </a:solidFill>
+              </a:rPr>
+              <a:t>Propuesta 3</a:t>
+            </a:r>
+            <a:endParaRPr lang="es-CR" dirty="0">
+              <a:solidFill>
+                <a:schemeClr val="tx1"/>
+              </a:solidFill>
+            </a:endParaRPr>
+          </a:p>
+        </p:txBody>
+      </p:sp>
+      <p:sp>
+        <p:nvSpPr>
+          <p:cNvPr id="3" name="Marcador de contenido 2"/>
+          <p:cNvSpPr>
+            <a:spLocks noGrp="1"/>
+          </p:cNvSpPr>
+          <p:nvPr>
+            <p:ph idx="1"/>
+          </p:nvPr>
+        </p:nvSpPr>
+        <p:spPr>
+          <a:xfrm>
+            <a:off x="1143000" y="2057400"/>
+            <a:ext cx="4908665" cy="4038600"/>
+          </a:xfrm>
+        </p:spPr>
+        <p:txBody>
+          <a:bodyPr>
+            <a:normAutofit lnSpcReduction="10000"/>
+          </a:bodyPr>
+          <a:lstStyle/>
+          <a:p>
+            <a:r>
+              <a:rPr lang="es-CR" dirty="0" smtClean="0">
+                <a:solidFill>
+                  <a:schemeClr val="tx1"/>
+                </a:solidFill>
+              </a:rPr>
+              <a:t>Cuatro celdas de carga contienen los alimentos. </a:t>
+            </a:r>
+          </a:p>
+          <a:p>
+            <a:r>
+              <a:rPr lang="es-CR" dirty="0" smtClean="0">
+                <a:solidFill>
+                  <a:schemeClr val="tx1"/>
+                </a:solidFill>
+              </a:rPr>
+              <a:t>Los gruesos son dosificados por </a:t>
+            </a:r>
+            <a:r>
+              <a:rPr lang="es-CR" dirty="0" smtClean="0">
+                <a:solidFill>
+                  <a:schemeClr val="tx1"/>
+                </a:solidFill>
+              </a:rPr>
+              <a:t>TSF </a:t>
+            </a:r>
+            <a:r>
+              <a:rPr lang="es-CR" dirty="0" smtClean="0">
+                <a:solidFill>
+                  <a:schemeClr val="tx1"/>
+                </a:solidFill>
+              </a:rPr>
+              <a:t>mientras que los finos por vibradores.</a:t>
+            </a:r>
+          </a:p>
+          <a:p>
+            <a:r>
+              <a:rPr lang="es-CR" dirty="0" smtClean="0">
+                <a:solidFill>
+                  <a:schemeClr val="tx1"/>
+                </a:solidFill>
+              </a:rPr>
+              <a:t>Cada alimento cae a una tolva romana soportada por LC.</a:t>
+            </a:r>
+          </a:p>
+          <a:p>
+            <a:r>
+              <a:rPr lang="es-CR" dirty="0" smtClean="0">
+                <a:solidFill>
+                  <a:schemeClr val="tx1"/>
+                </a:solidFill>
+              </a:rPr>
+              <a:t>Estas tolvas son accionadas neumáticamente.</a:t>
+            </a:r>
+            <a:endParaRPr lang="es-CR" dirty="0">
+              <a:solidFill>
+                <a:schemeClr val="tx1"/>
+              </a:solidFill>
+            </a:endParaRPr>
+          </a:p>
+          <a:p>
+            <a:r>
+              <a:rPr lang="es-CR" dirty="0" smtClean="0">
+                <a:solidFill>
+                  <a:schemeClr val="tx1"/>
+                </a:solidFill>
+              </a:rPr>
+              <a:t>Todos los alimentos son recogidos por una gran </a:t>
+            </a:r>
+            <a:r>
+              <a:rPr lang="es-CR" dirty="0" smtClean="0">
+                <a:solidFill>
+                  <a:schemeClr val="tx1"/>
+                </a:solidFill>
+              </a:rPr>
+              <a:t>embudo que </a:t>
+            </a:r>
+            <a:r>
+              <a:rPr lang="es-CR" dirty="0" smtClean="0">
+                <a:solidFill>
+                  <a:schemeClr val="tx1"/>
+                </a:solidFill>
+              </a:rPr>
+              <a:t>los dirige a los tubos por gravedad.</a:t>
+            </a:r>
+          </a:p>
+          <a:p>
+            <a:pPr marL="45720" indent="0">
+              <a:buNone/>
+            </a:pPr>
+            <a:endParaRPr lang="es-CR" dirty="0">
+              <a:solidFill>
+                <a:schemeClr val="tx1"/>
+              </a:solidFill>
+            </a:endParaRPr>
+          </a:p>
+        </p:txBody>
+      </p:sp>
+      <p:sp>
+        <p:nvSpPr>
+          <p:cNvPr id="4" name="Marcador de número de diapositiva 3"/>
+          <p:cNvSpPr>
+            <a:spLocks noGrp="1"/>
+          </p:cNvSpPr>
+          <p:nvPr>
+            <p:ph type="sldNum" sz="quarter" idx="12"/>
+          </p:nvPr>
+        </p:nvSpPr>
+        <p:spPr/>
+        <p:txBody>
+          <a:bodyPr/>
+          <a:lstStyle/>
+          <a:p>
+            <a:fld id="{5B27CDC1-117D-4425-A72F-8A90F6D88CD2}" type="slidenum">
+              <a:rPr lang="es-CR" smtClean="0"/>
+              <a:t>15</a:t>
+            </a:fld>
+            <a:endParaRPr lang="es-CR" dirty="0"/>
+          </a:p>
+        </p:txBody>
+      </p:sp>
+      <p:pic>
+        <p:nvPicPr>
+          <p:cNvPr id="9" name="Imagen 8"/>
+          <p:cNvPicPr>
+            <a:picLocks noChangeAspect="1"/>
+          </p:cNvPicPr>
+          <p:nvPr/>
+        </p:nvPicPr>
+        <p:blipFill>
+          <a:blip r:embed="rId2"/>
+          <a:stretch>
+            <a:fillRect/>
+          </a:stretch>
+        </p:blipFill>
+        <p:spPr>
+          <a:xfrm>
+            <a:off x="5964383" y="1070695"/>
+            <a:ext cx="2906895" cy="4049945"/>
+          </a:xfrm>
+          <a:prstGeom prst="rect">
+            <a:avLst/>
+          </a:prstGeom>
+        </p:spPr>
+      </p:pic>
+      <p:pic>
+        <p:nvPicPr>
+          <p:cNvPr id="10" name="Imagen 9"/>
+          <p:cNvPicPr>
+            <a:picLocks noChangeAspect="1"/>
+          </p:cNvPicPr>
+          <p:nvPr/>
+        </p:nvPicPr>
+        <p:blipFill>
+          <a:blip r:embed="rId3"/>
+          <a:stretch>
+            <a:fillRect/>
+          </a:stretch>
+        </p:blipFill>
+        <p:spPr>
+          <a:xfrm>
+            <a:off x="9178844" y="1130531"/>
+            <a:ext cx="2526749" cy="3807229"/>
+          </a:xfrm>
+          <a:prstGeom prst="rect">
+            <a:avLst/>
+          </a:prstGeom>
+        </p:spPr>
+      </p:pic>
+    </p:spTree>
+    <p:extLst>
+      <p:ext uri="{BB962C8B-B14F-4D97-AF65-F5344CB8AC3E}">
+        <p14:creationId xmlns:p14="http://schemas.microsoft.com/office/powerpoint/2010/main" val="140721818"/>
+      </p:ext>
+    </p:extLst>
+  </p:cSld>
+  <p:clrMapOvr>
+    <a:masterClrMapping/>
+  </p:clrMapOvr>
+  <p:timing>
+    <p:tnLst>
+      <p:par>
+        <p:cTn id="1" dur="indefinite" restart="never" nodeType="tmRoot"/>
+      </p:par>
+    </p:tnLst>
+  </p:timing>
+</p:sld>
+</file>
+
+<file path=ppt/slides/slide16.xml><?xml version="1.0" encoding="utf-8"?>
+<p:sld xmlns:a="http://schemas.openxmlformats.org/drawingml/2006/main" xmlns:r="http://schemas.openxmlformats.org/officeDocument/2006/relationships" xmlns:p="http://schemas.openxmlformats.org/presentationml/2006/main">
+  <p:cSld>
+    <p:spTree>
+      <p:nvGrpSpPr>
+        <p:cNvPr id="1" name=""/>
+        <p:cNvGrpSpPr/>
+        <p:nvPr/>
+      </p:nvGrpSpPr>
+      <p:grpSpPr>
+        <a:xfrm>
+          <a:off x="0" y="0"/>
+          <a:ext cx="0" cy="0"/>
+          <a:chOff x="0" y="0"/>
+          <a:chExt cx="0" cy="0"/>
+        </a:xfrm>
+      </p:grpSpPr>
+      <p:sp>
+        <p:nvSpPr>
+          <p:cNvPr id="2" name="Título 1"/>
+          <p:cNvSpPr>
+            <a:spLocks noGrp="1"/>
+          </p:cNvSpPr>
+          <p:nvPr>
+            <p:ph type="title"/>
+          </p:nvPr>
+        </p:nvSpPr>
+        <p:spPr>
+          <a:xfrm>
+            <a:off x="880243" y="719234"/>
+            <a:ext cx="9875520" cy="1356360"/>
+          </a:xfrm>
+        </p:spPr>
+        <p:txBody>
+          <a:bodyPr/>
+          <a:lstStyle/>
+          <a:p>
+            <a:r>
+              <a:rPr lang="es-CR" dirty="0" smtClean="0">
+                <a:solidFill>
+                  <a:schemeClr val="tx1"/>
+                </a:solidFill>
+              </a:rPr>
+              <a:t>Descripción del proceso</a:t>
+            </a:r>
+            <a:endParaRPr lang="es-CR" dirty="0"/>
+          </a:p>
+        </p:txBody>
+      </p:sp>
+      <p:sp>
+        <p:nvSpPr>
+          <p:cNvPr id="7" name="Marcador de número de diapositiva 6"/>
+          <p:cNvSpPr>
+            <a:spLocks noGrp="1"/>
+          </p:cNvSpPr>
+          <p:nvPr>
+            <p:ph type="sldNum" sz="quarter" idx="12"/>
+          </p:nvPr>
+        </p:nvSpPr>
+        <p:spPr/>
+        <p:txBody>
+          <a:bodyPr/>
+          <a:lstStyle/>
+          <a:p>
+            <a:fld id="{5B27CDC1-117D-4425-A72F-8A90F6D88CD2}" type="slidenum">
+              <a:rPr lang="es-CR" smtClean="0"/>
+              <a:t>16</a:t>
+            </a:fld>
+            <a:endParaRPr lang="es-CR" dirty="0"/>
+          </a:p>
+        </p:txBody>
+      </p:sp>
+      <p:sp>
+        <p:nvSpPr>
+          <p:cNvPr id="8" name="Marcador de contenido 2"/>
+          <p:cNvSpPr>
+            <a:spLocks noGrp="1"/>
+          </p:cNvSpPr>
+          <p:nvPr>
+            <p:ph idx="1"/>
+          </p:nvPr>
+        </p:nvSpPr>
+        <p:spPr>
+          <a:xfrm>
+            <a:off x="880243" y="2075594"/>
+            <a:ext cx="4656033" cy="4038600"/>
+          </a:xfrm>
+        </p:spPr>
+        <p:txBody>
+          <a:bodyPr/>
+          <a:lstStyle/>
+          <a:p>
+            <a:pPr lvl="1"/>
+            <a:r>
+              <a:rPr lang="es-CR" dirty="0">
+                <a:solidFill>
+                  <a:schemeClr val="tx1"/>
+                </a:solidFill>
+              </a:rPr>
+              <a:t>L</a:t>
+            </a:r>
+            <a:r>
+              <a:rPr lang="es-CR" dirty="0" smtClean="0">
+                <a:solidFill>
+                  <a:schemeClr val="tx1"/>
+                </a:solidFill>
+              </a:rPr>
+              <a:t>levar el sistema a la posición de inicio y tarar todas las tolvas. </a:t>
+            </a:r>
+            <a:endParaRPr lang="es-CR" dirty="0">
+              <a:solidFill>
+                <a:schemeClr val="tx1"/>
+              </a:solidFill>
+            </a:endParaRPr>
+          </a:p>
+          <a:p>
+            <a:pPr lvl="1"/>
+            <a:r>
+              <a:rPr lang="es-CR" dirty="0" smtClean="0">
+                <a:solidFill>
+                  <a:schemeClr val="tx1"/>
+                </a:solidFill>
+              </a:rPr>
+              <a:t>Dosificar cada uno de los materiales (TSF </a:t>
+            </a:r>
+            <a:r>
+              <a:rPr lang="es-CR" dirty="0">
+                <a:solidFill>
+                  <a:schemeClr val="tx1"/>
+                </a:solidFill>
+              </a:rPr>
+              <a:t>y</a:t>
+            </a:r>
+            <a:r>
+              <a:rPr lang="es-CR" dirty="0" smtClean="0">
+                <a:solidFill>
+                  <a:schemeClr val="tx1"/>
+                </a:solidFill>
+              </a:rPr>
+              <a:t> vibradores).</a:t>
+            </a:r>
+          </a:p>
+          <a:p>
+            <a:pPr lvl="1"/>
+            <a:r>
+              <a:rPr lang="es-CR" dirty="0" smtClean="0">
+                <a:solidFill>
+                  <a:schemeClr val="tx1"/>
+                </a:solidFill>
+              </a:rPr>
+              <a:t>Detener el transporte una vez alcanzado el peso.</a:t>
+            </a:r>
+          </a:p>
+          <a:p>
+            <a:pPr lvl="1"/>
+            <a:r>
+              <a:rPr lang="es-CR" dirty="0" smtClean="0">
+                <a:solidFill>
+                  <a:schemeClr val="tx1"/>
+                </a:solidFill>
+              </a:rPr>
+              <a:t>Abrir las tolvas y esperar a que a evacuar los alimentos.</a:t>
+            </a:r>
+          </a:p>
+          <a:p>
+            <a:pPr marL="274320" lvl="1" indent="0">
+              <a:buNone/>
+            </a:pPr>
+            <a:endParaRPr lang="es-CR" dirty="0">
+              <a:solidFill>
+                <a:schemeClr val="tx1"/>
+              </a:solidFill>
+            </a:endParaRPr>
+          </a:p>
+        </p:txBody>
+      </p:sp>
+      <p:pic>
+        <p:nvPicPr>
+          <p:cNvPr id="3" name="Imagen 2"/>
+          <p:cNvPicPr>
+            <a:picLocks noChangeAspect="1"/>
+          </p:cNvPicPr>
+          <p:nvPr/>
+        </p:nvPicPr>
+        <p:blipFill>
+          <a:blip r:embed="rId2"/>
+          <a:stretch>
+            <a:fillRect/>
+          </a:stretch>
+        </p:blipFill>
+        <p:spPr>
+          <a:xfrm>
+            <a:off x="6662646" y="1397414"/>
+            <a:ext cx="4802288" cy="4029301"/>
+          </a:xfrm>
+          <a:prstGeom prst="rect">
+            <a:avLst/>
+          </a:prstGeom>
+        </p:spPr>
+      </p:pic>
+    </p:spTree>
+    <p:extLst>
+      <p:ext uri="{BB962C8B-B14F-4D97-AF65-F5344CB8AC3E}">
+        <p14:creationId xmlns:p14="http://schemas.microsoft.com/office/powerpoint/2010/main" val="2186494972"/>
+      </p:ext>
+    </p:extLst>
+  </p:cSld>
+  <p:clrMapOvr>
+    <a:masterClrMapping/>
+  </p:clrMapOvr>
+  <p:timing>
+    <p:tnLst>
+      <p:par>
+        <p:cTn id="1" dur="indefinite" restart="never" nodeType="tmRoot"/>
+      </p:par>
+    </p:tnLst>
+  </p:timing>
+</p:sld>
+</file>
+
+<file path=ppt/slides/slide17.xml><?xml version="1.0" encoding="utf-8"?>
+<p:sld xmlns:a="http://schemas.openxmlformats.org/drawingml/2006/main" xmlns:r="http://schemas.openxmlformats.org/officeDocument/2006/relationships" xmlns:p="http://schemas.openxmlformats.org/presentationml/2006/main">
+  <p:cSld>
+    <p:spTree>
+      <p:nvGrpSpPr>
+        <p:cNvPr id="1" name=""/>
+        <p:cNvGrpSpPr/>
+        <p:nvPr/>
+      </p:nvGrpSpPr>
+      <p:grpSpPr>
+        <a:xfrm>
+          <a:off x="0" y="0"/>
+          <a:ext cx="0" cy="0"/>
+          <a:chOff x="0" y="0"/>
+          <a:chExt cx="0" cy="0"/>
+        </a:xfrm>
+      </p:grpSpPr>
+      <p:sp>
+        <p:nvSpPr>
+          <p:cNvPr id="2" name="Título 1"/>
+          <p:cNvSpPr>
+            <a:spLocks noGrp="1"/>
+          </p:cNvSpPr>
+          <p:nvPr>
+            <p:ph type="title"/>
+          </p:nvPr>
+        </p:nvSpPr>
+        <p:spPr/>
+        <p:txBody>
+          <a:bodyPr/>
+          <a:lstStyle/>
+          <a:p>
+            <a:r>
+              <a:rPr lang="es-CR" dirty="0" smtClean="0">
+                <a:solidFill>
+                  <a:schemeClr val="tx1"/>
+                </a:solidFill>
+              </a:rPr>
+              <a:t>Puntos clave</a:t>
+            </a:r>
+            <a:endParaRPr lang="es-CR" dirty="0">
+              <a:solidFill>
+                <a:schemeClr val="tx1"/>
+              </a:solidFill>
+            </a:endParaRPr>
+          </a:p>
+        </p:txBody>
+      </p:sp>
+      <p:sp>
+        <p:nvSpPr>
+          <p:cNvPr id="3" name="Marcador de número de diapositiva 2"/>
+          <p:cNvSpPr>
+            <a:spLocks noGrp="1"/>
+          </p:cNvSpPr>
+          <p:nvPr>
+            <p:ph type="sldNum" sz="quarter" idx="12"/>
+          </p:nvPr>
+        </p:nvSpPr>
+        <p:spPr/>
+        <p:txBody>
+          <a:bodyPr/>
+          <a:lstStyle/>
+          <a:p>
+            <a:fld id="{5B27CDC1-117D-4425-A72F-8A90F6D88CD2}" type="slidenum">
+              <a:rPr lang="es-CR" smtClean="0"/>
+              <a:t>17</a:t>
+            </a:fld>
+            <a:endParaRPr lang="es-CR" dirty="0"/>
+          </a:p>
+        </p:txBody>
+      </p:sp>
+      <p:sp>
+        <p:nvSpPr>
+          <p:cNvPr id="5" name="Marcador de contenido 4"/>
+          <p:cNvSpPr>
+            <a:spLocks noGrp="1"/>
+          </p:cNvSpPr>
+          <p:nvPr>
+            <p:ph idx="1"/>
+          </p:nvPr>
+        </p:nvSpPr>
+        <p:spPr>
+          <a:xfrm>
+            <a:off x="1143000" y="2057400"/>
+            <a:ext cx="5798127" cy="545123"/>
+          </a:xfrm>
+        </p:spPr>
+        <p:txBody>
+          <a:bodyPr>
+            <a:normAutofit/>
+          </a:bodyPr>
+          <a:lstStyle/>
+          <a:p>
+            <a:r>
+              <a:rPr lang="es-CR" sz="2000" dirty="0" smtClean="0">
+                <a:solidFill>
+                  <a:schemeClr val="tx1"/>
+                </a:solidFill>
+              </a:rPr>
+              <a:t>Vibradores</a:t>
+            </a:r>
+          </a:p>
+          <a:p>
+            <a:pPr marL="45720" indent="0">
+              <a:buNone/>
+            </a:pPr>
+            <a:endParaRPr lang="es-CR" dirty="0" smtClean="0"/>
+          </a:p>
+        </p:txBody>
+      </p:sp>
+      <p:sp>
+        <p:nvSpPr>
+          <p:cNvPr id="7" name="Marcador de contenido 4"/>
+          <p:cNvSpPr txBox="1">
+            <a:spLocks/>
+          </p:cNvSpPr>
+          <p:nvPr/>
+        </p:nvSpPr>
+        <p:spPr>
+          <a:xfrm>
+            <a:off x="5770684" y="2057399"/>
+            <a:ext cx="5798127" cy="545123"/>
+          </a:xfrm>
+          <a:prstGeom prst="rect">
+            <a:avLst/>
+          </a:prstGeom>
+        </p:spPr>
+        <p:txBody>
+          <a:bodyPr vert="horz" lIns="91440" tIns="45720" rIns="91440" bIns="45720" rtlCol="0">
+            <a:normAutofit/>
+          </a:bodyPr>
+          <a:lstStyle>
+            <a:lvl1pPr marL="228600" indent="-182880" algn="l" defTabSz="914400" rtl="0" eaLnBrk="1" latinLnBrk="0" hangingPunct="1">
+              <a:lnSpc>
+                <a:spcPct val="90000"/>
+              </a:lnSpc>
+              <a:spcBef>
+                <a:spcPts val="1400"/>
+              </a:spcBef>
+              <a:buClr>
+                <a:schemeClr val="accent1"/>
+              </a:buClr>
+              <a:buSzPct val="80000"/>
+              <a:buFont typeface="Corbel" pitchFamily="34" charset="0"/>
+              <a:buChar char="•"/>
+              <a:defRPr sz="2200" kern="1200">
+                <a:solidFill>
+                  <a:schemeClr val="accent1"/>
+                </a:solidFill>
+                <a:latin typeface="+mn-lt"/>
+                <a:ea typeface="+mn-ea"/>
+                <a:cs typeface="+mn-cs"/>
+              </a:defRPr>
+            </a:lvl1pPr>
+            <a:lvl2pPr marL="457200" indent="-182880" algn="l" defTabSz="914400" rtl="0" eaLnBrk="1" latinLnBrk="0" hangingPunct="1">
+              <a:lnSpc>
+                <a:spcPct val="90000"/>
+              </a:lnSpc>
+              <a:spcBef>
+                <a:spcPts val="200"/>
+              </a:spcBef>
+              <a:spcAft>
+                <a:spcPts val="400"/>
+              </a:spcAft>
+              <a:buClr>
+                <a:schemeClr val="accent1"/>
+              </a:buClr>
+              <a:buSzPct val="80000"/>
+              <a:buFont typeface="Corbel" pitchFamily="34" charset="0"/>
+              <a:buChar char="•"/>
+              <a:defRPr sz="2000" kern="1200">
+                <a:solidFill>
+                  <a:schemeClr val="accent1"/>
+                </a:solidFill>
+                <a:latin typeface="+mn-lt"/>
+                <a:ea typeface="+mn-ea"/>
+                <a:cs typeface="+mn-cs"/>
+              </a:defRPr>
+            </a:lvl2pPr>
+            <a:lvl3pPr marL="731520" indent="-182880" algn="l" defTabSz="914400" rtl="0" eaLnBrk="1" latinLnBrk="0" hangingPunct="1">
+              <a:lnSpc>
+                <a:spcPct val="90000"/>
+              </a:lnSpc>
+              <a:spcBef>
+                <a:spcPts val="200"/>
+              </a:spcBef>
+              <a:spcAft>
+                <a:spcPts val="400"/>
+              </a:spcAft>
+              <a:buClr>
+                <a:schemeClr val="accent1"/>
+              </a:buClr>
+              <a:buSzPct val="80000"/>
+              <a:buFont typeface="Corbel" pitchFamily="34" charset="0"/>
+              <a:buChar char="•"/>
+              <a:defRPr sz="1800" kern="1200">
+                <a:solidFill>
+                  <a:schemeClr val="accent1"/>
+                </a:solidFill>
+                <a:latin typeface="+mn-lt"/>
+                <a:ea typeface="+mn-ea"/>
+                <a:cs typeface="+mn-cs"/>
+              </a:defRPr>
+            </a:lvl3pPr>
+            <a:lvl4pPr marL="1005840" indent="-182880" algn="l" defTabSz="914400" rtl="0" eaLnBrk="1" latinLnBrk="0" hangingPunct="1">
+              <a:lnSpc>
+                <a:spcPct val="90000"/>
+              </a:lnSpc>
+              <a:spcBef>
+                <a:spcPts val="200"/>
+              </a:spcBef>
+              <a:spcAft>
+                <a:spcPts val="400"/>
+              </a:spcAft>
+              <a:buClr>
+                <a:schemeClr val="accent1"/>
+              </a:buClr>
+              <a:buSzPct val="80000"/>
+              <a:buFont typeface="Corbel" pitchFamily="34" charset="0"/>
+              <a:buChar char="•"/>
+              <a:defRPr sz="1600" kern="1200">
+                <a:solidFill>
+                  <a:schemeClr val="accent1"/>
+                </a:solidFill>
+                <a:latin typeface="+mn-lt"/>
+                <a:ea typeface="+mn-ea"/>
+                <a:cs typeface="+mn-cs"/>
+              </a:defRPr>
+            </a:lvl4pPr>
+            <a:lvl5pPr marL="1280160" indent="-182880" algn="l" defTabSz="914400" rtl="0" eaLnBrk="1" latinLnBrk="0" hangingPunct="1">
+              <a:lnSpc>
+                <a:spcPct val="90000"/>
+              </a:lnSpc>
+              <a:spcBef>
+                <a:spcPts val="200"/>
+              </a:spcBef>
+              <a:spcAft>
+                <a:spcPts val="400"/>
+              </a:spcAft>
+              <a:buClr>
+                <a:schemeClr val="accent1"/>
+              </a:buClr>
+              <a:buSzPct val="80000"/>
+              <a:buFont typeface="Corbel" pitchFamily="34" charset="0"/>
+              <a:buChar char="•"/>
+              <a:defRPr sz="1600" kern="1200">
+                <a:solidFill>
+                  <a:schemeClr val="accent1"/>
+                </a:solidFill>
+                <a:latin typeface="+mn-lt"/>
+                <a:ea typeface="+mn-ea"/>
+                <a:cs typeface="+mn-cs"/>
+              </a:defRPr>
+            </a:lvl5pPr>
+            <a:lvl6pPr marL="1600000" indent="-228600" algn="l" defTabSz="914400" rtl="0" eaLnBrk="1" latinLnBrk="0" hangingPunct="1">
+              <a:lnSpc>
+                <a:spcPct val="90000"/>
+              </a:lnSpc>
+              <a:spcBef>
+                <a:spcPts val="200"/>
+              </a:spcBef>
+              <a:spcAft>
+                <a:spcPts val="400"/>
+              </a:spcAft>
+              <a:buClr>
+                <a:schemeClr val="accent1"/>
+              </a:buClr>
+              <a:buSzPct val="80000"/>
+              <a:buFont typeface="Corbel" pitchFamily="34" charset="0"/>
+              <a:buChar char="•"/>
+              <a:defRPr sz="1600" kern="1200">
+                <a:solidFill>
+                  <a:schemeClr val="accent1"/>
+                </a:solidFill>
+                <a:latin typeface="+mn-lt"/>
+                <a:ea typeface="+mn-ea"/>
+                <a:cs typeface="+mn-cs"/>
+              </a:defRPr>
+            </a:lvl6pPr>
+            <a:lvl7pPr marL="1900000" indent="-228600" algn="l" defTabSz="914400" rtl="0" eaLnBrk="1" latinLnBrk="0" hangingPunct="1">
+              <a:lnSpc>
+                <a:spcPct val="90000"/>
+              </a:lnSpc>
+              <a:spcBef>
+                <a:spcPts val="200"/>
+              </a:spcBef>
+              <a:spcAft>
+                <a:spcPts val="400"/>
+              </a:spcAft>
+              <a:buClr>
+                <a:schemeClr val="accent1"/>
+              </a:buClr>
+              <a:buSzPct val="80000"/>
+              <a:buFont typeface="Corbel" pitchFamily="34" charset="0"/>
+              <a:buChar char="•"/>
+              <a:defRPr sz="1600" kern="1200">
+                <a:solidFill>
+                  <a:schemeClr val="accent1"/>
+                </a:solidFill>
+                <a:latin typeface="+mn-lt"/>
+                <a:ea typeface="+mn-ea"/>
+                <a:cs typeface="+mn-cs"/>
+              </a:defRPr>
+            </a:lvl7pPr>
+            <a:lvl8pPr marL="2200000" indent="-228600" algn="l" defTabSz="914400" rtl="0" eaLnBrk="1" latinLnBrk="0" hangingPunct="1">
+              <a:lnSpc>
+                <a:spcPct val="90000"/>
+              </a:lnSpc>
+              <a:spcBef>
+                <a:spcPts val="200"/>
+              </a:spcBef>
+              <a:spcAft>
+                <a:spcPts val="400"/>
+              </a:spcAft>
+              <a:buClr>
+                <a:schemeClr val="accent1"/>
+              </a:buClr>
+              <a:buSzPct val="80000"/>
+              <a:buFont typeface="Corbel" pitchFamily="34" charset="0"/>
+              <a:buChar char="•"/>
+              <a:defRPr sz="1600" kern="1200">
+                <a:solidFill>
+                  <a:schemeClr val="accent1"/>
+                </a:solidFill>
+                <a:latin typeface="+mn-lt"/>
+                <a:ea typeface="+mn-ea"/>
+                <a:cs typeface="+mn-cs"/>
+              </a:defRPr>
+            </a:lvl8pPr>
+            <a:lvl9pPr marL="2500000" indent="-228600" algn="l" defTabSz="914400" rtl="0" eaLnBrk="1" latinLnBrk="0" hangingPunct="1">
+              <a:lnSpc>
+                <a:spcPct val="90000"/>
+              </a:lnSpc>
+              <a:spcBef>
+                <a:spcPts val="200"/>
+              </a:spcBef>
+              <a:spcAft>
+                <a:spcPts val="400"/>
+              </a:spcAft>
+              <a:buClr>
+                <a:schemeClr val="accent1"/>
+              </a:buClr>
+              <a:buSzPct val="80000"/>
+              <a:buFont typeface="Corbel" pitchFamily="34" charset="0"/>
+              <a:buChar char="•"/>
+              <a:defRPr sz="1600" kern="1200">
+                <a:solidFill>
+                  <a:schemeClr val="accent1"/>
+                </a:solidFill>
+                <a:latin typeface="+mn-lt"/>
+                <a:ea typeface="+mn-ea"/>
+                <a:cs typeface="+mn-cs"/>
+              </a:defRPr>
+            </a:lvl9pPr>
+          </a:lstStyle>
+          <a:p>
+            <a:r>
+              <a:rPr lang="es-CR" sz="2000" dirty="0" smtClean="0">
+                <a:solidFill>
+                  <a:schemeClr val="tx1"/>
+                </a:solidFill>
+              </a:rPr>
+              <a:t>Tolvas romanas</a:t>
+            </a:r>
+          </a:p>
+          <a:p>
+            <a:pPr marL="45720" indent="0">
+              <a:buFont typeface="Corbel" pitchFamily="34" charset="0"/>
+              <a:buNone/>
+            </a:pPr>
+            <a:endParaRPr lang="es-CR" dirty="0" smtClean="0"/>
+          </a:p>
+        </p:txBody>
+      </p:sp>
+      <p:pic>
+        <p:nvPicPr>
+          <p:cNvPr id="8" name="Imagen 7"/>
+          <p:cNvPicPr>
+            <a:picLocks noChangeAspect="1"/>
+          </p:cNvPicPr>
+          <p:nvPr/>
+        </p:nvPicPr>
+        <p:blipFill>
+          <a:blip r:embed="rId2"/>
+          <a:stretch>
+            <a:fillRect/>
+          </a:stretch>
+        </p:blipFill>
+        <p:spPr>
+          <a:xfrm>
+            <a:off x="977412" y="2329960"/>
+            <a:ext cx="2558178" cy="4070840"/>
+          </a:xfrm>
+          <a:prstGeom prst="rect">
+            <a:avLst/>
+          </a:prstGeom>
+        </p:spPr>
+      </p:pic>
+      <p:pic>
+        <p:nvPicPr>
+          <p:cNvPr id="10" name="Imagen 9"/>
+          <p:cNvPicPr>
+            <a:picLocks noChangeAspect="1"/>
+          </p:cNvPicPr>
+          <p:nvPr/>
+        </p:nvPicPr>
+        <p:blipFill>
+          <a:blip r:embed="rId3"/>
+          <a:stretch>
+            <a:fillRect/>
+          </a:stretch>
+        </p:blipFill>
+        <p:spPr>
+          <a:xfrm>
+            <a:off x="5683859" y="2693961"/>
+            <a:ext cx="3948961" cy="3293601"/>
+          </a:xfrm>
+          <a:prstGeom prst="rect">
+            <a:avLst/>
+          </a:prstGeom>
+        </p:spPr>
+      </p:pic>
+    </p:spTree>
+    <p:extLst>
+      <p:ext uri="{BB962C8B-B14F-4D97-AF65-F5344CB8AC3E}">
+        <p14:creationId xmlns:p14="http://schemas.microsoft.com/office/powerpoint/2010/main" val="2636020634"/>
+      </p:ext>
+    </p:extLst>
+  </p:cSld>
+  <p:clrMapOvr>
+    <a:masterClrMapping/>
+  </p:clrMapOvr>
+  <p:timing>
+    <p:tnLst>
+      <p:par>
+        <p:cTn id="1" dur="indefinite" restart="never" nodeType="tmRoot"/>
+      </p:par>
+    </p:tnLst>
+  </p:timing>
+</p:sld>
+</file>
+
+<file path=ppt/slides/slide18.xml><?xml version="1.0" encoding="utf-8"?>
+<p:sld xmlns:a="http://schemas.openxmlformats.org/drawingml/2006/main" xmlns:r="http://schemas.openxmlformats.org/officeDocument/2006/relationships" xmlns:p="http://schemas.openxmlformats.org/presentationml/2006/main">
+  <p:cSld>
+    <p:spTree>
+      <p:nvGrpSpPr>
+        <p:cNvPr id="1" name=""/>
+        <p:cNvGrpSpPr/>
+        <p:nvPr/>
+      </p:nvGrpSpPr>
+      <p:grpSpPr>
+        <a:xfrm>
+          <a:off x="0" y="0"/>
+          <a:ext cx="0" cy="0"/>
+          <a:chOff x="0" y="0"/>
+          <a:chExt cx="0" cy="0"/>
+        </a:xfrm>
+      </p:grpSpPr>
+      <p:sp>
+        <p:nvSpPr>
+          <p:cNvPr id="2" name="Título 1"/>
+          <p:cNvSpPr>
+            <a:spLocks noGrp="1"/>
+          </p:cNvSpPr>
+          <p:nvPr>
+            <p:ph type="title"/>
+          </p:nvPr>
+        </p:nvSpPr>
+        <p:spPr/>
+        <p:txBody>
+          <a:bodyPr/>
+          <a:lstStyle/>
+          <a:p>
+            <a:r>
+              <a:rPr lang="es-CR" dirty="0" smtClean="0">
+                <a:solidFill>
+                  <a:schemeClr val="tx1"/>
+                </a:solidFill>
+              </a:rPr>
+              <a:t>Argumentos</a:t>
+            </a:r>
+            <a:endParaRPr lang="es-CR" dirty="0">
+              <a:solidFill>
+                <a:schemeClr val="tx1"/>
+              </a:solidFill>
+            </a:endParaRPr>
+          </a:p>
+        </p:txBody>
+      </p:sp>
+      <p:sp>
+        <p:nvSpPr>
+          <p:cNvPr id="4" name="Marcador de número de diapositiva 3"/>
+          <p:cNvSpPr>
+            <a:spLocks noGrp="1"/>
+          </p:cNvSpPr>
+          <p:nvPr>
+            <p:ph type="sldNum" sz="quarter" idx="12"/>
+          </p:nvPr>
+        </p:nvSpPr>
+        <p:spPr/>
+        <p:txBody>
+          <a:bodyPr/>
+          <a:lstStyle/>
+          <a:p>
+            <a:fld id="{5B27CDC1-117D-4425-A72F-8A90F6D88CD2}" type="slidenum">
+              <a:rPr lang="es-CR" smtClean="0"/>
+              <a:t>18</a:t>
+            </a:fld>
+            <a:endParaRPr lang="es-CR" dirty="0"/>
+          </a:p>
+        </p:txBody>
+      </p:sp>
+      <p:graphicFrame>
+        <p:nvGraphicFramePr>
+          <p:cNvPr id="6" name="Marcador de contenido 5"/>
+          <p:cNvGraphicFramePr>
+            <a:graphicFrameLocks noGrp="1"/>
+          </p:cNvGraphicFramePr>
+          <p:nvPr>
+            <p:ph idx="1"/>
+            <p:extLst>
+              <p:ext uri="{D42A27DB-BD31-4B8C-83A1-F6EECF244321}">
+                <p14:modId xmlns:p14="http://schemas.microsoft.com/office/powerpoint/2010/main" val="3448770758"/>
+              </p:ext>
+            </p:extLst>
+          </p:nvPr>
+        </p:nvGraphicFramePr>
+        <p:xfrm>
+          <a:off x="1143000" y="1724891"/>
+          <a:ext cx="9872664" cy="4622800"/>
+        </p:xfrm>
+        <a:graphic>
+          <a:graphicData uri="http://schemas.openxmlformats.org/drawingml/2006/table">
+            <a:tbl>
+              <a:tblPr firstRow="1" bandRow="1">
+                <a:tableStyleId>{9D7B26C5-4107-4FEC-AEDC-1716B250A1EF}</a:tableStyleId>
+              </a:tblPr>
+              <a:tblGrid>
+                <a:gridCol w="4936332">
+                  <a:extLst>
+                    <a:ext uri="{9D8B030D-6E8A-4147-A177-3AD203B41FA5}">
+                      <a16:colId xmlns:a16="http://schemas.microsoft.com/office/drawing/2014/main" val="1287396384"/>
+                    </a:ext>
+                  </a:extLst>
+                </a:gridCol>
+                <a:gridCol w="4936332">
+                  <a:extLst>
+                    <a:ext uri="{9D8B030D-6E8A-4147-A177-3AD203B41FA5}">
+                      <a16:colId xmlns:a16="http://schemas.microsoft.com/office/drawing/2014/main" val="2886830424"/>
+                    </a:ext>
+                  </a:extLst>
+                </a:gridCol>
+              </a:tblGrid>
+              <a:tr h="370840">
+                <a:tc>
+                  <a:txBody>
+                    <a:bodyPr/>
+                    <a:lstStyle/>
+                    <a:p>
+                      <a:pPr marL="0" algn="l" defTabSz="914400" rtl="0" eaLnBrk="1" latinLnBrk="0" hangingPunct="1"/>
+                      <a:r>
+                        <a:rPr lang="es-CR" sz="1800" b="1" kern="1200" dirty="0" smtClean="0">
+                          <a:solidFill>
+                            <a:schemeClr val="tx1"/>
+                          </a:solidFill>
+                          <a:latin typeface="+mn-lt"/>
+                          <a:ea typeface="+mn-ea"/>
+                          <a:cs typeface="+mn-cs"/>
+                        </a:rPr>
+                        <a:t>Favor</a:t>
+                      </a:r>
+                      <a:endParaRPr lang="es-CR" sz="1800" b="1" kern="1200" dirty="0">
+                        <a:solidFill>
+                          <a:schemeClr val="tx1"/>
+                        </a:solidFill>
+                        <a:latin typeface="+mn-lt"/>
+                        <a:ea typeface="+mn-ea"/>
+                        <a:cs typeface="+mn-cs"/>
+                      </a:endParaRPr>
+                    </a:p>
+                  </a:txBody>
+                  <a:tcPr/>
+                </a:tc>
+                <a:tc>
+                  <a:txBody>
+                    <a:bodyPr/>
+                    <a:lstStyle/>
+                    <a:p>
+                      <a:r>
+                        <a:rPr lang="es-CR" dirty="0" smtClean="0"/>
+                        <a:t>Contra</a:t>
+                      </a:r>
+                      <a:endParaRPr lang="es-CR" dirty="0"/>
+                    </a:p>
+                  </a:txBody>
+                  <a:tcPr/>
+                </a:tc>
+                <a:extLst>
+                  <a:ext uri="{0D108BD9-81ED-4DB2-BD59-A6C34878D82A}">
+                    <a16:rowId xmlns:a16="http://schemas.microsoft.com/office/drawing/2014/main" val="3309441683"/>
+                  </a:ext>
+                </a:extLst>
+              </a:tr>
+              <a:tr h="370840">
+                <a:tc>
+                  <a:txBody>
+                    <a:bodyPr/>
+                    <a:lstStyle/>
+                    <a:p>
+                      <a:r>
+                        <a:rPr lang="es-CR" sz="1200" dirty="0" smtClean="0"/>
+                        <a:t>De todos los diseño es el más rápido ya que </a:t>
+                      </a:r>
+                      <a:r>
+                        <a:rPr lang="es-CR" sz="1200" dirty="0" smtClean="0"/>
+                        <a:t>dosifica </a:t>
+                      </a:r>
+                      <a:r>
+                        <a:rPr lang="es-CR" sz="1200" dirty="0" smtClean="0"/>
+                        <a:t>simultáneamente.</a:t>
+                      </a:r>
+                      <a:endParaRPr lang="es-CR" sz="1200" dirty="0"/>
+                    </a:p>
+                  </a:txBody>
+                  <a:tcPr/>
+                </a:tc>
+                <a:tc>
+                  <a:txBody>
+                    <a:bodyPr/>
+                    <a:lstStyle/>
+                    <a:p>
+                      <a:r>
+                        <a:rPr lang="es-CR" sz="1200" dirty="0" smtClean="0"/>
+                        <a:t>Repuestos para el TSF deben importarse o fabricarse en</a:t>
+                      </a:r>
+                      <a:r>
+                        <a:rPr lang="es-CR" sz="1200" baseline="0" dirty="0" smtClean="0"/>
+                        <a:t> planta.</a:t>
+                      </a:r>
+                      <a:endParaRPr lang="es-CR" sz="1200" dirty="0"/>
+                    </a:p>
+                  </a:txBody>
+                  <a:tcPr/>
+                </a:tc>
+                <a:extLst>
+                  <a:ext uri="{0D108BD9-81ED-4DB2-BD59-A6C34878D82A}">
+                    <a16:rowId xmlns:a16="http://schemas.microsoft.com/office/drawing/2014/main" val="1978415111"/>
+                  </a:ext>
+                </a:extLst>
+              </a:tr>
+              <a:tr h="370840">
+                <a:tc>
+                  <a:txBody>
+                    <a:bodyPr/>
+                    <a:lstStyle/>
+                    <a:p>
+                      <a:r>
+                        <a:rPr lang="es-CR" sz="1200" dirty="0" smtClean="0"/>
+                        <a:t>Vibradores permiten dosificar</a:t>
+                      </a:r>
+                      <a:r>
+                        <a:rPr lang="es-CR" sz="1200" baseline="0" dirty="0" smtClean="0"/>
+                        <a:t> hasta la levadura con ”alta” precisión.</a:t>
+                      </a:r>
+                      <a:endParaRPr lang="es-CR" sz="1200" dirty="0"/>
+                    </a:p>
+                  </a:txBody>
+                  <a:tcPr/>
+                </a:tc>
+                <a:tc>
+                  <a:txBody>
+                    <a:bodyPr/>
+                    <a:lstStyle/>
+                    <a:p>
+                      <a:r>
+                        <a:rPr lang="es-CR" sz="1200" dirty="0" smtClean="0"/>
+                        <a:t>Costo de vibradores</a:t>
+                      </a:r>
+                      <a:r>
+                        <a:rPr lang="es-CR" sz="1200" baseline="0" dirty="0" smtClean="0"/>
+                        <a:t> (desde 300 a 1 000 USD usados en </a:t>
+                      </a:r>
+                      <a:r>
+                        <a:rPr lang="es-CR" sz="1200" baseline="0" dirty="0" smtClean="0"/>
+                        <a:t>eBay).</a:t>
+                      </a:r>
+                      <a:endParaRPr lang="es-CR" sz="1400" dirty="0"/>
+                    </a:p>
+                  </a:txBody>
+                  <a:tcPr/>
+                </a:tc>
+                <a:extLst>
+                  <a:ext uri="{0D108BD9-81ED-4DB2-BD59-A6C34878D82A}">
+                    <a16:rowId xmlns:a16="http://schemas.microsoft.com/office/drawing/2014/main" val="239441708"/>
+                  </a:ext>
+                </a:extLst>
+              </a:tr>
+              <a:tr h="370840">
+                <a:tc>
+                  <a:txBody>
+                    <a:bodyPr/>
+                    <a:lstStyle/>
+                    <a:p>
+                      <a:r>
+                        <a:rPr lang="es-CR" sz="1200" dirty="0" smtClean="0"/>
+                        <a:t>Poco mantenimiento ya que tanto vibradores como TSF son auto</a:t>
+                      </a:r>
+                      <a:r>
+                        <a:rPr lang="es-CR" sz="1200" baseline="0" dirty="0" smtClean="0"/>
+                        <a:t> </a:t>
+                      </a:r>
+                      <a:r>
+                        <a:rPr lang="es-CR" sz="1200" dirty="0" smtClean="0"/>
+                        <a:t>limpiantes.</a:t>
+                      </a:r>
+                      <a:endParaRPr lang="es-CR" sz="1200" dirty="0"/>
+                    </a:p>
+                  </a:txBody>
+                  <a:tcPr/>
+                </a:tc>
+                <a:tc>
+                  <a:txBody>
+                    <a:bodyPr/>
+                    <a:lstStyle/>
+                    <a:p>
+                      <a:r>
+                        <a:rPr lang="es-CR" sz="1200" dirty="0" smtClean="0"/>
+                        <a:t>Si</a:t>
+                      </a:r>
+                      <a:r>
+                        <a:rPr lang="es-CR" sz="1200" baseline="0" dirty="0" smtClean="0"/>
+                        <a:t> se va la electricidad es difícil dosificar los alimentos vibrados.</a:t>
+                      </a:r>
+                      <a:endParaRPr lang="es-CR" sz="1200" dirty="0"/>
+                    </a:p>
+                  </a:txBody>
+                  <a:tcPr/>
+                </a:tc>
+                <a:extLst>
+                  <a:ext uri="{0D108BD9-81ED-4DB2-BD59-A6C34878D82A}">
+                    <a16:rowId xmlns:a16="http://schemas.microsoft.com/office/drawing/2014/main" val="1008675034"/>
+                  </a:ext>
+                </a:extLst>
+              </a:tr>
+              <a:tr h="370840">
+                <a:tc>
+                  <a:txBody>
+                    <a:bodyPr/>
+                    <a:lstStyle/>
+                    <a:p>
+                      <a:r>
+                        <a:rPr lang="es-CR" sz="1200" dirty="0" smtClean="0"/>
+                        <a:t>Es posible lograr</a:t>
+                      </a:r>
+                      <a:r>
+                        <a:rPr lang="es-CR" sz="1200" baseline="0" dirty="0" smtClean="0"/>
+                        <a:t> dosificación controlada y es posible variar su velocidad.</a:t>
+                      </a:r>
+                      <a:endParaRPr lang="es-CR" sz="1400" dirty="0"/>
+                    </a:p>
+                  </a:txBody>
+                  <a:tcPr/>
+                </a:tc>
+                <a:tc>
+                  <a:txBody>
+                    <a:bodyPr/>
+                    <a:lstStyle/>
+                    <a:p>
+                      <a:r>
+                        <a:rPr lang="es-CR" sz="1200" dirty="0" smtClean="0"/>
+                        <a:t>Inconvenientes</a:t>
+                      </a:r>
+                      <a:r>
+                        <a:rPr lang="es-CR" sz="1200" baseline="0" dirty="0" smtClean="0"/>
+                        <a:t> propios de los equipos neumáticos.</a:t>
+                      </a:r>
+                      <a:endParaRPr lang="es-CR" sz="1200" dirty="0"/>
+                    </a:p>
+                  </a:txBody>
+                  <a:tcPr/>
+                </a:tc>
+                <a:extLst>
+                  <a:ext uri="{0D108BD9-81ED-4DB2-BD59-A6C34878D82A}">
+                    <a16:rowId xmlns:a16="http://schemas.microsoft.com/office/drawing/2014/main" val="1297529540"/>
+                  </a:ext>
+                </a:extLst>
+              </a:tr>
+              <a:tr h="370840">
+                <a:tc>
+                  <a:txBody>
+                    <a:bodyPr/>
+                    <a:lstStyle/>
+                    <a:p>
+                      <a:r>
+                        <a:rPr lang="es-CR" sz="1200" baseline="0" dirty="0" smtClean="0"/>
+                        <a:t>Los pistones permite mayor fuerza en el cierre que otros sistemas, son rápidos y eliminan la necesidad de cierres eléctricos.</a:t>
+                      </a:r>
+                      <a:endParaRPr lang="es-CR" sz="1100" dirty="0"/>
+                    </a:p>
+                  </a:txBody>
+                  <a:tcPr/>
+                </a:tc>
+                <a:tc>
+                  <a:txBody>
+                    <a:bodyPr/>
+                    <a:lstStyle/>
+                    <a:p>
+                      <a:r>
+                        <a:rPr lang="es-CR" sz="1200" dirty="0" smtClean="0"/>
+                        <a:t>Complejidad</a:t>
+                      </a:r>
+                      <a:r>
+                        <a:rPr lang="es-CR" sz="1200" baseline="0" dirty="0" smtClean="0"/>
+                        <a:t> en la manufactura del TSF.</a:t>
+                      </a:r>
+                      <a:endParaRPr lang="es-CR" sz="1200" dirty="0"/>
+                    </a:p>
+                  </a:txBody>
+                  <a:tcPr/>
+                </a:tc>
+                <a:extLst>
+                  <a:ext uri="{0D108BD9-81ED-4DB2-BD59-A6C34878D82A}">
+                    <a16:rowId xmlns:a16="http://schemas.microsoft.com/office/drawing/2014/main" val="4117605206"/>
+                  </a:ext>
+                </a:extLst>
+              </a:tr>
+              <a:tr h="370840">
+                <a:tc>
+                  <a:txBody>
+                    <a:bodyPr/>
+                    <a:lstStyle/>
+                    <a:p>
+                      <a:r>
+                        <a:rPr lang="es-CR" sz="1200" dirty="0" smtClean="0"/>
+                        <a:t>No requiere software</a:t>
+                      </a:r>
+                      <a:r>
+                        <a:rPr lang="es-CR" sz="1200" baseline="0" dirty="0" smtClean="0"/>
+                        <a:t> complejo para su control.</a:t>
+                      </a:r>
+                      <a:endParaRPr lang="es-CR" sz="1200" dirty="0"/>
+                    </a:p>
+                  </a:txBody>
+                  <a:tcPr/>
+                </a:tc>
+                <a:tc>
+                  <a:txBody>
+                    <a:bodyPr/>
+                    <a:lstStyle/>
+                    <a:p>
+                      <a:endParaRPr lang="es-CR" sz="1200" dirty="0"/>
+                    </a:p>
+                  </a:txBody>
+                  <a:tcPr/>
+                </a:tc>
+                <a:extLst>
+                  <a:ext uri="{0D108BD9-81ED-4DB2-BD59-A6C34878D82A}">
+                    <a16:rowId xmlns:a16="http://schemas.microsoft.com/office/drawing/2014/main" val="1306906377"/>
+                  </a:ext>
+                </a:extLst>
+              </a:tr>
+              <a:tr h="370840">
+                <a:tc>
+                  <a:txBody>
+                    <a:bodyPr/>
+                    <a:lstStyle/>
+                    <a:p>
+                      <a:r>
+                        <a:rPr lang="es-CR" sz="1200" dirty="0" smtClean="0"/>
+                        <a:t>Es una medición </a:t>
+                      </a:r>
+                      <a:r>
+                        <a:rPr lang="es-CR" sz="1200" b="1" dirty="0" smtClean="0"/>
+                        <a:t>directa </a:t>
+                      </a:r>
+                      <a:r>
+                        <a:rPr lang="es-CR" sz="1200" dirty="0" smtClean="0"/>
+                        <a:t>de</a:t>
+                      </a:r>
+                      <a:r>
+                        <a:rPr lang="es-CR" sz="1200" baseline="0" dirty="0" smtClean="0"/>
+                        <a:t> la masas.</a:t>
+                      </a:r>
+                      <a:endParaRPr lang="es-CR" sz="1200" dirty="0"/>
+                    </a:p>
+                  </a:txBody>
+                  <a:tcPr/>
+                </a:tc>
+                <a:tc>
+                  <a:txBody>
+                    <a:bodyPr/>
+                    <a:lstStyle/>
+                    <a:p>
+                      <a:endParaRPr lang="es-CR" sz="1200" baseline="0" dirty="0" smtClean="0"/>
+                    </a:p>
+                  </a:txBody>
+                  <a:tcPr/>
+                </a:tc>
+                <a:extLst>
+                  <a:ext uri="{0D108BD9-81ED-4DB2-BD59-A6C34878D82A}">
+                    <a16:rowId xmlns:a16="http://schemas.microsoft.com/office/drawing/2014/main" val="732470973"/>
+                  </a:ext>
+                </a:extLst>
+              </a:tr>
+              <a:tr h="370840">
+                <a:tc>
+                  <a:txBody>
+                    <a:bodyPr/>
+                    <a:lstStyle/>
+                    <a:p>
+                      <a:r>
+                        <a:rPr lang="es-CR" sz="1200" dirty="0" smtClean="0"/>
+                        <a:t>Le</a:t>
+                      </a:r>
+                      <a:r>
+                        <a:rPr lang="es-CR" sz="1200" baseline="0" dirty="0" smtClean="0"/>
+                        <a:t> medición no depende de la geometría de la esclusa ni distribución de masa de los alimentos.</a:t>
+                      </a:r>
+                      <a:endParaRPr lang="es-CR" sz="1200" dirty="0"/>
+                    </a:p>
+                  </a:txBody>
+                  <a:tcPr/>
+                </a:tc>
+                <a:tc>
+                  <a:txBody>
+                    <a:bodyPr/>
+                    <a:lstStyle/>
+                    <a:p>
+                      <a:endParaRPr lang="es-CR" sz="1200" baseline="0" dirty="0" smtClean="0"/>
+                    </a:p>
+                  </a:txBody>
+                  <a:tcPr/>
+                </a:tc>
+                <a:extLst>
+                  <a:ext uri="{0D108BD9-81ED-4DB2-BD59-A6C34878D82A}">
+                    <a16:rowId xmlns:a16="http://schemas.microsoft.com/office/drawing/2014/main" val="918614331"/>
+                  </a:ext>
+                </a:extLst>
+              </a:tr>
+              <a:tr h="370840">
+                <a:tc>
+                  <a:txBody>
+                    <a:bodyPr/>
+                    <a:lstStyle/>
+                    <a:p>
+                      <a:r>
+                        <a:rPr lang="es-CR" sz="1200" dirty="0" smtClean="0"/>
+                        <a:t>Es posible encontrar vibradores en CR (LabsCR).</a:t>
+                      </a:r>
+                    </a:p>
+                  </a:txBody>
+                  <a:tcPr/>
+                </a:tc>
+                <a:tc>
+                  <a:txBody>
+                    <a:bodyPr/>
+                    <a:lstStyle/>
+                    <a:p>
+                      <a:endParaRPr lang="es-CR" sz="1200" baseline="0" dirty="0" smtClean="0"/>
+                    </a:p>
+                  </a:txBody>
+                  <a:tcPr/>
+                </a:tc>
+                <a:extLst>
+                  <a:ext uri="{0D108BD9-81ED-4DB2-BD59-A6C34878D82A}">
+                    <a16:rowId xmlns:a16="http://schemas.microsoft.com/office/drawing/2014/main" val="1038253603"/>
+                  </a:ext>
+                </a:extLst>
+              </a:tr>
+              <a:tr h="370840">
+                <a:tc>
+                  <a:txBody>
+                    <a:bodyPr/>
+                    <a:lstStyle/>
+                    <a:p>
+                      <a:r>
+                        <a:rPr lang="es-CR" sz="1200" dirty="0" smtClean="0"/>
+                        <a:t>Es</a:t>
+                      </a:r>
+                      <a:r>
+                        <a:rPr lang="es-CR" sz="1200" baseline="0" dirty="0" smtClean="0"/>
+                        <a:t> fácilmente escalable.</a:t>
+                      </a:r>
+                      <a:endParaRPr lang="es-CR" sz="1200" dirty="0" smtClean="0"/>
+                    </a:p>
+                  </a:txBody>
+                  <a:tcPr/>
+                </a:tc>
+                <a:tc>
+                  <a:txBody>
+                    <a:bodyPr/>
+                    <a:lstStyle/>
+                    <a:p>
+                      <a:endParaRPr lang="es-CR" sz="1200" baseline="0" dirty="0" smtClean="0"/>
+                    </a:p>
+                  </a:txBody>
+                  <a:tcPr/>
+                </a:tc>
+                <a:extLst>
+                  <a:ext uri="{0D108BD9-81ED-4DB2-BD59-A6C34878D82A}">
+                    <a16:rowId xmlns:a16="http://schemas.microsoft.com/office/drawing/2014/main" val="1345618089"/>
+                  </a:ext>
+                </a:extLst>
+              </a:tr>
+              <a:tr h="370840">
+                <a:tc>
+                  <a:txBody>
+                    <a:bodyPr/>
+                    <a:lstStyle/>
+                    <a:p>
+                      <a:r>
+                        <a:rPr lang="es-CR" sz="1200" dirty="0" smtClean="0"/>
+                        <a:t>El</a:t>
+                      </a:r>
+                      <a:r>
+                        <a:rPr lang="es-CR" sz="1200" baseline="0" dirty="0" smtClean="0"/>
+                        <a:t> aislamiento de las tolvas de pesaje es sencillo debido a su tamaño.</a:t>
+                      </a:r>
+                      <a:endParaRPr lang="es-CR" sz="1200" dirty="0" smtClean="0"/>
+                    </a:p>
+                  </a:txBody>
+                  <a:tcPr/>
+                </a:tc>
+                <a:tc>
+                  <a:txBody>
+                    <a:bodyPr/>
+                    <a:lstStyle/>
+                    <a:p>
+                      <a:endParaRPr lang="es-CR" sz="1200" baseline="0" dirty="0" smtClean="0"/>
+                    </a:p>
+                  </a:txBody>
+                  <a:tcPr/>
+                </a:tc>
+                <a:extLst>
+                  <a:ext uri="{0D108BD9-81ED-4DB2-BD59-A6C34878D82A}">
+                    <a16:rowId xmlns:a16="http://schemas.microsoft.com/office/drawing/2014/main" val="1893696045"/>
+                  </a:ext>
+                </a:extLst>
+              </a:tr>
+            </a:tbl>
+          </a:graphicData>
+        </a:graphic>
+      </p:graphicFrame>
+    </p:spTree>
+    <p:extLst>
+      <p:ext uri="{BB962C8B-B14F-4D97-AF65-F5344CB8AC3E}">
+        <p14:creationId xmlns:p14="http://schemas.microsoft.com/office/powerpoint/2010/main" val="1461660517"/>
+      </p:ext>
+    </p:extLst>
+  </p:cSld>
+  <p:clrMapOvr>
+    <a:masterClrMapping/>
+  </p:clrMapOvr>
+  <p:timing>
+    <p:tnLst>
+      <p:par>
+        <p:cTn id="1" dur="indefinite" restart="never" nodeType="tmRoot"/>
+      </p:par>
+    </p:tnLst>
+  </p:timing>
+</p:sld>
+</file>
+
+<file path=ppt/slides/slide2.xml><?xml version="1.0" encoding="utf-8"?>
+<p:sld xmlns:a="http://schemas.openxmlformats.org/drawingml/2006/main" xmlns:r="http://schemas.openxmlformats.org/officeDocument/2006/relationships" xmlns:p="http://schemas.openxmlformats.org/presentationml/2006/main">
+  <p:cSld>
+    <p:spTree>
+      <p:nvGrpSpPr>
+        <p:cNvPr id="1" name=""/>
+        <p:cNvGrpSpPr/>
+        <p:nvPr/>
+      </p:nvGrpSpPr>
+      <p:grpSpPr>
+        <a:xfrm>
+          <a:off x="0" y="0"/>
+          <a:ext cx="0" cy="0"/>
+          <a:chOff x="0" y="0"/>
+          <a:chExt cx="0" cy="0"/>
+        </a:xfrm>
+      </p:grpSpPr>
+      <p:sp>
+        <p:nvSpPr>
+          <p:cNvPr id="2" name="Título 1"/>
+          <p:cNvSpPr>
+            <a:spLocks noGrp="1"/>
+          </p:cNvSpPr>
+          <p:nvPr>
+            <p:ph type="title"/>
+          </p:nvPr>
+        </p:nvSpPr>
+        <p:spPr/>
+        <p:txBody>
+          <a:bodyPr/>
+          <a:lstStyle/>
+          <a:p>
+            <a:r>
+              <a:rPr lang="es-CR" dirty="0" smtClean="0">
+                <a:solidFill>
+                  <a:schemeClr val="tx1"/>
+                </a:solidFill>
+              </a:rPr>
+              <a:t>Agenda</a:t>
+            </a:r>
+            <a:endParaRPr lang="es-CR" dirty="0">
+              <a:solidFill>
+                <a:schemeClr val="tx1"/>
+              </a:solidFill>
+            </a:endParaRPr>
+          </a:p>
+        </p:txBody>
+      </p:sp>
+      <p:sp>
+        <p:nvSpPr>
+          <p:cNvPr id="3" name="Marcador de contenido 2"/>
+          <p:cNvSpPr>
+            <a:spLocks noGrp="1"/>
+          </p:cNvSpPr>
+          <p:nvPr>
+            <p:ph idx="1"/>
+          </p:nvPr>
+        </p:nvSpPr>
+        <p:spPr/>
+        <p:txBody>
+          <a:bodyPr>
+            <a:normAutofit/>
+          </a:bodyPr>
+          <a:lstStyle/>
+          <a:p>
+            <a:r>
+              <a:rPr lang="es-CR" sz="2800" dirty="0" smtClean="0">
+                <a:solidFill>
+                  <a:schemeClr val="tx1"/>
+                </a:solidFill>
+              </a:rPr>
+              <a:t>Programas </a:t>
+            </a:r>
+            <a:r>
+              <a:rPr lang="es-CR" sz="2800" dirty="0" smtClean="0">
+                <a:solidFill>
+                  <a:schemeClr val="tx1"/>
+                </a:solidFill>
+              </a:rPr>
+              <a:t>del MICITT</a:t>
+            </a:r>
+          </a:p>
+          <a:p>
+            <a:pPr lvl="1"/>
+            <a:r>
+              <a:rPr lang="es-CR" sz="2600" dirty="0" smtClean="0">
+                <a:solidFill>
+                  <a:schemeClr val="tx1"/>
+                </a:solidFill>
+              </a:rPr>
+              <a:t>PINN</a:t>
+            </a:r>
+          </a:p>
+          <a:p>
+            <a:pPr lvl="1"/>
+            <a:r>
+              <a:rPr lang="es-CR" sz="2600" dirty="0" smtClean="0">
+                <a:solidFill>
+                  <a:schemeClr val="tx1"/>
+                </a:solidFill>
+              </a:rPr>
+              <a:t>PITS</a:t>
+            </a:r>
+            <a:endParaRPr lang="es-CR" sz="2600" dirty="0" smtClean="0">
+              <a:solidFill>
+                <a:schemeClr val="tx1"/>
+              </a:solidFill>
+            </a:endParaRPr>
+          </a:p>
+          <a:p>
+            <a:r>
+              <a:rPr lang="es-CR" sz="2800" dirty="0" smtClean="0">
+                <a:solidFill>
+                  <a:schemeClr val="tx1"/>
+                </a:solidFill>
+              </a:rPr>
+              <a:t>Propuestas de solución</a:t>
+            </a:r>
+          </a:p>
+          <a:p>
+            <a:pPr lvl="1"/>
+            <a:r>
+              <a:rPr lang="es-CR" sz="2600" dirty="0" smtClean="0">
+                <a:solidFill>
+                  <a:schemeClr val="tx1"/>
+                </a:solidFill>
+              </a:rPr>
+              <a:t>Propuesta 1</a:t>
+            </a:r>
+          </a:p>
+          <a:p>
+            <a:pPr lvl="1"/>
+            <a:r>
+              <a:rPr lang="es-CR" sz="2600" dirty="0" smtClean="0">
+                <a:solidFill>
+                  <a:schemeClr val="tx1"/>
+                </a:solidFill>
+              </a:rPr>
+              <a:t>Propuesta 2</a:t>
+            </a:r>
+          </a:p>
+          <a:p>
+            <a:pPr lvl="1"/>
+            <a:r>
+              <a:rPr lang="es-CR" sz="2600" dirty="0" smtClean="0">
+                <a:solidFill>
+                  <a:schemeClr val="tx1"/>
+                </a:solidFill>
+              </a:rPr>
+              <a:t>Propuesta 3</a:t>
+            </a:r>
+          </a:p>
+        </p:txBody>
+      </p:sp>
+      <p:sp>
+        <p:nvSpPr>
+          <p:cNvPr id="4" name="Marcador de número de diapositiva 3"/>
+          <p:cNvSpPr>
+            <a:spLocks noGrp="1"/>
+          </p:cNvSpPr>
+          <p:nvPr>
+            <p:ph type="sldNum" sz="quarter" idx="12"/>
+          </p:nvPr>
+        </p:nvSpPr>
+        <p:spPr/>
+        <p:txBody>
+          <a:bodyPr/>
+          <a:lstStyle/>
+          <a:p>
+            <a:fld id="{5B27CDC1-117D-4425-A72F-8A90F6D88CD2}" type="slidenum">
+              <a:rPr lang="es-CR" smtClean="0"/>
+              <a:t>2</a:t>
+            </a:fld>
+            <a:endParaRPr lang="es-CR" dirty="0"/>
+          </a:p>
+        </p:txBody>
+      </p:sp>
+    </p:spTree>
+    <p:extLst>
+      <p:ext uri="{BB962C8B-B14F-4D97-AF65-F5344CB8AC3E}">
+        <p14:creationId xmlns:p14="http://schemas.microsoft.com/office/powerpoint/2010/main" val="1955106053"/>
+      </p:ext>
+    </p:extLst>
+  </p:cSld>
+  <p:clrMapOvr>
+    <a:masterClrMapping/>
+  </p:clrMapOvr>
+  <p:timing>
+    <p:tnLst>
+      <p:par>
+        <p:cTn id="1" dur="indefinite" restart="never" nodeType="tmRoot"/>
+      </p:par>
+    </p:tnLst>
+  </p:timing>
+</p:sld>
+</file>
+
+<file path=ppt/slides/slide3.xml><?xml version="1.0" encoding="utf-8"?>
+<p:sld xmlns:a="http://schemas.openxmlformats.org/drawingml/2006/main" xmlns:r="http://schemas.openxmlformats.org/officeDocument/2006/relationships" xmlns:p="http://schemas.openxmlformats.org/presentationml/2006/main">
+  <p:cSld>
+    <p:spTree>
+      <p:nvGrpSpPr>
+        <p:cNvPr id="1" name=""/>
+        <p:cNvGrpSpPr/>
+        <p:nvPr/>
+      </p:nvGrpSpPr>
+      <p:grpSpPr>
+        <a:xfrm>
+          <a:off x="0" y="0"/>
+          <a:ext cx="0" cy="0"/>
+          <a:chOff x="0" y="0"/>
+          <a:chExt cx="0" cy="0"/>
+        </a:xfrm>
+      </p:grpSpPr>
+      <p:sp>
+        <p:nvSpPr>
+          <p:cNvPr id="2" name="Título 1"/>
+          <p:cNvSpPr>
+            <a:spLocks noGrp="1"/>
+          </p:cNvSpPr>
+          <p:nvPr>
+            <p:ph type="title"/>
+          </p:nvPr>
+        </p:nvSpPr>
+        <p:spPr/>
+        <p:txBody>
+          <a:bodyPr/>
+          <a:lstStyle/>
+          <a:p>
+            <a:r>
+              <a:rPr lang="es-CR" dirty="0" smtClean="0">
+                <a:solidFill>
+                  <a:schemeClr val="tx1"/>
+                </a:solidFill>
+              </a:rPr>
+              <a:t>Programa PINN del MICITT</a:t>
+            </a:r>
+            <a:endParaRPr lang="es-CR" dirty="0">
+              <a:solidFill>
+                <a:schemeClr val="tx1"/>
+              </a:solidFill>
+            </a:endParaRPr>
+          </a:p>
+        </p:txBody>
+      </p:sp>
+      <p:sp>
+        <p:nvSpPr>
+          <p:cNvPr id="3" name="Marcador de número de diapositiva 2"/>
+          <p:cNvSpPr>
+            <a:spLocks noGrp="1"/>
+          </p:cNvSpPr>
+          <p:nvPr>
+            <p:ph type="sldNum" sz="quarter" idx="12"/>
+          </p:nvPr>
+        </p:nvSpPr>
+        <p:spPr/>
+        <p:txBody>
+          <a:bodyPr/>
+          <a:lstStyle/>
+          <a:p>
+            <a:fld id="{5B27CDC1-117D-4425-A72F-8A90F6D88CD2}" type="slidenum">
+              <a:rPr lang="es-CR" smtClean="0"/>
+              <a:t>3</a:t>
+            </a:fld>
+            <a:endParaRPr lang="es-CR" dirty="0"/>
+          </a:p>
+        </p:txBody>
+      </p:sp>
+      <p:sp>
+        <p:nvSpPr>
+          <p:cNvPr id="5" name="Marcador de contenido 4"/>
+          <p:cNvSpPr>
+            <a:spLocks noGrp="1"/>
+          </p:cNvSpPr>
+          <p:nvPr>
+            <p:ph idx="1"/>
+          </p:nvPr>
+        </p:nvSpPr>
+        <p:spPr/>
+        <p:txBody>
+          <a:bodyPr>
+            <a:normAutofit lnSpcReduction="10000"/>
+          </a:bodyPr>
+          <a:lstStyle/>
+          <a:p>
+            <a:r>
+              <a:rPr lang="es-CR" dirty="0" smtClean="0">
+                <a:solidFill>
+                  <a:schemeClr val="tx1"/>
+                </a:solidFill>
+              </a:rPr>
+              <a:t>Objetivo: </a:t>
+            </a:r>
+            <a:r>
+              <a:rPr lang="es-CR" i="1" dirty="0" smtClean="0">
+                <a:solidFill>
+                  <a:schemeClr val="tx1"/>
+                </a:solidFill>
+              </a:rPr>
+              <a:t>“…</a:t>
+            </a:r>
+            <a:r>
+              <a:rPr lang="es-MX" i="1" dirty="0" smtClean="0">
+                <a:solidFill>
+                  <a:schemeClr val="tx1"/>
+                </a:solidFill>
+              </a:rPr>
+              <a:t>contribuir </a:t>
+            </a:r>
+            <a:r>
+              <a:rPr lang="es-MX" i="1" dirty="0">
+                <a:solidFill>
+                  <a:schemeClr val="tx1"/>
+                </a:solidFill>
+              </a:rPr>
+              <a:t>al crecimiento de la productividad mediante el apoyo </a:t>
+            </a:r>
+            <a:r>
+              <a:rPr lang="es-MX" i="1" dirty="0" smtClean="0">
+                <a:solidFill>
+                  <a:schemeClr val="tx1"/>
+                </a:solidFill>
+              </a:rPr>
+              <a:t>a las </a:t>
+            </a:r>
+            <a:r>
+              <a:rPr lang="es-MX" i="1" dirty="0">
+                <a:solidFill>
+                  <a:schemeClr val="tx1"/>
+                </a:solidFill>
+              </a:rPr>
+              <a:t>actividades de innovación del </a:t>
+            </a:r>
+            <a:r>
+              <a:rPr lang="es-MX" i="1" dirty="0" smtClean="0">
+                <a:solidFill>
+                  <a:schemeClr val="tx1"/>
+                </a:solidFill>
+              </a:rPr>
+              <a:t>sector productivo…”</a:t>
+            </a:r>
+          </a:p>
+          <a:p>
+            <a:r>
+              <a:rPr lang="es-MX" dirty="0" smtClean="0">
+                <a:solidFill>
+                  <a:schemeClr val="tx1"/>
+                </a:solidFill>
+              </a:rPr>
+              <a:t>Requisitos:</a:t>
+            </a:r>
+          </a:p>
+          <a:p>
+            <a:pPr lvl="1"/>
+            <a:r>
+              <a:rPr lang="es-MX" b="1" dirty="0" smtClean="0">
+                <a:solidFill>
+                  <a:schemeClr val="tx1"/>
+                </a:solidFill>
+              </a:rPr>
+              <a:t>Tener</a:t>
+            </a:r>
+            <a:r>
+              <a:rPr lang="es-MX" b="1" dirty="0" smtClean="0">
+                <a:solidFill>
+                  <a:schemeClr val="tx1"/>
+                </a:solidFill>
+              </a:rPr>
+              <a:t> </a:t>
+            </a:r>
+            <a:r>
+              <a:rPr lang="es-MX" b="1" dirty="0" smtClean="0">
+                <a:solidFill>
+                  <a:schemeClr val="tx1"/>
+                </a:solidFill>
+              </a:rPr>
+              <a:t>alianza con algún centro de desarrollo tecnológico.</a:t>
+            </a:r>
+          </a:p>
+          <a:p>
+            <a:pPr lvl="1"/>
+            <a:r>
+              <a:rPr lang="es-MX" dirty="0" smtClean="0">
+                <a:solidFill>
+                  <a:schemeClr val="tx1"/>
+                </a:solidFill>
+              </a:rPr>
+              <a:t>Ser </a:t>
+            </a:r>
+            <a:r>
+              <a:rPr lang="es-MX" dirty="0" smtClean="0">
+                <a:solidFill>
+                  <a:schemeClr val="tx1"/>
+                </a:solidFill>
+              </a:rPr>
+              <a:t>Pyme </a:t>
+            </a:r>
+            <a:r>
+              <a:rPr lang="es-MX" dirty="0" smtClean="0">
+                <a:solidFill>
+                  <a:schemeClr val="tx1"/>
+                </a:solidFill>
+              </a:rPr>
+              <a:t>inscrita ante el MEIC.</a:t>
+            </a:r>
+          </a:p>
+          <a:p>
+            <a:pPr lvl="1"/>
+            <a:r>
+              <a:rPr lang="es-CR" dirty="0" smtClean="0">
+                <a:solidFill>
+                  <a:schemeClr val="tx1"/>
+                </a:solidFill>
+              </a:rPr>
+              <a:t>Estar al día </a:t>
+            </a:r>
+            <a:r>
+              <a:rPr lang="es-CR" dirty="0" smtClean="0">
+                <a:solidFill>
+                  <a:schemeClr val="tx1"/>
+                </a:solidFill>
+              </a:rPr>
+              <a:t>con responsabilidades tributarias.</a:t>
+            </a:r>
+            <a:endParaRPr lang="es-CR" dirty="0" smtClean="0">
+              <a:solidFill>
+                <a:schemeClr val="tx1"/>
+              </a:solidFill>
+            </a:endParaRPr>
+          </a:p>
+          <a:p>
+            <a:pPr lvl="1"/>
+            <a:r>
+              <a:rPr lang="es-CR" dirty="0" smtClean="0">
+                <a:solidFill>
+                  <a:schemeClr val="tx1"/>
+                </a:solidFill>
+              </a:rPr>
+              <a:t>Presentar certificación de propiedad y naturaleza de acciones.</a:t>
+            </a:r>
+          </a:p>
+          <a:p>
+            <a:r>
+              <a:rPr lang="es-CR" dirty="0" smtClean="0">
+                <a:solidFill>
+                  <a:schemeClr val="tx1"/>
+                </a:solidFill>
+              </a:rPr>
+              <a:t>Beneficios:</a:t>
+            </a:r>
+          </a:p>
+          <a:p>
+            <a:pPr lvl="1"/>
+            <a:r>
+              <a:rPr lang="es-CR" dirty="0" smtClean="0">
+                <a:solidFill>
+                  <a:schemeClr val="tx1"/>
+                </a:solidFill>
+              </a:rPr>
+              <a:t>Dinero no reembolsable.</a:t>
+            </a:r>
+          </a:p>
+          <a:p>
+            <a:pPr lvl="1"/>
+            <a:r>
+              <a:rPr lang="es-CR" dirty="0" smtClean="0">
+                <a:solidFill>
+                  <a:schemeClr val="tx1"/>
+                </a:solidFill>
+              </a:rPr>
+              <a:t>Financiamiento hasta </a:t>
+            </a:r>
+            <a:r>
+              <a:rPr lang="es-CR" dirty="0" smtClean="0">
+                <a:solidFill>
+                  <a:schemeClr val="tx1"/>
+                </a:solidFill>
+              </a:rPr>
+              <a:t>el </a:t>
+            </a:r>
+            <a:r>
+              <a:rPr lang="es-CR" dirty="0" smtClean="0">
+                <a:solidFill>
+                  <a:schemeClr val="tx1"/>
+                </a:solidFill>
+              </a:rPr>
+              <a:t>80% </a:t>
+            </a:r>
+            <a:r>
+              <a:rPr lang="es-CR" dirty="0" smtClean="0">
+                <a:solidFill>
+                  <a:schemeClr val="tx1"/>
+                </a:solidFill>
+              </a:rPr>
+              <a:t>del costo del proyecto.</a:t>
+            </a:r>
+            <a:endParaRPr lang="es-CR" dirty="0" smtClean="0">
+              <a:solidFill>
+                <a:schemeClr val="tx1"/>
+              </a:solidFill>
+            </a:endParaRPr>
+          </a:p>
+          <a:p>
+            <a:pPr lvl="1"/>
+            <a:r>
+              <a:rPr lang="es-CR" dirty="0" smtClean="0">
+                <a:solidFill>
+                  <a:schemeClr val="tx1"/>
+                </a:solidFill>
+              </a:rPr>
+              <a:t>Monto es fijado de acuerdo a cada caso.</a:t>
+            </a:r>
+          </a:p>
+          <a:p>
+            <a:pPr lvl="1"/>
+            <a:r>
+              <a:rPr lang="es-CR" dirty="0" smtClean="0">
+                <a:solidFill>
+                  <a:schemeClr val="tx1"/>
+                </a:solidFill>
+              </a:rPr>
+              <a:t>Duración máxima del proyecto </a:t>
+            </a:r>
+            <a:r>
+              <a:rPr lang="es-CR" dirty="0" smtClean="0">
+                <a:solidFill>
+                  <a:schemeClr val="tx1"/>
+                </a:solidFill>
+              </a:rPr>
+              <a:t>es de 24 </a:t>
+            </a:r>
+            <a:r>
+              <a:rPr lang="es-CR" dirty="0" smtClean="0">
+                <a:solidFill>
+                  <a:schemeClr val="tx1"/>
+                </a:solidFill>
+              </a:rPr>
+              <a:t>meses.</a:t>
+            </a:r>
+            <a:endParaRPr lang="es-CR" dirty="0">
+              <a:solidFill>
+                <a:schemeClr val="tx1"/>
+              </a:solidFill>
+            </a:endParaRPr>
+          </a:p>
+        </p:txBody>
+      </p:sp>
+      <p:pic>
+        <p:nvPicPr>
+          <p:cNvPr id="4" name="Imagen 3"/>
+          <p:cNvPicPr>
+            <a:picLocks noChangeAspect="1"/>
+          </p:cNvPicPr>
+          <p:nvPr/>
+        </p:nvPicPr>
+        <p:blipFill>
+          <a:blip r:embed="rId3"/>
+          <a:stretch>
+            <a:fillRect/>
+          </a:stretch>
+        </p:blipFill>
+        <p:spPr>
+          <a:xfrm>
+            <a:off x="7938058" y="4583724"/>
+            <a:ext cx="3190455" cy="1512276"/>
+          </a:xfrm>
+          <a:prstGeom prst="rect">
+            <a:avLst/>
+          </a:prstGeom>
+        </p:spPr>
+      </p:pic>
+    </p:spTree>
+    <p:extLst>
+      <p:ext uri="{BB962C8B-B14F-4D97-AF65-F5344CB8AC3E}">
+        <p14:creationId xmlns:p14="http://schemas.microsoft.com/office/powerpoint/2010/main" val="1955254730"/>
+      </p:ext>
+    </p:extLst>
+  </p:cSld>
+  <p:clrMapOvr>
+    <a:masterClrMapping/>
+  </p:clrMapOvr>
+  <p:timing>
+    <p:tnLst>
+      <p:par>
+        <p:cTn id="1" dur="indefinite" restart="never" nodeType="tmRoot"/>
+      </p:par>
+    </p:tnLst>
+  </p:timing>
+</p:sld>
+</file>
+
+<file path=ppt/slides/slide4.xml><?xml version="1.0" encoding="utf-8"?>
+<p:sld xmlns:a="http://schemas.openxmlformats.org/drawingml/2006/main" xmlns:r="http://schemas.openxmlformats.org/officeDocument/2006/relationships" xmlns:p="http://schemas.openxmlformats.org/presentationml/2006/main">
+  <p:cSld>
+    <p:spTree>
+      <p:nvGrpSpPr>
+        <p:cNvPr id="1" name=""/>
+        <p:cNvGrpSpPr/>
+        <p:nvPr/>
+      </p:nvGrpSpPr>
+      <p:grpSpPr>
+        <a:xfrm>
+          <a:off x="0" y="0"/>
+          <a:ext cx="0" cy="0"/>
+          <a:chOff x="0" y="0"/>
+          <a:chExt cx="0" cy="0"/>
+        </a:xfrm>
+      </p:grpSpPr>
+      <p:sp>
+        <p:nvSpPr>
+          <p:cNvPr id="2" name="Título 1"/>
+          <p:cNvSpPr>
+            <a:spLocks noGrp="1"/>
+          </p:cNvSpPr>
+          <p:nvPr>
+            <p:ph type="title"/>
+          </p:nvPr>
+        </p:nvSpPr>
+        <p:spPr/>
+        <p:txBody>
+          <a:bodyPr/>
+          <a:lstStyle/>
+          <a:p>
+            <a:r>
+              <a:rPr lang="es-CR" dirty="0" smtClean="0">
+                <a:solidFill>
+                  <a:schemeClr val="tx1"/>
+                </a:solidFill>
+              </a:rPr>
+              <a:t>Programa PITS del MICITT</a:t>
+            </a:r>
+            <a:endParaRPr lang="es-CR" dirty="0">
+              <a:solidFill>
+                <a:schemeClr val="tx1"/>
+              </a:solidFill>
+            </a:endParaRPr>
+          </a:p>
+        </p:txBody>
+      </p:sp>
+      <p:sp>
+        <p:nvSpPr>
+          <p:cNvPr id="3" name="Marcador de número de diapositiva 2"/>
+          <p:cNvSpPr>
+            <a:spLocks noGrp="1"/>
+          </p:cNvSpPr>
+          <p:nvPr>
+            <p:ph type="sldNum" sz="quarter" idx="12"/>
+          </p:nvPr>
+        </p:nvSpPr>
+        <p:spPr/>
+        <p:txBody>
+          <a:bodyPr/>
+          <a:lstStyle/>
+          <a:p>
+            <a:fld id="{5B27CDC1-117D-4425-A72F-8A90F6D88CD2}" type="slidenum">
+              <a:rPr lang="es-CR" smtClean="0"/>
+              <a:t>4</a:t>
+            </a:fld>
+            <a:endParaRPr lang="es-CR" dirty="0"/>
+          </a:p>
+        </p:txBody>
+      </p:sp>
+      <p:sp>
+        <p:nvSpPr>
+          <p:cNvPr id="5" name="Marcador de contenido 4"/>
+          <p:cNvSpPr>
+            <a:spLocks noGrp="1"/>
+          </p:cNvSpPr>
+          <p:nvPr>
+            <p:ph idx="1"/>
+          </p:nvPr>
+        </p:nvSpPr>
+        <p:spPr/>
+        <p:txBody>
+          <a:bodyPr>
+            <a:normAutofit/>
+          </a:bodyPr>
+          <a:lstStyle/>
+          <a:p>
+            <a:r>
+              <a:rPr lang="es-MX" dirty="0" smtClean="0">
+                <a:solidFill>
+                  <a:schemeClr val="tx1"/>
+                </a:solidFill>
+              </a:rPr>
+              <a:t>Iniciativa del </a:t>
+            </a:r>
+            <a:r>
+              <a:rPr lang="es-MX" dirty="0" smtClean="0">
+                <a:solidFill>
+                  <a:schemeClr val="tx1"/>
+                </a:solidFill>
+              </a:rPr>
+              <a:t>MICITT </a:t>
+            </a:r>
+            <a:r>
+              <a:rPr lang="es-MX" dirty="0" smtClean="0">
+                <a:solidFill>
+                  <a:schemeClr val="tx1"/>
+                </a:solidFill>
+              </a:rPr>
+              <a:t>ejecutado por </a:t>
+            </a:r>
+            <a:r>
+              <a:rPr lang="es-MX" dirty="0" smtClean="0">
+                <a:solidFill>
+                  <a:schemeClr val="tx1"/>
+                </a:solidFill>
+              </a:rPr>
+              <a:t>la UCR</a:t>
+            </a:r>
+          </a:p>
+          <a:p>
+            <a:r>
+              <a:rPr lang="es-MX" dirty="0" smtClean="0">
+                <a:solidFill>
+                  <a:schemeClr val="tx1"/>
+                </a:solidFill>
+              </a:rPr>
+              <a:t>Fomento de proyectos y empresas tecnológicas en diferentes sectores</a:t>
+            </a:r>
+            <a:endParaRPr lang="es-MX" dirty="0" smtClean="0">
+              <a:solidFill>
+                <a:schemeClr val="tx1"/>
+              </a:solidFill>
+            </a:endParaRPr>
+          </a:p>
+          <a:p>
+            <a:r>
+              <a:rPr lang="es-CR" dirty="0" smtClean="0">
+                <a:solidFill>
+                  <a:schemeClr val="tx1"/>
+                </a:solidFill>
+              </a:rPr>
+              <a:t>Para participar:</a:t>
+            </a:r>
+          </a:p>
+          <a:p>
+            <a:pPr lvl="1"/>
+            <a:r>
+              <a:rPr lang="es-CR" dirty="0" smtClean="0">
+                <a:solidFill>
+                  <a:schemeClr val="tx1"/>
+                </a:solidFill>
+              </a:rPr>
+              <a:t>Ser investigador, diseñador, desarrollador de tecnología o emprendedor.</a:t>
+            </a:r>
+          </a:p>
+          <a:p>
+            <a:pPr lvl="1"/>
+            <a:r>
+              <a:rPr lang="es-CR" dirty="0" smtClean="0">
+                <a:solidFill>
+                  <a:schemeClr val="tx1"/>
+                </a:solidFill>
+              </a:rPr>
+              <a:t>Postularse para el taller de capacitación y </a:t>
+            </a:r>
+            <a:r>
+              <a:rPr lang="es-CR" i="1" dirty="0" smtClean="0">
+                <a:solidFill>
+                  <a:schemeClr val="tx1"/>
+                </a:solidFill>
+              </a:rPr>
+              <a:t>networking</a:t>
+            </a:r>
+            <a:r>
+              <a:rPr lang="es-CR" i="1" dirty="0" smtClean="0">
+                <a:solidFill>
+                  <a:schemeClr val="tx1"/>
+                </a:solidFill>
+              </a:rPr>
+              <a:t> </a:t>
+            </a:r>
+            <a:r>
+              <a:rPr lang="es-CR" dirty="0" smtClean="0">
+                <a:solidFill>
+                  <a:schemeClr val="tx1"/>
+                </a:solidFill>
+              </a:rPr>
+              <a:t>(Finales de Junio).</a:t>
+            </a:r>
+          </a:p>
+          <a:p>
+            <a:pPr lvl="1"/>
+            <a:r>
+              <a:rPr lang="es-CR" dirty="0" smtClean="0">
+                <a:solidFill>
+                  <a:schemeClr val="tx1"/>
+                </a:solidFill>
+              </a:rPr>
+              <a:t> Participar en sesiones “</a:t>
+            </a:r>
+            <a:r>
+              <a:rPr lang="es-CR" i="1" dirty="0" smtClean="0">
+                <a:solidFill>
+                  <a:schemeClr val="tx1"/>
+                </a:solidFill>
+              </a:rPr>
+              <a:t>Sprint</a:t>
+            </a:r>
+            <a:r>
+              <a:rPr lang="es-CR" dirty="0" smtClean="0">
+                <a:solidFill>
+                  <a:schemeClr val="tx1"/>
+                </a:solidFill>
+              </a:rPr>
+              <a:t>” para optar por recursos de MICITT y SBD. (Mes de Agosto)</a:t>
+            </a:r>
+            <a:endParaRPr lang="es-CR" dirty="0" smtClean="0">
+              <a:solidFill>
+                <a:schemeClr val="tx1"/>
+              </a:solidFill>
+            </a:endParaRPr>
+          </a:p>
+        </p:txBody>
+      </p:sp>
+      <p:pic>
+        <p:nvPicPr>
+          <p:cNvPr id="6" name="Imagen 5"/>
+          <p:cNvPicPr>
+            <a:picLocks noChangeAspect="1"/>
+          </p:cNvPicPr>
+          <p:nvPr/>
+        </p:nvPicPr>
+        <p:blipFill>
+          <a:blip r:embed="rId3"/>
+          <a:stretch>
+            <a:fillRect/>
+          </a:stretch>
+        </p:blipFill>
+        <p:spPr>
+          <a:xfrm>
+            <a:off x="7380115" y="4572000"/>
+            <a:ext cx="3635756" cy="1651828"/>
+          </a:xfrm>
+          <a:prstGeom prst="rect">
+            <a:avLst/>
+          </a:prstGeom>
+        </p:spPr>
+      </p:pic>
+    </p:spTree>
+    <p:extLst>
+      <p:ext uri="{BB962C8B-B14F-4D97-AF65-F5344CB8AC3E}">
+        <p14:creationId xmlns:p14="http://schemas.microsoft.com/office/powerpoint/2010/main" val="2044553877"/>
+      </p:ext>
+    </p:extLst>
+  </p:cSld>
+  <p:clrMapOvr>
+    <a:masterClrMapping/>
+  </p:clrMapOvr>
+  <p:timing>
+    <p:tnLst>
+      <p:par>
+        <p:cTn id="1" dur="indefinite" restart="never" nodeType="tmRoot"/>
+      </p:par>
+    </p:tnLst>
+  </p:timing>
+</p:sld>
+</file>
+
+<file path=ppt/slides/slide5.xml><?xml version="1.0" encoding="utf-8"?>
+<p:sld xmlns:a="http://schemas.openxmlformats.org/drawingml/2006/main" xmlns:r="http://schemas.openxmlformats.org/officeDocument/2006/relationships" xmlns:p="http://schemas.openxmlformats.org/presentationml/2006/main">
+  <p:cSld>
+    <p:spTree>
+      <p:nvGrpSpPr>
+        <p:cNvPr id="1" name=""/>
+        <p:cNvGrpSpPr/>
+        <p:nvPr/>
+      </p:nvGrpSpPr>
+      <p:grpSpPr>
+        <a:xfrm>
+          <a:off x="0" y="0"/>
+          <a:ext cx="0" cy="0"/>
+          <a:chOff x="0" y="0"/>
+          <a:chExt cx="0" cy="0"/>
+        </a:xfrm>
+      </p:grpSpPr>
+      <p:sp>
+        <p:nvSpPr>
+          <p:cNvPr id="2" name="Título 1"/>
+          <p:cNvSpPr>
+            <a:spLocks noGrp="1"/>
+          </p:cNvSpPr>
+          <p:nvPr>
+            <p:ph type="title"/>
+          </p:nvPr>
+        </p:nvSpPr>
+        <p:spPr/>
+        <p:txBody>
+          <a:bodyPr/>
+          <a:lstStyle/>
+          <a:p>
+            <a:r>
+              <a:rPr lang="es-CR" dirty="0" smtClean="0">
+                <a:solidFill>
+                  <a:schemeClr val="tx1"/>
+                </a:solidFill>
+              </a:rPr>
+              <a:t>Propuestas de solución para dispositivo medidor</a:t>
+            </a:r>
+            <a:endParaRPr lang="es-CR" dirty="0">
+              <a:solidFill>
+                <a:schemeClr val="tx1"/>
+              </a:solidFill>
+            </a:endParaRPr>
+          </a:p>
+        </p:txBody>
+      </p:sp>
+      <p:sp>
+        <p:nvSpPr>
+          <p:cNvPr id="4" name="Marcador de número de diapositiva 3"/>
+          <p:cNvSpPr>
+            <a:spLocks noGrp="1"/>
+          </p:cNvSpPr>
+          <p:nvPr>
+            <p:ph type="sldNum" sz="quarter" idx="12"/>
+          </p:nvPr>
+        </p:nvSpPr>
+        <p:spPr/>
+        <p:txBody>
+          <a:bodyPr/>
+          <a:lstStyle/>
+          <a:p>
+            <a:fld id="{5B27CDC1-117D-4425-A72F-8A90F6D88CD2}" type="slidenum">
+              <a:rPr lang="es-CR" smtClean="0"/>
+              <a:t>5</a:t>
+            </a:fld>
+            <a:endParaRPr lang="es-CR" dirty="0"/>
+          </a:p>
+        </p:txBody>
+      </p:sp>
+      <p:sp>
+        <p:nvSpPr>
+          <p:cNvPr id="3" name="Marcador de contenido 2"/>
+          <p:cNvSpPr>
+            <a:spLocks noGrp="1"/>
+          </p:cNvSpPr>
+          <p:nvPr>
+            <p:ph idx="1"/>
+          </p:nvPr>
+        </p:nvSpPr>
+        <p:spPr>
+          <a:xfrm>
+            <a:off x="1162876" y="2075594"/>
+            <a:ext cx="9872871" cy="4038600"/>
+          </a:xfrm>
+        </p:spPr>
+        <p:txBody>
+          <a:bodyPr/>
+          <a:lstStyle/>
+          <a:p>
+            <a:pPr lvl="1"/>
+            <a:r>
+              <a:rPr lang="es-CR" sz="2200" dirty="0">
+                <a:solidFill>
+                  <a:schemeClr val="tx1"/>
+                </a:solidFill>
+              </a:rPr>
+              <a:t>Descripción de la propuesta.</a:t>
+            </a:r>
+          </a:p>
+          <a:p>
+            <a:pPr lvl="1"/>
+            <a:r>
+              <a:rPr lang="es-CR" sz="2200" dirty="0" smtClean="0">
+                <a:solidFill>
+                  <a:schemeClr val="tx1"/>
+                </a:solidFill>
+              </a:rPr>
+              <a:t>Descripción del proceso.</a:t>
+            </a:r>
+            <a:endParaRPr lang="es-CR" sz="2200" dirty="0">
+              <a:solidFill>
+                <a:schemeClr val="tx1"/>
+              </a:solidFill>
+            </a:endParaRPr>
+          </a:p>
+          <a:p>
+            <a:pPr lvl="1"/>
+            <a:r>
+              <a:rPr lang="es-CR" sz="2200" dirty="0">
+                <a:solidFill>
+                  <a:schemeClr val="tx1"/>
+                </a:solidFill>
+              </a:rPr>
+              <a:t>Puntos clave.</a:t>
+            </a:r>
+            <a:endParaRPr lang="es-CR" sz="2200" dirty="0">
+              <a:solidFill>
+                <a:schemeClr val="tx1"/>
+              </a:solidFill>
+            </a:endParaRPr>
+          </a:p>
+          <a:p>
+            <a:pPr lvl="1"/>
+            <a:r>
+              <a:rPr lang="es-CR" sz="2200" dirty="0" smtClean="0">
+                <a:solidFill>
+                  <a:schemeClr val="tx1"/>
+                </a:solidFill>
+              </a:rPr>
+              <a:t>Puntos a favor a favor y en contra</a:t>
+            </a:r>
+            <a:r>
+              <a:rPr lang="es-CR" sz="2200" dirty="0">
+                <a:solidFill>
+                  <a:schemeClr val="tx1"/>
+                </a:solidFill>
+              </a:rPr>
+              <a:t>.</a:t>
+            </a:r>
+          </a:p>
+          <a:p>
+            <a:pPr marL="274320" lvl="1" indent="0">
+              <a:buNone/>
+            </a:pPr>
+            <a:endParaRPr lang="es-CR" dirty="0"/>
+          </a:p>
+        </p:txBody>
+      </p:sp>
+    </p:spTree>
+    <p:extLst>
+      <p:ext uri="{BB962C8B-B14F-4D97-AF65-F5344CB8AC3E}">
+        <p14:creationId xmlns:p14="http://schemas.microsoft.com/office/powerpoint/2010/main" val="2705448991"/>
+      </p:ext>
+    </p:extLst>
+  </p:cSld>
+  <p:clrMapOvr>
+    <a:masterClrMapping/>
+  </p:clrMapOvr>
+  <p:timing>
+    <p:tnLst>
+      <p:par>
+        <p:cTn id="1" dur="indefinite" restart="never" nodeType="tmRoot"/>
+      </p:par>
+    </p:tnLst>
+  </p:timing>
+</p:sld>
+</file>
+
+<file path=ppt/slides/slide6.xml><?xml version="1.0" encoding="utf-8"?>
+<p:sld xmlns:a="http://schemas.openxmlformats.org/drawingml/2006/main" xmlns:r="http://schemas.openxmlformats.org/officeDocument/2006/relationships" xmlns:p="http://schemas.openxmlformats.org/presentationml/2006/main">
+  <p:cSld>
+    <p:spTree>
+      <p:nvGrpSpPr>
+        <p:cNvPr id="1" name=""/>
+        <p:cNvGrpSpPr/>
+        <p:nvPr/>
+      </p:nvGrpSpPr>
+      <p:grpSpPr>
+        <a:xfrm>
+          <a:off x="0" y="0"/>
+          <a:ext cx="0" cy="0"/>
+          <a:chOff x="0" y="0"/>
+          <a:chExt cx="0" cy="0"/>
+        </a:xfrm>
+      </p:grpSpPr>
+      <p:sp>
+        <p:nvSpPr>
+          <p:cNvPr id="2" name="Título 1"/>
+          <p:cNvSpPr>
+            <a:spLocks noGrp="1"/>
+          </p:cNvSpPr>
+          <p:nvPr>
+            <p:ph type="title"/>
+          </p:nvPr>
+        </p:nvSpPr>
+        <p:spPr/>
+        <p:txBody>
+          <a:bodyPr/>
+          <a:lstStyle/>
+          <a:p>
+            <a:r>
+              <a:rPr lang="es-CR" dirty="0" smtClean="0">
+                <a:solidFill>
+                  <a:schemeClr val="tx1"/>
+                </a:solidFill>
+              </a:rPr>
+              <a:t>Propuesta 1</a:t>
+            </a:r>
+            <a:endParaRPr lang="es-CR" dirty="0">
+              <a:solidFill>
+                <a:schemeClr val="tx1"/>
+              </a:solidFill>
+            </a:endParaRPr>
+          </a:p>
+        </p:txBody>
+      </p:sp>
+      <p:sp>
+        <p:nvSpPr>
+          <p:cNvPr id="3" name="Marcador de número de diapositiva 2"/>
+          <p:cNvSpPr>
+            <a:spLocks noGrp="1"/>
+          </p:cNvSpPr>
+          <p:nvPr>
+            <p:ph type="sldNum" sz="quarter" idx="12"/>
+          </p:nvPr>
+        </p:nvSpPr>
+        <p:spPr/>
+        <p:txBody>
+          <a:bodyPr/>
+          <a:lstStyle/>
+          <a:p>
+            <a:fld id="{5B27CDC1-117D-4425-A72F-8A90F6D88CD2}" type="slidenum">
+              <a:rPr lang="es-CR" smtClean="0"/>
+              <a:t>6</a:t>
+            </a:fld>
+            <a:endParaRPr lang="es-CR" dirty="0"/>
+          </a:p>
+        </p:txBody>
+      </p:sp>
+      <p:sp>
+        <p:nvSpPr>
+          <p:cNvPr id="5" name="Marcador de contenido 4"/>
+          <p:cNvSpPr>
+            <a:spLocks noGrp="1"/>
+          </p:cNvSpPr>
+          <p:nvPr>
+            <p:ph idx="1"/>
+          </p:nvPr>
+        </p:nvSpPr>
+        <p:spPr>
+          <a:xfrm>
+            <a:off x="1143001" y="2057400"/>
+            <a:ext cx="4765010" cy="4038600"/>
+          </a:xfrm>
+        </p:spPr>
+        <p:txBody>
+          <a:bodyPr>
+            <a:normAutofit lnSpcReduction="10000"/>
+          </a:bodyPr>
+          <a:lstStyle/>
+          <a:p>
+            <a:r>
+              <a:rPr lang="es-CR" sz="2000" dirty="0" smtClean="0">
+                <a:solidFill>
+                  <a:schemeClr val="tx1"/>
+                </a:solidFill>
+              </a:rPr>
+              <a:t>Los alimentos se almacenan en tolvas separadas, </a:t>
+            </a:r>
+            <a:r>
+              <a:rPr lang="es-CR" sz="2000" dirty="0" smtClean="0">
+                <a:solidFill>
+                  <a:schemeClr val="tx1"/>
+                </a:solidFill>
+              </a:rPr>
+              <a:t>la del </a:t>
+            </a:r>
+            <a:r>
+              <a:rPr lang="es-CR" sz="2000" dirty="0" smtClean="0">
+                <a:solidFill>
+                  <a:schemeClr val="tx1"/>
+                </a:solidFill>
+              </a:rPr>
+              <a:t>concentrado y adicional </a:t>
+            </a:r>
+            <a:r>
+              <a:rPr lang="es-CR" sz="2000" dirty="0" smtClean="0">
+                <a:solidFill>
+                  <a:schemeClr val="tx1"/>
+                </a:solidFill>
+              </a:rPr>
+              <a:t>podrían tener una </a:t>
+            </a:r>
+            <a:r>
+              <a:rPr lang="es-CR" sz="2000" dirty="0" smtClean="0">
+                <a:solidFill>
+                  <a:schemeClr val="tx1"/>
+                </a:solidFill>
+              </a:rPr>
+              <a:t>pared divisoria.</a:t>
+            </a:r>
+          </a:p>
+          <a:p>
+            <a:r>
+              <a:rPr lang="es-CR" sz="2000" dirty="0" smtClean="0">
+                <a:solidFill>
+                  <a:schemeClr val="tx1"/>
+                </a:solidFill>
+              </a:rPr>
+              <a:t>Estos son </a:t>
+            </a:r>
+            <a:r>
+              <a:rPr lang="es-CR" sz="2000" dirty="0" smtClean="0">
+                <a:solidFill>
+                  <a:schemeClr val="tx1"/>
+                </a:solidFill>
+              </a:rPr>
+              <a:t>transportados por un TSF con ligera inclinación y </a:t>
+            </a:r>
+            <a:r>
+              <a:rPr lang="es-CR" sz="2000" dirty="0" smtClean="0">
+                <a:solidFill>
+                  <a:schemeClr val="tx1"/>
+                </a:solidFill>
+              </a:rPr>
+              <a:t>medidos en </a:t>
+            </a:r>
+            <a:r>
+              <a:rPr lang="es-CR" sz="2000" dirty="0" smtClean="0">
+                <a:solidFill>
+                  <a:schemeClr val="tx1"/>
+                </a:solidFill>
+              </a:rPr>
+              <a:t>una tolva por sumatoria.</a:t>
+            </a:r>
+          </a:p>
+          <a:p>
+            <a:r>
+              <a:rPr lang="es-CR" sz="2000" dirty="0" smtClean="0">
+                <a:solidFill>
+                  <a:schemeClr val="tx1"/>
+                </a:solidFill>
+              </a:rPr>
+              <a:t>El mineral es medido en una tolva aparte.</a:t>
+            </a:r>
+          </a:p>
+          <a:p>
+            <a:r>
+              <a:rPr lang="es-CR" sz="2000" dirty="0" smtClean="0">
+                <a:solidFill>
+                  <a:schemeClr val="tx1"/>
+                </a:solidFill>
+              </a:rPr>
+              <a:t>La levadura es dosificada por volumen accionado por un motor a pasos.</a:t>
+            </a:r>
+          </a:p>
+          <a:p>
+            <a:r>
+              <a:rPr lang="es-CR" sz="2000" dirty="0" smtClean="0">
+                <a:solidFill>
+                  <a:schemeClr val="tx1"/>
+                </a:solidFill>
+              </a:rPr>
+              <a:t>La compuerta general es abierta y cerrada por un servomotor y trancada por un solenoide.</a:t>
+            </a:r>
+          </a:p>
+          <a:p>
+            <a:endParaRPr lang="es-CR" dirty="0" smtClean="0"/>
+          </a:p>
+        </p:txBody>
+      </p:sp>
+      <p:pic>
+        <p:nvPicPr>
+          <p:cNvPr id="6" name="Imagen 5"/>
+          <p:cNvPicPr>
+            <a:picLocks noChangeAspect="1"/>
+          </p:cNvPicPr>
+          <p:nvPr/>
+        </p:nvPicPr>
+        <p:blipFill>
+          <a:blip r:embed="rId3"/>
+          <a:stretch>
+            <a:fillRect/>
+          </a:stretch>
+        </p:blipFill>
+        <p:spPr>
+          <a:xfrm>
+            <a:off x="6080760" y="609600"/>
+            <a:ext cx="2823784" cy="5902036"/>
+          </a:xfrm>
+          <a:prstGeom prst="rect">
+            <a:avLst/>
+          </a:prstGeom>
+        </p:spPr>
+      </p:pic>
+      <p:pic>
+        <p:nvPicPr>
+          <p:cNvPr id="4" name="Imagen 3"/>
+          <p:cNvPicPr>
+            <a:picLocks noChangeAspect="1"/>
+          </p:cNvPicPr>
+          <p:nvPr/>
+        </p:nvPicPr>
+        <p:blipFill>
+          <a:blip r:embed="rId4"/>
+          <a:stretch>
+            <a:fillRect/>
+          </a:stretch>
+        </p:blipFill>
+        <p:spPr>
+          <a:xfrm>
+            <a:off x="9077293" y="806335"/>
+            <a:ext cx="2750618" cy="5033183"/>
+          </a:xfrm>
+          <a:prstGeom prst="rect">
+            <a:avLst/>
+          </a:prstGeom>
+        </p:spPr>
+      </p:pic>
+    </p:spTree>
+    <p:extLst>
+      <p:ext uri="{BB962C8B-B14F-4D97-AF65-F5344CB8AC3E}">
+        <p14:creationId xmlns:p14="http://schemas.microsoft.com/office/powerpoint/2010/main" val="480160282"/>
+      </p:ext>
+    </p:extLst>
+  </p:cSld>
+  <p:clrMapOvr>
+    <a:masterClrMapping/>
+  </p:clrMapOvr>
+  <p:timing>
+    <p:tnLst>
+      <p:par>
+        <p:cTn id="1" dur="indefinite" restart="never" nodeType="tmRoot"/>
+      </p:par>
+    </p:tnLst>
+  </p:timing>
+</p:sld>
+</file>
+
+<file path=ppt/slides/slide7.xml><?xml version="1.0" encoding="utf-8"?>
+<p:sld xmlns:a="http://schemas.openxmlformats.org/drawingml/2006/main" xmlns:r="http://schemas.openxmlformats.org/officeDocument/2006/relationships" xmlns:p="http://schemas.openxmlformats.org/presentationml/2006/main">
+  <p:cSld>
+    <p:spTree>
+      <p:nvGrpSpPr>
+        <p:cNvPr id="1" name=""/>
+        <p:cNvGrpSpPr/>
+        <p:nvPr/>
+      </p:nvGrpSpPr>
+      <p:grpSpPr>
+        <a:xfrm>
+          <a:off x="0" y="0"/>
+          <a:ext cx="0" cy="0"/>
+          <a:chOff x="0" y="0"/>
+          <a:chExt cx="0" cy="0"/>
+        </a:xfrm>
+      </p:grpSpPr>
+      <p:sp>
+        <p:nvSpPr>
+          <p:cNvPr id="2" name="Título 1"/>
+          <p:cNvSpPr>
+            <a:spLocks noGrp="1"/>
+          </p:cNvSpPr>
+          <p:nvPr>
+            <p:ph type="title"/>
+          </p:nvPr>
+        </p:nvSpPr>
+        <p:spPr>
+          <a:xfrm>
+            <a:off x="880243" y="719234"/>
+            <a:ext cx="9875520" cy="1356360"/>
+          </a:xfrm>
+        </p:spPr>
+        <p:txBody>
+          <a:bodyPr/>
+          <a:lstStyle/>
+          <a:p>
+            <a:r>
+              <a:rPr lang="es-CR" dirty="0" smtClean="0">
+                <a:solidFill>
+                  <a:schemeClr val="tx1"/>
+                </a:solidFill>
+              </a:rPr>
+              <a:t>Descripción del proceso</a:t>
+            </a:r>
+            <a:endParaRPr lang="es-CR" dirty="0"/>
+          </a:p>
+        </p:txBody>
+      </p:sp>
+      <p:sp>
+        <p:nvSpPr>
+          <p:cNvPr id="7" name="Marcador de número de diapositiva 6"/>
+          <p:cNvSpPr>
+            <a:spLocks noGrp="1"/>
+          </p:cNvSpPr>
+          <p:nvPr>
+            <p:ph type="sldNum" sz="quarter" idx="12"/>
+          </p:nvPr>
+        </p:nvSpPr>
+        <p:spPr/>
+        <p:txBody>
+          <a:bodyPr/>
+          <a:lstStyle/>
+          <a:p>
+            <a:fld id="{5B27CDC1-117D-4425-A72F-8A90F6D88CD2}" type="slidenum">
+              <a:rPr lang="es-CR" smtClean="0"/>
+              <a:t>7</a:t>
+            </a:fld>
+            <a:endParaRPr lang="es-CR" dirty="0"/>
+          </a:p>
+        </p:txBody>
+      </p:sp>
+      <p:sp>
+        <p:nvSpPr>
+          <p:cNvPr id="8" name="Marcador de contenido 2"/>
+          <p:cNvSpPr>
+            <a:spLocks noGrp="1"/>
+          </p:cNvSpPr>
+          <p:nvPr>
+            <p:ph idx="1"/>
+          </p:nvPr>
+        </p:nvSpPr>
+        <p:spPr>
+          <a:xfrm>
+            <a:off x="880243" y="2075594"/>
+            <a:ext cx="4656033" cy="4038600"/>
+          </a:xfrm>
+        </p:spPr>
+        <p:txBody>
+          <a:bodyPr/>
+          <a:lstStyle/>
+          <a:p>
+            <a:pPr lvl="1"/>
+            <a:r>
+              <a:rPr lang="es-CR" dirty="0">
+                <a:solidFill>
+                  <a:schemeClr val="tx1"/>
+                </a:solidFill>
+              </a:rPr>
+              <a:t>L</a:t>
+            </a:r>
+            <a:r>
+              <a:rPr lang="es-CR" dirty="0" smtClean="0">
+                <a:solidFill>
+                  <a:schemeClr val="tx1"/>
+                </a:solidFill>
+              </a:rPr>
+              <a:t>levar el sistema a la posición de inicio. </a:t>
+            </a:r>
+            <a:endParaRPr lang="es-CR" dirty="0">
+              <a:solidFill>
+                <a:schemeClr val="tx1"/>
+              </a:solidFill>
+            </a:endParaRPr>
+          </a:p>
+          <a:p>
+            <a:pPr lvl="1"/>
+            <a:r>
+              <a:rPr lang="es-CR" dirty="0" smtClean="0">
+                <a:solidFill>
+                  <a:schemeClr val="tx1"/>
+                </a:solidFill>
+              </a:rPr>
+              <a:t>Comenzar a dosificar el concentrado </a:t>
+            </a:r>
+            <a:r>
+              <a:rPr lang="es-CR" dirty="0" smtClean="0">
+                <a:solidFill>
+                  <a:schemeClr val="tx1"/>
+                </a:solidFill>
+              </a:rPr>
+              <a:t>con el TSF.</a:t>
+            </a:r>
+            <a:endParaRPr lang="es-CR" dirty="0" smtClean="0">
+              <a:solidFill>
+                <a:schemeClr val="tx1"/>
+              </a:solidFill>
+            </a:endParaRPr>
+          </a:p>
+          <a:p>
+            <a:pPr lvl="1"/>
+            <a:r>
+              <a:rPr lang="es-CR" dirty="0" smtClean="0">
+                <a:solidFill>
+                  <a:schemeClr val="tx1"/>
+                </a:solidFill>
+              </a:rPr>
+              <a:t>Tarar la tolva y se inicia con la dosificación del adicional, y el mineral.</a:t>
+            </a:r>
+          </a:p>
+          <a:p>
+            <a:pPr lvl="1"/>
+            <a:r>
+              <a:rPr lang="es-CR" dirty="0" smtClean="0">
+                <a:solidFill>
+                  <a:schemeClr val="tx1"/>
+                </a:solidFill>
+              </a:rPr>
+              <a:t>Depositar la levadura.</a:t>
+            </a:r>
+          </a:p>
+          <a:p>
+            <a:pPr lvl="1"/>
+            <a:r>
+              <a:rPr lang="es-CR" dirty="0" smtClean="0">
+                <a:solidFill>
+                  <a:schemeClr val="tx1"/>
+                </a:solidFill>
+              </a:rPr>
+              <a:t>Abrir la tolva romana.</a:t>
+            </a:r>
+          </a:p>
+          <a:p>
+            <a:pPr marL="274320" lvl="1" indent="0">
+              <a:buNone/>
+            </a:pPr>
+            <a:endParaRPr lang="es-CR" dirty="0">
+              <a:solidFill>
+                <a:schemeClr val="tx1"/>
+              </a:solidFill>
+            </a:endParaRPr>
+          </a:p>
+        </p:txBody>
+      </p:sp>
+      <p:pic>
+        <p:nvPicPr>
+          <p:cNvPr id="3" name="Imagen 2"/>
+          <p:cNvPicPr>
+            <a:picLocks noChangeAspect="1"/>
+          </p:cNvPicPr>
+          <p:nvPr/>
+        </p:nvPicPr>
+        <p:blipFill>
+          <a:blip r:embed="rId2"/>
+          <a:stretch>
+            <a:fillRect/>
+          </a:stretch>
+        </p:blipFill>
+        <p:spPr>
+          <a:xfrm>
+            <a:off x="7246598" y="587837"/>
+            <a:ext cx="2168196" cy="5526357"/>
+          </a:xfrm>
+          <a:prstGeom prst="rect">
+            <a:avLst/>
+          </a:prstGeom>
+        </p:spPr>
+      </p:pic>
+    </p:spTree>
+    <p:extLst>
+      <p:ext uri="{BB962C8B-B14F-4D97-AF65-F5344CB8AC3E}">
+        <p14:creationId xmlns:p14="http://schemas.microsoft.com/office/powerpoint/2010/main" val="2437483365"/>
       </p:ext>
     </p:extLst>
   </p:cSld>
@@ -11828,7 +15570,7 @@
                   <a:schemeClr val="tx1"/>
                 </a:solidFill>
               </a:rPr>
-              <a:t>Propuesta 2</a:t>
+              <a:t>Puntos clave</a:t>
             </a:r>
             <a:endParaRPr lang="es-CR" dirty="0">
               <a:solidFill>
@@ -11840,7 +15582,30 @@
       </p:sp>
       <p:sp>
         <p:nvSpPr>
-          <p:cNvPr id="3" name="Marcador de contenido 2"/>
+          <p:cNvPr id="3" name="Marcador de número de diapositiva 2"/>
+          <p:cNvSpPr>
+            <a:spLocks noGrp="1"/>
+          </p:cNvSpPr>
+          <p:nvPr>
+            <p:ph type="sldNum" sz="quarter" idx="12"/>
+          </p:nvPr>
+        </p:nvSpPr>
+        <p:spPr/>
+        <p:txBody>
+          <a:bodyPr/>
+          <a:lstStyle/>
+          <a:p>
+            <a:fld id="{5B27CDC1-117D-4425-A72F-8A90F6D88CD2}" type="slidenum">
+              <a:rPr lang="es-CR" smtClean="0"/>
+              <a:t>8</a:t>
+            </a:fld>
+            <a:endParaRPr lang="es-CR" dirty="0"/>
+          </a:p>
+        </p:txBody>
+      </p:sp>
+      <p:sp>
+        <p:nvSpPr>
+          <p:cNvPr id="5" name="Marcador de contenido 4"/>
           <p:cNvSpPr>
             <a:spLocks noGrp="1"/>
           </p:cNvSpPr>
@@ -11851,10 +15616,393 @@
         <p:spPr>
           <a:xfrm>
             <a:off x="1143000" y="2057400"/>
-            <a:ext cx="4908665" cy="4038600"/>
+            <a:ext cx="5798127" cy="545123"/>
           </a:xfrm>
         </p:spPr>
         <p:txBody>
+          <a:bodyPr>
+            <a:normAutofit/>
+          </a:bodyPr>
+          <a:lstStyle/>
+          <a:p>
+            <a:r>
+              <a:rPr lang="es-CR" sz="2000" dirty="0" smtClean="0">
+                <a:solidFill>
+                  <a:schemeClr val="tx1"/>
+                </a:solidFill>
+              </a:rPr>
+              <a:t>Transportador sin fin</a:t>
+            </a:r>
+          </a:p>
+          <a:p>
+            <a:pPr marL="45720" indent="0">
+              <a:buNone/>
+            </a:pPr>
+            <a:endParaRPr lang="es-CR" dirty="0" smtClean="0"/>
+          </a:p>
+        </p:txBody>
+      </p:sp>
+      <p:sp>
+        <p:nvSpPr>
+          <p:cNvPr id="7" name="Marcador de contenido 4"/>
+          <p:cNvSpPr txBox="1">
+            <a:spLocks/>
+          </p:cNvSpPr>
+          <p:nvPr/>
+        </p:nvSpPr>
+        <p:spPr>
+          <a:xfrm>
+            <a:off x="5770684" y="2057399"/>
+            <a:ext cx="5798127" cy="545123"/>
+          </a:xfrm>
+          <a:prstGeom prst="rect">
+            <a:avLst/>
+          </a:prstGeom>
+        </p:spPr>
+        <p:txBody>
+          <a:bodyPr vert="horz" lIns="91440" tIns="45720" rIns="91440" bIns="45720" rtlCol="0">
+            <a:normAutofit/>
+          </a:bodyPr>
+          <a:lstStyle>
+            <a:lvl1pPr marL="228600" indent="-182880" algn="l" defTabSz="914400" rtl="0" eaLnBrk="1" latinLnBrk="0" hangingPunct="1">
+              <a:lnSpc>
+                <a:spcPct val="90000"/>
+              </a:lnSpc>
+              <a:spcBef>
+                <a:spcPts val="1400"/>
+              </a:spcBef>
+              <a:buClr>
+                <a:schemeClr val="accent1"/>
+              </a:buClr>
+              <a:buSzPct val="80000"/>
+              <a:buFont typeface="Corbel" pitchFamily="34" charset="0"/>
+              <a:buChar char="•"/>
+              <a:defRPr sz="2200" kern="1200">
+                <a:solidFill>
+                  <a:schemeClr val="accent1"/>
+                </a:solidFill>
+                <a:latin typeface="+mn-lt"/>
+                <a:ea typeface="+mn-ea"/>
+                <a:cs typeface="+mn-cs"/>
+              </a:defRPr>
+            </a:lvl1pPr>
+            <a:lvl2pPr marL="457200" indent="-182880" algn="l" defTabSz="914400" rtl="0" eaLnBrk="1" latinLnBrk="0" hangingPunct="1">
+              <a:lnSpc>
+                <a:spcPct val="90000"/>
+              </a:lnSpc>
+              <a:spcBef>
+                <a:spcPts val="200"/>
+              </a:spcBef>
+              <a:spcAft>
+                <a:spcPts val="400"/>
+              </a:spcAft>
+              <a:buClr>
+                <a:schemeClr val="accent1"/>
+              </a:buClr>
+              <a:buSzPct val="80000"/>
+              <a:buFont typeface="Corbel" pitchFamily="34" charset="0"/>
+              <a:buChar char="•"/>
+              <a:defRPr sz="2000" kern="1200">
+                <a:solidFill>
+                  <a:schemeClr val="accent1"/>
+                </a:solidFill>
+                <a:latin typeface="+mn-lt"/>
+                <a:ea typeface="+mn-ea"/>
+                <a:cs typeface="+mn-cs"/>
+              </a:defRPr>
+            </a:lvl2pPr>
+            <a:lvl3pPr marL="731520" indent="-182880" algn="l" defTabSz="914400" rtl="0" eaLnBrk="1" latinLnBrk="0" hangingPunct="1">
+              <a:lnSpc>
+                <a:spcPct val="90000"/>
+              </a:lnSpc>
+              <a:spcBef>
+                <a:spcPts val="200"/>
+              </a:spcBef>
+              <a:spcAft>
+                <a:spcPts val="400"/>
+              </a:spcAft>
+              <a:buClr>
+                <a:schemeClr val="accent1"/>
+              </a:buClr>
+              <a:buSzPct val="80000"/>
+              <a:buFont typeface="Corbel" pitchFamily="34" charset="0"/>
+              <a:buChar char="•"/>
+              <a:defRPr sz="1800" kern="1200">
+                <a:solidFill>
+                  <a:schemeClr val="accent1"/>
+                </a:solidFill>
+                <a:latin typeface="+mn-lt"/>
+                <a:ea typeface="+mn-ea"/>
+                <a:cs typeface="+mn-cs"/>
+              </a:defRPr>
+            </a:lvl3pPr>
+            <a:lvl4pPr marL="1005840" indent="-182880" algn="l" defTabSz="914400" rtl="0" eaLnBrk="1" latinLnBrk="0" hangingPunct="1">
+              <a:lnSpc>
+                <a:spcPct val="90000"/>
+              </a:lnSpc>
+              <a:spcBef>
+                <a:spcPts val="200"/>
+              </a:spcBef>
+              <a:spcAft>
+                <a:spcPts val="400"/>
+              </a:spcAft>
+              <a:buClr>
+                <a:schemeClr val="accent1"/>
+              </a:buClr>
+              <a:buSzPct val="80000"/>
+              <a:buFont typeface="Corbel" pitchFamily="34" charset="0"/>
+              <a:buChar char="•"/>
+              <a:defRPr sz="1600" kern="1200">
+                <a:solidFill>
+                  <a:schemeClr val="accent1"/>
+                </a:solidFill>
+                <a:latin typeface="+mn-lt"/>
+                <a:ea typeface="+mn-ea"/>
+                <a:cs typeface="+mn-cs"/>
+              </a:defRPr>
+            </a:lvl4pPr>
+            <a:lvl5pPr marL="1280160" indent="-182880" algn="l" defTabSz="914400" rtl="0" eaLnBrk="1" latinLnBrk="0" hangingPunct="1">
+              <a:lnSpc>
+                <a:spcPct val="90000"/>
+              </a:lnSpc>
+              <a:spcBef>
+                <a:spcPts val="200"/>
+              </a:spcBef>
+              <a:spcAft>
+                <a:spcPts val="400"/>
+              </a:spcAft>
+              <a:buClr>
+                <a:schemeClr val="accent1"/>
+              </a:buClr>
+              <a:buSzPct val="80000"/>
+              <a:buFont typeface="Corbel" pitchFamily="34" charset="0"/>
+              <a:buChar char="•"/>
+              <a:defRPr sz="1600" kern="1200">
+                <a:solidFill>
+                  <a:schemeClr val="accent1"/>
+                </a:solidFill>
+                <a:latin typeface="+mn-lt"/>
+                <a:ea typeface="+mn-ea"/>
+                <a:cs typeface="+mn-cs"/>
+              </a:defRPr>
+            </a:lvl5pPr>
+            <a:lvl6pPr marL="1600000" indent="-228600" algn="l" defTabSz="914400" rtl="0" eaLnBrk="1" latinLnBrk="0" hangingPunct="1">
+              <a:lnSpc>
+                <a:spcPct val="90000"/>
+              </a:lnSpc>
+              <a:spcBef>
+                <a:spcPts val="200"/>
+              </a:spcBef>
+              <a:spcAft>
+                <a:spcPts val="400"/>
+              </a:spcAft>
+              <a:buClr>
+                <a:schemeClr val="accent1"/>
+              </a:buClr>
+              <a:buSzPct val="80000"/>
+              <a:buFont typeface="Corbel" pitchFamily="34" charset="0"/>
+              <a:buChar char="•"/>
+              <a:defRPr sz="1600" kern="1200">
+                <a:solidFill>
+                  <a:schemeClr val="accent1"/>
+                </a:solidFill>
+                <a:latin typeface="+mn-lt"/>
+                <a:ea typeface="+mn-ea"/>
+                <a:cs typeface="+mn-cs"/>
+              </a:defRPr>
+            </a:lvl6pPr>
+            <a:lvl7pPr marL="1900000" indent="-228600" algn="l" defTabSz="914400" rtl="0" eaLnBrk="1" latinLnBrk="0" hangingPunct="1">
+              <a:lnSpc>
+                <a:spcPct val="90000"/>
+              </a:lnSpc>
+              <a:spcBef>
+                <a:spcPts val="200"/>
+              </a:spcBef>
+              <a:spcAft>
+                <a:spcPts val="400"/>
+              </a:spcAft>
+              <a:buClr>
+                <a:schemeClr val="accent1"/>
+              </a:buClr>
+              <a:buSzPct val="80000"/>
+              <a:buFont typeface="Corbel" pitchFamily="34" charset="0"/>
+              <a:buChar char="•"/>
+              <a:defRPr sz="1600" kern="1200">
+                <a:solidFill>
+                  <a:schemeClr val="accent1"/>
+                </a:solidFill>
+                <a:latin typeface="+mn-lt"/>
+                <a:ea typeface="+mn-ea"/>
+                <a:cs typeface="+mn-cs"/>
+              </a:defRPr>
+            </a:lvl7pPr>
+            <a:lvl8pPr marL="2200000" indent="-228600" algn="l" defTabSz="914400" rtl="0" eaLnBrk="1" latinLnBrk="0" hangingPunct="1">
+              <a:lnSpc>
+                <a:spcPct val="90000"/>
+              </a:lnSpc>
+              <a:spcBef>
+                <a:spcPts val="200"/>
+              </a:spcBef>
+              <a:spcAft>
+                <a:spcPts val="400"/>
+              </a:spcAft>
+              <a:buClr>
+                <a:schemeClr val="accent1"/>
+              </a:buClr>
+              <a:buSzPct val="80000"/>
+              <a:buFont typeface="Corbel" pitchFamily="34" charset="0"/>
+              <a:buChar char="•"/>
+              <a:defRPr sz="1600" kern="1200">
+                <a:solidFill>
+                  <a:schemeClr val="accent1"/>
+                </a:solidFill>
+                <a:latin typeface="+mn-lt"/>
+                <a:ea typeface="+mn-ea"/>
+                <a:cs typeface="+mn-cs"/>
+              </a:defRPr>
+            </a:lvl8pPr>
+            <a:lvl9pPr marL="2500000" indent="-228600" algn="l" defTabSz="914400" rtl="0" eaLnBrk="1" latinLnBrk="0" hangingPunct="1">
+              <a:lnSpc>
+                <a:spcPct val="90000"/>
+              </a:lnSpc>
+              <a:spcBef>
+                <a:spcPts val="200"/>
+              </a:spcBef>
+              <a:spcAft>
+                <a:spcPts val="400"/>
+              </a:spcAft>
+              <a:buClr>
+                <a:schemeClr val="accent1"/>
+              </a:buClr>
+              <a:buSzPct val="80000"/>
+              <a:buFont typeface="Corbel" pitchFamily="34" charset="0"/>
+              <a:buChar char="•"/>
+              <a:defRPr sz="1600" kern="1200">
+                <a:solidFill>
+                  <a:schemeClr val="accent1"/>
+                </a:solidFill>
+                <a:latin typeface="+mn-lt"/>
+                <a:ea typeface="+mn-ea"/>
+                <a:cs typeface="+mn-cs"/>
+              </a:defRPr>
+            </a:lvl9pPr>
+          </a:lstStyle>
+          <a:p>
+            <a:r>
+              <a:rPr lang="es-CR" sz="2000" dirty="0" smtClean="0">
+                <a:solidFill>
+                  <a:schemeClr val="tx1"/>
+                </a:solidFill>
+              </a:rPr>
+              <a:t>Esclusa de mineral</a:t>
+            </a:r>
+          </a:p>
+          <a:p>
+            <a:pPr marL="45720" indent="0">
+              <a:buFont typeface="Corbel" pitchFamily="34" charset="0"/>
+              <a:buNone/>
+            </a:pPr>
+            <a:endParaRPr lang="es-CR" dirty="0" smtClean="0"/>
+          </a:p>
+        </p:txBody>
+      </p:sp>
+      <p:pic>
+        <p:nvPicPr>
+          <p:cNvPr id="9" name="Imagen 8"/>
+          <p:cNvPicPr>
+            <a:picLocks noChangeAspect="1"/>
+          </p:cNvPicPr>
+          <p:nvPr/>
+        </p:nvPicPr>
+        <p:blipFill>
+          <a:blip r:embed="rId2"/>
+          <a:stretch>
+            <a:fillRect/>
+          </a:stretch>
+        </p:blipFill>
+        <p:spPr>
+          <a:xfrm>
+            <a:off x="1143000" y="2435468"/>
+            <a:ext cx="3162115" cy="4090621"/>
+          </a:xfrm>
+          <a:prstGeom prst="rect">
+            <a:avLst/>
+          </a:prstGeom>
+        </p:spPr>
+      </p:pic>
+      <p:pic>
+        <p:nvPicPr>
+          <p:cNvPr id="10" name="Imagen 9"/>
+          <p:cNvPicPr>
+            <a:picLocks noChangeAspect="1"/>
+          </p:cNvPicPr>
+          <p:nvPr/>
+        </p:nvPicPr>
+        <p:blipFill>
+          <a:blip r:embed="rId3"/>
+          <a:stretch>
+            <a:fillRect/>
+          </a:stretch>
+        </p:blipFill>
+        <p:spPr>
+          <a:xfrm>
+            <a:off x="5237285" y="2518848"/>
+            <a:ext cx="4679915" cy="3407168"/>
+          </a:xfrm>
+          <a:prstGeom prst="rect">
+            <a:avLst/>
+          </a:prstGeom>
+        </p:spPr>
+      </p:pic>
+    </p:spTree>
+    <p:extLst>
+      <p:ext uri="{BB962C8B-B14F-4D97-AF65-F5344CB8AC3E}">
+        <p14:creationId xmlns:p14="http://schemas.microsoft.com/office/powerpoint/2010/main" val="3270918780"/>
+      </p:ext>
+    </p:extLst>
+  </p:cSld>
+  <p:clrMapOvr>
+    <a:masterClrMapping/>
+  </p:clrMapOvr>
+  <p:timing>
+    <p:tnLst>
+      <p:par>
+        <p:cTn id="1" dur="indefinite" restart="never" nodeType="tmRoot"/>
+      </p:par>
+    </p:tnLst>
+  </p:timing>
+</p:sld>
+</file>
+
+<file path=ppt/slides/slide9.xml><?xml version="1.0" encoding="utf-8"?>
+<p:sld xmlns:a="http://schemas.openxmlformats.org/drawingml/2006/main" xmlns:r="http://schemas.openxmlformats.org/officeDocument/2006/relationships" xmlns:p="http://schemas.openxmlformats.org/presentationml/2006/main">
+  <p:cSld>
+    <p:spTree>
+      <p:nvGrpSpPr>
+        <p:cNvPr id="1" name=""/>
+        <p:cNvGrpSpPr/>
+        <p:nvPr/>
+      </p:nvGrpSpPr>
+      <p:grpSpPr>
+        <a:xfrm>
+          <a:off x="0" y="0"/>
+          <a:ext cx="0" cy="0"/>
+          <a:chOff x="0" y="0"/>
+          <a:chExt cx="0" cy="0"/>
+        </a:xfrm>
+      </p:grpSpPr>
+      <p:sp>
+        <p:nvSpPr>
+          <p:cNvPr id="2" name="Título 1"/>
+          <p:cNvSpPr>
+            <a:spLocks noGrp="1"/>
+          </p:cNvSpPr>
+          <p:nvPr>
+            <p:ph type="title"/>
+          </p:nvPr>
+        </p:nvSpPr>
+        <p:spPr/>
+        <p:txBody>
           <a:bodyPr/>
           <a:lstStyle/>
           <a:p>
@@ -11864,61 +16012,7 @@
                   <a:schemeClr val="tx1"/>
                 </a:solidFill>
               </a:rPr>
-              <a:t>Se presenta una tolva principal de concentrado que funciona como cama para los otros alimentos.</a:t>
-            </a:r>
-          </a:p>
-          <a:p>
-            <a:r>
-              <a:rPr lang="es-CR" dirty="0" smtClean="0">
-                <a:solidFill>
-                  <a:schemeClr val="tx1"/>
-                </a:solidFill>
-              </a:rPr>
-              <a:t>Transportados con banda en V.</a:t>
-            </a:r>
-          </a:p>
-          <a:p>
-            <a:r>
-              <a:rPr lang="es-CR" dirty="0" smtClean="0">
-                <a:solidFill>
-                  <a:schemeClr val="tx1"/>
-                </a:solidFill>
-              </a:rPr>
-              <a:t>Flujo de alimentos es controlado mediante una </a:t>
-            </a:r>
-            <a:r>
-              <a:rPr lang="es-CR" dirty="0" err="1" smtClean="0">
-                <a:solidFill>
-                  <a:schemeClr val="tx1"/>
-                </a:solidFill>
-              </a:rPr>
-              <a:t>valvula</a:t>
-            </a:r>
-            <a:r>
-              <a:rPr lang="es-CR" dirty="0" smtClean="0">
-                <a:solidFill>
-                  <a:schemeClr val="tx1"/>
-                </a:solidFill>
-              </a:rPr>
-              <a:t> de cuchilla.</a:t>
-            </a:r>
-          </a:p>
-          <a:p>
-            <a:r>
-              <a:rPr lang="es-CR" dirty="0" smtClean="0">
-                <a:solidFill>
-                  <a:schemeClr val="tx1"/>
-                </a:solidFill>
-              </a:rPr>
-              <a:t>Celdas de carga se mide </a:t>
-            </a:r>
-            <a:r>
-              <a:rPr lang="es-CR" smtClean="0">
-                <a:solidFill>
-                  <a:schemeClr val="tx1"/>
-                </a:solidFill>
-              </a:rPr>
-              <a:t>por diferencia.</a:t>
+              <a:t>Dosificadores para levadura</a:t>
             </a:r>
             <a:endParaRPr lang="es-CR" dirty="0">
               <a:solidFill>
@@ -11930,7 +16024,7 @@
       </p:sp>
       <p:sp>
         <p:nvSpPr>
-          <p:cNvPr id="4" name="Marcador de número de diapositiva 3"/>
+          <p:cNvPr id="3" name="Marcador de número de diapositiva 2"/>
           <p:cNvSpPr>
             <a:spLocks noGrp="1"/>
           </p:cNvSpPr>
@@ -11945,16 +16039,370 @@
           <a:p>
             <a:fld id="{5B27CDC1-117D-4425-A72F-8A90F6D88CD2}" type="slidenum">
               <a:rPr lang="es-CR" smtClean="0"/>
-              <a:t>8</a:t>
+              <a:t>9</a:t>
             </a:fld>
             <a:endParaRPr lang="es-CR" dirty="0"/>
           </a:p>
         </p:txBody>
       </p:sp>
+      <p:sp>
+        <p:nvSpPr>
+          <p:cNvPr id="5" name="Marcador de contenido 4"/>
+          <p:cNvSpPr>
+            <a:spLocks noGrp="1"/>
+          </p:cNvSpPr>
+          <p:nvPr>
+            <p:ph idx="1"/>
+          </p:nvPr>
+        </p:nvSpPr>
+        <p:spPr>
+          <a:xfrm>
+            <a:off x="1143000" y="1965960"/>
+            <a:ext cx="5798127" cy="4038600"/>
+          </a:xfrm>
+        </p:spPr>
+        <p:txBody>
+          <a:bodyPr>
+            <a:normAutofit/>
+          </a:bodyPr>
+          <a:lstStyle/>
+          <a:p>
+            <a:r>
+              <a:rPr lang="es-CR" dirty="0">
+                <a:solidFill>
+                  <a:schemeClr val="tx1"/>
+                </a:solidFill>
+              </a:rPr>
+              <a:t>T</a:t>
+            </a:r>
+            <a:r>
+              <a:rPr lang="es-CR" dirty="0" smtClean="0">
+                <a:solidFill>
+                  <a:schemeClr val="tx1"/>
+                </a:solidFill>
+              </a:rPr>
+              <a:t>ambor giratorio vertical</a:t>
+            </a:r>
+          </a:p>
+        </p:txBody>
+      </p:sp>
+      <p:pic>
+        <p:nvPicPr>
+          <p:cNvPr id="4" name="Imagen 3"/>
+          <p:cNvPicPr>
+            <a:picLocks noChangeAspect="1"/>
+          </p:cNvPicPr>
+          <p:nvPr/>
+        </p:nvPicPr>
+        <p:blipFill rotWithShape="1">
+          <a:blip r:embed="rId3"/>
+          <a:srcRect b="2796"/>
+          <a:stretch/>
+        </p:blipFill>
+        <p:spPr>
+          <a:xfrm>
+            <a:off x="1541829" y="2321168"/>
+            <a:ext cx="2959833" cy="3947747"/>
+          </a:xfrm>
+          <a:prstGeom prst="rect">
+            <a:avLst/>
+          </a:prstGeom>
+        </p:spPr>
+      </p:pic>
+      <p:sp>
+        <p:nvSpPr>
+          <p:cNvPr id="6" name="Marcador de contenido 4"/>
+          <p:cNvSpPr txBox="1">
+            <a:spLocks/>
+          </p:cNvSpPr>
+          <p:nvPr/>
+        </p:nvSpPr>
+        <p:spPr>
+          <a:xfrm>
+            <a:off x="5294558" y="1965960"/>
+            <a:ext cx="5798127" cy="4038600"/>
+          </a:xfrm>
+          <a:prstGeom prst="rect">
+            <a:avLst/>
+          </a:prstGeom>
+        </p:spPr>
+        <p:txBody>
+          <a:bodyPr vert="horz" lIns="91440" tIns="45720" rIns="91440" bIns="45720" rtlCol="0">
+            <a:normAutofit/>
+          </a:bodyPr>
+          <a:lstStyle>
+            <a:lvl1pPr marL="228600" indent="-182880" algn="l" defTabSz="914400" rtl="0" eaLnBrk="1" latinLnBrk="0" hangingPunct="1">
+              <a:lnSpc>
+                <a:spcPct val="90000"/>
+              </a:lnSpc>
+              <a:spcBef>
+                <a:spcPts val="1400"/>
+              </a:spcBef>
+              <a:buClr>
+                <a:schemeClr val="accent1"/>
+              </a:buClr>
+              <a:buSzPct val="80000"/>
+              <a:buFont typeface="Corbel" pitchFamily="34" charset="0"/>
+              <a:buChar char="•"/>
+              <a:defRPr sz="2200" kern="1200">
+                <a:solidFill>
+                  <a:schemeClr val="accent1"/>
+                </a:solidFill>
+                <a:latin typeface="+mn-lt"/>
+                <a:ea typeface="+mn-ea"/>
+                <a:cs typeface="+mn-cs"/>
+              </a:defRPr>
+            </a:lvl1pPr>
+            <a:lvl2pPr marL="457200" indent="-182880" algn="l" defTabSz="914400" rtl="0" eaLnBrk="1" latinLnBrk="0" hangingPunct="1">
+              <a:lnSpc>
+                <a:spcPct val="90000"/>
+              </a:lnSpc>
+              <a:spcBef>
+                <a:spcPts val="200"/>
+              </a:spcBef>
+              <a:spcAft>
+                <a:spcPts val="400"/>
+              </a:spcAft>
+              <a:buClr>
+                <a:schemeClr val="accent1"/>
+              </a:buClr>
+              <a:buSzPct val="80000"/>
+              <a:buFont typeface="Corbel" pitchFamily="34" charset="0"/>
+              <a:buChar char="•"/>
+              <a:defRPr sz="2000" kern="1200">
+                <a:solidFill>
+                  <a:schemeClr val="accent1"/>
+                </a:solidFill>
+                <a:latin typeface="+mn-lt"/>
+                <a:ea typeface="+mn-ea"/>
+                <a:cs typeface="+mn-cs"/>
+              </a:defRPr>
+            </a:lvl2pPr>
+            <a:lvl3pPr marL="731520" indent="-182880" algn="l" defTabSz="914400" rtl="0" eaLnBrk="1" latinLnBrk="0" hangingPunct="1">
+              <a:lnSpc>
+                <a:spcPct val="90000"/>
+              </a:lnSpc>
+              <a:spcBef>
+                <a:spcPts val="200"/>
+              </a:spcBef>
+              <a:spcAft>
+                <a:spcPts val="400"/>
+              </a:spcAft>
+              <a:buClr>
+                <a:schemeClr val="accent1"/>
+              </a:buClr>
+              <a:buSzPct val="80000"/>
+              <a:buFont typeface="Corbel" pitchFamily="34" charset="0"/>
+              <a:buChar char="•"/>
+              <a:defRPr sz="1800" kern="1200">
+                <a:solidFill>
+                  <a:schemeClr val="accent1"/>
+                </a:solidFill>
+                <a:latin typeface="+mn-lt"/>
+                <a:ea typeface="+mn-ea"/>
+                <a:cs typeface="+mn-cs"/>
+              </a:defRPr>
+            </a:lvl3pPr>
+            <a:lvl4pPr marL="1005840" indent="-182880" algn="l" defTabSz="914400" rtl="0" eaLnBrk="1" latinLnBrk="0" hangingPunct="1">
+              <a:lnSpc>
+                <a:spcPct val="90000"/>
+              </a:lnSpc>
+              <a:spcBef>
+                <a:spcPts val="200"/>
+              </a:spcBef>
+              <a:spcAft>
+                <a:spcPts val="400"/>
+              </a:spcAft>
+              <a:buClr>
+                <a:schemeClr val="accent1"/>
+              </a:buClr>
+              <a:buSzPct val="80000"/>
+              <a:buFont typeface="Corbel" pitchFamily="34" charset="0"/>
+              <a:buChar char="•"/>
+              <a:defRPr sz="1600" kern="1200">
+                <a:solidFill>
+                  <a:schemeClr val="accent1"/>
+                </a:solidFill>
+                <a:latin typeface="+mn-lt"/>
+                <a:ea typeface="+mn-ea"/>
+                <a:cs typeface="+mn-cs"/>
+              </a:defRPr>
+            </a:lvl4pPr>
+            <a:lvl5pPr marL="1280160" indent="-182880" algn="l" defTabSz="914400" rtl="0" eaLnBrk="1" latinLnBrk="0" hangingPunct="1">
+              <a:lnSpc>
+                <a:spcPct val="90000"/>
+              </a:lnSpc>
+              <a:spcBef>
+                <a:spcPts val="200"/>
+              </a:spcBef>
+              <a:spcAft>
+                <a:spcPts val="400"/>
+              </a:spcAft>
+              <a:buClr>
+                <a:schemeClr val="accent1"/>
+              </a:buClr>
+              <a:buSzPct val="80000"/>
+              <a:buFont typeface="Corbel" pitchFamily="34" charset="0"/>
+              <a:buChar char="•"/>
+              <a:defRPr sz="1600" kern="1200">
+                <a:solidFill>
+                  <a:schemeClr val="accent1"/>
+                </a:solidFill>
+                <a:latin typeface="+mn-lt"/>
+                <a:ea typeface="+mn-ea"/>
+                <a:cs typeface="+mn-cs"/>
+              </a:defRPr>
+            </a:lvl5pPr>
+            <a:lvl6pPr marL="1600000" indent="-228600" algn="l" defTabSz="914400" rtl="0" eaLnBrk="1" latinLnBrk="0" hangingPunct="1">
+              <a:lnSpc>
+                <a:spcPct val="90000"/>
+              </a:lnSpc>
+              <a:spcBef>
+                <a:spcPts val="200"/>
+              </a:spcBef>
+              <a:spcAft>
+                <a:spcPts val="400"/>
+              </a:spcAft>
+              <a:buClr>
+                <a:schemeClr val="accent1"/>
+              </a:buClr>
+              <a:buSzPct val="80000"/>
+              <a:buFont typeface="Corbel" pitchFamily="34" charset="0"/>
+              <a:buChar char="•"/>
+              <a:defRPr sz="1600" kern="1200">
+                <a:solidFill>
+                  <a:schemeClr val="accent1"/>
+                </a:solidFill>
+                <a:latin typeface="+mn-lt"/>
+                <a:ea typeface="+mn-ea"/>
+                <a:cs typeface="+mn-cs"/>
+              </a:defRPr>
+            </a:lvl6pPr>
+            <a:lvl7pPr marL="1900000" indent="-228600" algn="l" defTabSz="914400" rtl="0" eaLnBrk="1" latinLnBrk="0" hangingPunct="1">
+              <a:lnSpc>
+                <a:spcPct val="90000"/>
+              </a:lnSpc>
+              <a:spcBef>
+                <a:spcPts val="200"/>
+              </a:spcBef>
+              <a:spcAft>
+                <a:spcPts val="400"/>
+              </a:spcAft>
+              <a:buClr>
+                <a:schemeClr val="accent1"/>
+              </a:buClr>
+              <a:buSzPct val="80000"/>
+              <a:buFont typeface="Corbel" pitchFamily="34" charset="0"/>
+              <a:buChar char="•"/>
+              <a:defRPr sz="1600" kern="1200">
+                <a:solidFill>
+                  <a:schemeClr val="accent1"/>
+                </a:solidFill>
+                <a:latin typeface="+mn-lt"/>
+                <a:ea typeface="+mn-ea"/>
+                <a:cs typeface="+mn-cs"/>
+              </a:defRPr>
+            </a:lvl7pPr>
+            <a:lvl8pPr marL="2200000" indent="-228600" algn="l" defTabSz="914400" rtl="0" eaLnBrk="1" latinLnBrk="0" hangingPunct="1">
+              <a:lnSpc>
+                <a:spcPct val="90000"/>
+              </a:lnSpc>
+              <a:spcBef>
+                <a:spcPts val="200"/>
+              </a:spcBef>
+              <a:spcAft>
+                <a:spcPts val="400"/>
+              </a:spcAft>
+              <a:buClr>
+                <a:schemeClr val="accent1"/>
+              </a:buClr>
+              <a:buSzPct val="80000"/>
+              <a:buFont typeface="Corbel" pitchFamily="34" charset="0"/>
+              <a:buChar char="•"/>
+              <a:defRPr sz="1600" kern="1200">
+                <a:solidFill>
+                  <a:schemeClr val="accent1"/>
+                </a:solidFill>
+                <a:latin typeface="+mn-lt"/>
+                <a:ea typeface="+mn-ea"/>
+                <a:cs typeface="+mn-cs"/>
+              </a:defRPr>
+            </a:lvl8pPr>
+            <a:lvl9pPr marL="2500000" indent="-228600" algn="l" defTabSz="914400" rtl="0" eaLnBrk="1" latinLnBrk="0" hangingPunct="1">
+              <a:lnSpc>
+                <a:spcPct val="90000"/>
+              </a:lnSpc>
+              <a:spcBef>
+                <a:spcPts val="200"/>
+              </a:spcBef>
+              <a:spcAft>
+                <a:spcPts val="400"/>
+              </a:spcAft>
+              <a:buClr>
+                <a:schemeClr val="accent1"/>
+              </a:buClr>
+              <a:buSzPct val="80000"/>
+              <a:buFont typeface="Corbel" pitchFamily="34" charset="0"/>
+              <a:buChar char="•"/>
+              <a:defRPr sz="1600" kern="1200">
+                <a:solidFill>
+                  <a:schemeClr val="accent1"/>
+                </a:solidFill>
+                <a:latin typeface="+mn-lt"/>
+                <a:ea typeface="+mn-ea"/>
+                <a:cs typeface="+mn-cs"/>
+              </a:defRPr>
+            </a:lvl9pPr>
+          </a:lstStyle>
+          <a:p>
+            <a:r>
+              <a:rPr lang="es-CR" dirty="0" smtClean="0">
+                <a:solidFill>
+                  <a:schemeClr val="tx1"/>
+                </a:solidFill>
+              </a:rPr>
+              <a:t>Tambor giratorio horizontal</a:t>
+            </a:r>
+          </a:p>
+          <a:p>
+            <a:pPr marL="45720" indent="0">
+              <a:buNone/>
+            </a:pPr>
+            <a:endParaRPr lang="es-CR" dirty="0" smtClean="0">
+              <a:solidFill>
+                <a:schemeClr val="tx1"/>
+              </a:solidFill>
+            </a:endParaRPr>
+          </a:p>
+        </p:txBody>
+      </p:sp>
+      <p:pic>
+        <p:nvPicPr>
+          <p:cNvPr id="10" name="Imagen 9"/>
+          <p:cNvPicPr>
+            <a:picLocks noChangeAspect="1"/>
+          </p:cNvPicPr>
+          <p:nvPr/>
+        </p:nvPicPr>
+        <p:blipFill rotWithShape="1">
+          <a:blip r:embed="rId4"/>
+          <a:srcRect t="2822" b="2287"/>
+          <a:stretch/>
+        </p:blipFill>
+        <p:spPr>
+          <a:xfrm>
+            <a:off x="5829301" y="2329962"/>
+            <a:ext cx="2503509" cy="4158761"/>
+          </a:xfrm>
+          <a:prstGeom prst="rect">
+            <a:avLst/>
+          </a:prstGeom>
+        </p:spPr>
+      </p:pic>
     </p:spTree>
     <p:extLst>
       <p:ext uri="{BB962C8B-B14F-4D97-AF65-F5344CB8AC3E}">
-        <p14:creationId xmlns:p14="http://schemas.microsoft.com/office/powerpoint/2010/main" val="1882219682"/>
+        <p14:creationId xmlns:p14="http://schemas.microsoft.com/office/powerpoint/2010/main" val="3114722497"/>
       </p:ext>
     </p:extLst>
   </p:cSld>

--- a/Documentación/Entregables/Propuestas de solución.pptx
+++ b/Documentación/Entregables/Propuestas de solución.pptx
@@ -1066,11 +1066,7 @@
           <a:p>
             <a:r>
               <a:rPr lang="es-CR" baseline="0" dirty="0" smtClean="0"/>
-              <a:t>Argumento que es un consumible</a:t>
-            </a:r>
-            <a:r>
-              <a:rPr lang="es-CR" baseline="0" dirty="0" smtClean="0"/>
-              <a:t>.</a:t>
+              <a:t>Argumento que es un consumible.</a:t>
             </a:r>
           </a:p>
           <a:p>
@@ -10708,11 +10704,7 @@
                     <a:p>
                       <a:r>
                         <a:rPr lang="es-CR" sz="1400" dirty="0" smtClean="0"/>
-                        <a:t>Es auto </a:t>
-                      </a:r>
-                      <a:r>
-                        <a:rPr lang="es-CR" sz="1400" dirty="0" smtClean="0"/>
-                        <a:t>limpiante.</a:t>
+                        <a:t>Es auto limpiante.</a:t>
                       </a:r>
                       <a:endParaRPr lang="es-CR" sz="1400" dirty="0"/>
                     </a:p>
@@ -10751,11 +10743,7 @@
                       </a:r>
                       <a:r>
                         <a:rPr lang="es-CR" sz="1400" baseline="0" dirty="0" smtClean="0"/>
-                        <a:t> dosificación controlada y </a:t>
-                      </a:r>
-                      <a:r>
-                        <a:rPr lang="es-CR" sz="1400" baseline="0" dirty="0" smtClean="0"/>
-                        <a:t>variable.</a:t>
+                        <a:t> dosificación controlada y variable.</a:t>
                       </a:r>
                       <a:endParaRPr lang="es-CR" sz="1400" dirty="0"/>
                     </a:p>
@@ -10790,11 +10778,7 @@
                     <a:p>
                       <a:r>
                         <a:rPr lang="es-CR" sz="1400" dirty="0" smtClean="0"/>
-                        <a:t>Medición “directa” del </a:t>
-                      </a:r>
-                      <a:r>
-                        <a:rPr lang="es-CR" sz="1400" dirty="0" smtClean="0"/>
-                        <a:t>peso.</a:t>
+                        <a:t>Medición “directa” del peso.</a:t>
                       </a:r>
                       <a:endParaRPr lang="es-CR" sz="1400" dirty="0"/>
                     </a:p>
@@ -10833,11 +10817,7 @@
                     <a:p>
                       <a:r>
                         <a:rPr lang="es-CR" sz="1400" dirty="0" smtClean="0"/>
-                        <a:t>Minimiza </a:t>
-                      </a:r>
-                      <a:r>
-                        <a:rPr lang="es-CR" sz="1400" dirty="0" smtClean="0"/>
-                        <a:t>re trabajos</a:t>
+                        <a:t>Minimiza re trabajos</a:t>
                       </a:r>
                       <a:r>
                         <a:rPr lang="es-CR" sz="1400" baseline="0" dirty="0" smtClean="0"/>
@@ -10923,15 +10903,7 @@
                       </a:r>
                       <a:r>
                         <a:rPr lang="es-CR" sz="1400" baseline="0" dirty="0" smtClean="0"/>
-                        <a:t> proteger la tolva de </a:t>
-                      </a:r>
-                      <a:r>
-                        <a:rPr lang="es-CR" sz="1400" baseline="0" dirty="0" smtClean="0"/>
-                        <a:t>romana ante </a:t>
-                      </a:r>
-                      <a:r>
-                        <a:rPr lang="es-CR" sz="1400" baseline="0" dirty="0" smtClean="0"/>
-                        <a:t>golpes o accidentes.</a:t>
+                        <a:t> proteger la tolva de romana ante golpes o accidentes.</a:t>
                       </a:r>
                       <a:endParaRPr lang="es-CR" sz="1400" dirty="0"/>
                     </a:p>
@@ -10966,21 +10938,8 @@
                       </a:r>
                       <a:r>
                         <a:rPr lang="es-CR" sz="1400" baseline="0" dirty="0" smtClean="0"/>
-                        <a:t> el mantenimiento </a:t>
+                        <a:t> el mantenimiento de los aparatos de medición ya que solo es necesario retirar una tolva.</a:t>
                       </a:r>
-                      <a:r>
-                        <a:rPr lang="es-CR" sz="1400" baseline="0" dirty="0" smtClean="0"/>
-                        <a:t>de los aparatos de medición ya </a:t>
-                      </a:r>
-                      <a:r>
-                        <a:rPr lang="es-CR" sz="1400" baseline="0" dirty="0" smtClean="0"/>
-                        <a:t>que solo es necesario retirar </a:t>
-                      </a:r>
-                      <a:r>
-                        <a:rPr lang="es-CR" sz="1400" baseline="0" dirty="0" smtClean="0"/>
-                        <a:t>una tolva.</a:t>
-                      </a:r>
-                      <a:endParaRPr lang="es-CR" sz="1400" baseline="0" dirty="0" smtClean="0"/>
                     </a:p>
                   </a:txBody>
                   <a:tcPr/>
@@ -12198,11 +12157,7 @@
                     <a:p>
                       <a:r>
                         <a:rPr lang="es-CR" sz="1400" dirty="0" smtClean="0"/>
-                        <a:t>Requiere de </a:t>
-                      </a:r>
-                      <a:r>
-                        <a:rPr lang="es-CR" sz="1400" dirty="0" smtClean="0"/>
-                        <a:t>calibraciones</a:t>
+                        <a:t>Requiere de calibraciones</a:t>
                       </a:r>
                       <a:r>
                         <a:rPr lang="es-CR" sz="1400" baseline="0" dirty="0" smtClean="0"/>
@@ -12210,11 +12165,7 @@
                       </a:r>
                       <a:r>
                         <a:rPr lang="es-CR" sz="1400" dirty="0" smtClean="0"/>
-                        <a:t>más </a:t>
-                      </a:r>
-                      <a:r>
-                        <a:rPr lang="es-CR" sz="1400" dirty="0" smtClean="0"/>
-                        <a:t>complejas</a:t>
+                        <a:t>más complejas</a:t>
                       </a:r>
                       <a:endParaRPr lang="es-CR" sz="1400" dirty="0"/>
                     </a:p>
@@ -12535,23 +12486,7 @@
                   <a:schemeClr val="tx1"/>
                 </a:solidFill>
               </a:rPr>
-              <a:t>Los gruesos son dosificados por </a:t>
-            </a:r>
-            <a:r>
-              <a:rPr lang="es-CR" dirty="0" smtClean="0">
-                <a:solidFill>
-                  <a:schemeClr val="tx1"/>
-                </a:solidFill>
-              </a:rPr>
-              <a:t>TSF </a:t>
-            </a:r>
-            <a:r>
-              <a:rPr lang="es-CR" dirty="0" smtClean="0">
-                <a:solidFill>
-                  <a:schemeClr val="tx1"/>
-                </a:solidFill>
-              </a:rPr>
-              <a:t>mientras que los finos por vibradores.</a:t>
+              <a:t>Los gruesos son dosificados por TSF mientras que los finos por vibradores.</a:t>
             </a:r>
           </a:p>
           <a:p>
@@ -12586,23 +12521,7 @@
                   <a:schemeClr val="tx1"/>
                 </a:solidFill>
               </a:rPr>
-              <a:t>Todos los alimentos son recogidos por una gran </a:t>
-            </a:r>
-            <a:r>
-              <a:rPr lang="es-CR" dirty="0" smtClean="0">
-                <a:solidFill>
-                  <a:schemeClr val="tx1"/>
-                </a:solidFill>
-              </a:rPr>
-              <a:t>embudo que </a:t>
-            </a:r>
-            <a:r>
-              <a:rPr lang="es-CR" dirty="0" smtClean="0">
-                <a:solidFill>
-                  <a:schemeClr val="tx1"/>
-                </a:solidFill>
-              </a:rPr>
-              <a:t>los dirige a los tubos por gravedad.</a:t>
+              <a:t>Todos los alimentos son recogidos por una gran embudo que los dirige a los tubos por gravedad.</a:t>
             </a:r>
           </a:p>
           <a:p>
@@ -13540,15 +13459,7 @@
                     <a:p>
                       <a:r>
                         <a:rPr lang="es-CR" sz="1200" dirty="0" smtClean="0"/>
-                        <a:t>De todos los diseño es el más rápido ya que </a:t>
-                      </a:r>
-                      <a:r>
-                        <a:rPr lang="es-CR" sz="1200" dirty="0" smtClean="0"/>
-                        <a:t>dosifica </a:t>
-                      </a:r>
-                      <a:r>
-                        <a:rPr lang="es-CR" sz="1200" dirty="0" smtClean="0"/>
-                        <a:t>simultáneamente.</a:t>
+                        <a:t>De todos los diseño es el más rápido ya que dosifica simultáneamente.</a:t>
                       </a:r>
                       <a:endParaRPr lang="es-CR" sz="1200" dirty="0"/>
                     </a:p>
@@ -13609,11 +13520,7 @@
                       </a:r>
                       <a:r>
                         <a:rPr lang="es-CR" sz="1200" baseline="0" dirty="0" smtClean="0"/>
-                        <a:t> (desde 300 a 1 000 USD usados en </a:t>
-                      </a:r>
-                      <a:r>
-                        <a:rPr lang="es-CR" sz="1200" baseline="0" dirty="0" smtClean="0"/>
-                        <a:t>eBay).</a:t>
+                        <a:t> (desde 300 a 1 000 USD usados en eBay).</a:t>
                       </a:r>
                       <a:endParaRPr lang="es-CR" sz="1400" dirty="0"/>
                     </a:p>
@@ -14063,15 +13970,7 @@
                   <a:schemeClr val="tx1"/>
                 </a:solidFill>
               </a:rPr>
-              <a:t>Programas </a:t>
-            </a:r>
-            <a:r>
-              <a:rPr lang="es-CR" sz="2800" dirty="0" smtClean="0">
-                <a:solidFill>
-                  <a:schemeClr val="tx1"/>
-                </a:solidFill>
-              </a:rPr>
-              <a:t>del MICITT</a:t>
+              <a:t>Programas del MICITT</a:t>
             </a:r>
           </a:p>
           <a:p>
@@ -14095,11 +13994,6 @@
               </a:rPr>
               <a:t>PITS</a:t>
             </a:r>
-            <a:endParaRPr lang="es-CR" sz="2600" dirty="0" smtClean="0">
-              <a:solidFill>
-                <a:schemeClr val="tx1"/>
-              </a:solidFill>
-            </a:endParaRPr>
           </a:p>
           <a:p>
             <a:r>
@@ -14352,75 +14246,30 @@
                   <a:schemeClr val="tx1"/>
                 </a:solidFill>
               </a:rPr>
-              <a:t>Tener</a:t>
-            </a:r>
-            <a:r>
-              <a:rPr lang="es-MX" b="1" dirty="0" smtClean="0">
+              <a:t>Tener alianza con algún centro de desarrollo tecnológico.</a:t>
+            </a:r>
+          </a:p>
+          <a:p>
+            <a:pPr lvl="1"/>
+            <a:r>
+              <a:rPr lang="es-MX" dirty="0" smtClean="0">
                 <a:solidFill>
                   <a:schemeClr val="tx1"/>
                 </a:solidFill>
               </a:rPr>
-              <a:t> </a:t>
-            </a:r>
-            <a:r>
-              <a:rPr lang="es-MX" b="1" dirty="0" smtClean="0">
+              <a:t>Ser Pyme inscrita ante el MEIC.</a:t>
+            </a:r>
+          </a:p>
+          <a:p>
+            <a:pPr lvl="1"/>
+            <a:r>
+              <a:rPr lang="es-CR" dirty="0" smtClean="0">
                 <a:solidFill>
                   <a:schemeClr val="tx1"/>
                 </a:solidFill>
               </a:rPr>
-              <a:t>alianza con algún centro de desarrollo tecnológico.</a:t>
-            </a:r>
-          </a:p>
-          <a:p>
-            <a:pPr lvl="1"/>
-            <a:r>
-              <a:rPr lang="es-MX" dirty="0" smtClean="0">
-                <a:solidFill>
-                  <a:schemeClr val="tx1"/>
-                </a:solidFill>
-              </a:rPr>
-              <a:t>Ser </a:t>
-            </a:r>
-            <a:r>
-              <a:rPr lang="es-MX" dirty="0" smtClean="0">
-                <a:solidFill>
-                  <a:schemeClr val="tx1"/>
-                </a:solidFill>
-              </a:rPr>
-              <a:t>Pyme </a:t>
-            </a:r>
-            <a:r>
-              <a:rPr lang="es-MX" dirty="0" smtClean="0">
-                <a:solidFill>
-                  <a:schemeClr val="tx1"/>
-                </a:solidFill>
-              </a:rPr>
-              <a:t>inscrita ante el MEIC.</a:t>
-            </a:r>
-          </a:p>
-          <a:p>
-            <a:pPr lvl="1"/>
-            <a:r>
-              <a:rPr lang="es-CR" dirty="0" smtClean="0">
-                <a:solidFill>
-                  <a:schemeClr val="tx1"/>
-                </a:solidFill>
-              </a:rPr>
-              <a:t>Estar al día </a:t>
-            </a:r>
-            <a:r>
-              <a:rPr lang="es-CR" dirty="0" smtClean="0">
-                <a:solidFill>
-                  <a:schemeClr val="tx1"/>
-                </a:solidFill>
-              </a:rPr>
-              <a:t>con responsabilidades tributarias.</a:t>
-            </a:r>
-            <a:endParaRPr lang="es-CR" dirty="0" smtClean="0">
-              <a:solidFill>
-                <a:schemeClr val="tx1"/>
-              </a:solidFill>
-            </a:endParaRPr>
+              <a:t>Estar al día con responsabilidades tributarias.</a:t>
+            </a:r>
           </a:p>
           <a:p>
             <a:pPr lvl="1"/>
@@ -14462,37 +14311,8 @@
                   <a:schemeClr val="tx1"/>
                 </a:solidFill>
               </a:rPr>
-              <a:t>Financiamiento hasta </a:t>
-            </a:r>
-            <a:r>
-              <a:rPr lang="es-CR" dirty="0" smtClean="0">
-                <a:solidFill>
-                  <a:schemeClr val="tx1"/>
-                </a:solidFill>
-              </a:rPr>
-              <a:t>el </a:t>
-            </a:r>
-            <a:r>
-              <a:rPr lang="es-CR" dirty="0" smtClean="0">
-                <a:solidFill>
-                  <a:schemeClr val="tx1"/>
-                </a:solidFill>
-              </a:rPr>
-              <a:t>80% </a:t>
-            </a:r>
-            <a:r>
-              <a:rPr lang="es-CR" dirty="0" smtClean="0">
-                <a:solidFill>
-                  <a:schemeClr val="tx1"/>
-                </a:solidFill>
-              </a:rPr>
-              <a:t>del costo del proyecto.</a:t>
-            </a:r>
-            <a:endParaRPr lang="es-CR" dirty="0" smtClean="0">
-              <a:solidFill>
-                <a:schemeClr val="tx1"/>
-              </a:solidFill>
-            </a:endParaRPr>
+              <a:t>Financiamiento hasta el 80% del costo del proyecto.</a:t>
+            </a:r>
           </a:p>
           <a:p>
             <a:pPr lvl="1"/>
@@ -14513,23 +14333,7 @@
                   <a:schemeClr val="tx1"/>
                 </a:solidFill>
               </a:rPr>
-              <a:t>Duración máxima del proyecto </a:t>
-            </a:r>
-            <a:r>
-              <a:rPr lang="es-CR" dirty="0" smtClean="0">
-                <a:solidFill>
-                  <a:schemeClr val="tx1"/>
-                </a:solidFill>
-              </a:rPr>
-              <a:t>es de 24 </a:t>
-            </a:r>
-            <a:r>
-              <a:rPr lang="es-CR" dirty="0" smtClean="0">
-                <a:solidFill>
-                  <a:schemeClr val="tx1"/>
-                </a:solidFill>
-              </a:rPr>
-              <a:t>meses.</a:t>
+              <a:t>Duración máxima del proyecto es de 24 meses.</a:t>
             </a:r>
             <a:endParaRPr lang="es-CR" dirty="0">
               <a:solidFill>
@@ -14677,31 +14481,7 @@
                   <a:schemeClr val="tx1"/>
                 </a:solidFill>
               </a:rPr>
-              <a:t>Iniciativa del </a:t>
-            </a:r>
-            <a:r>
-              <a:rPr lang="es-MX" dirty="0" smtClean="0">
-                <a:solidFill>
-                  <a:schemeClr val="tx1"/>
-                </a:solidFill>
-              </a:rPr>
-              <a:t>MICITT </a:t>
-            </a:r>
-            <a:r>
-              <a:rPr lang="es-MX" dirty="0" smtClean="0">
-                <a:solidFill>
-                  <a:schemeClr val="tx1"/>
-                </a:solidFill>
-              </a:rPr>
-              <a:t>ejecutado por </a:t>
-            </a:r>
-            <a:r>
-              <a:rPr lang="es-MX" dirty="0" smtClean="0">
-                <a:solidFill>
-                  <a:schemeClr val="tx1"/>
-                </a:solidFill>
-              </a:rPr>
-              <a:t>la UCR</a:t>
+              <a:t>Iniciativa del MICITT ejecutado por la UCR</a:t>
             </a:r>
           </a:p>
           <a:p>
@@ -14713,11 +14493,6 @@
               </a:rPr>
               <a:t>Fomento de proyectos y empresas tecnológicas en diferentes sectores</a:t>
             </a:r>
-            <a:endParaRPr lang="es-MX" dirty="0" smtClean="0">
-              <a:solidFill>
-                <a:schemeClr val="tx1"/>
-              </a:solidFill>
-            </a:endParaRPr>
           </a:p>
           <a:p>
             <a:r>
@@ -14756,15 +14531,7 @@
                   <a:schemeClr val="tx1"/>
                 </a:solidFill>
               </a:rPr>
-              <a:t>networking</a:t>
-            </a:r>
-            <a:r>
-              <a:rPr lang="es-CR" i="1" dirty="0" smtClean="0">
-                <a:solidFill>
-                  <a:schemeClr val="tx1"/>
-                </a:solidFill>
-              </a:rPr>
-              <a:t> </a:t>
+              <a:t>networking </a:t>
             </a:r>
             <a:r>
               <a:rPr lang="es-CR" dirty="0" smtClean="0">
@@ -14801,11 +14568,6 @@
               </a:rPr>
               <a:t>” para optar por recursos de MICITT y SBD. (Mes de Agosto)</a:t>
             </a:r>
-            <a:endParaRPr lang="es-CR" dirty="0" smtClean="0">
-              <a:solidFill>
-                <a:schemeClr val="tx1"/>
-              </a:solidFill>
-            </a:endParaRPr>
           </a:p>
         </p:txBody>
       </p:sp>
@@ -14980,11 +14742,6 @@
               </a:rPr>
               <a:t>Puntos clave.</a:t>
             </a:r>
-            <a:endParaRPr lang="es-CR" sz="2200" dirty="0">
-              <a:solidFill>
-                <a:schemeClr val="tx1"/>
-              </a:solidFill>
-            </a:endParaRPr>
           </a:p>
           <a:p>
             <a:pPr lvl="1"/>
@@ -15132,73 +14889,17 @@
                   <a:schemeClr val="tx1"/>
                 </a:solidFill>
               </a:rPr>
-              <a:t>Los alimentos se almacenan en tolvas separadas, </a:t>
-            </a:r>
+              <a:t>Los alimentos se almacenan en tolvas separadas, la del concentrado y adicional podrían tener una pared divisoria.</a:t>
+            </a:r>
+          </a:p>
+          <a:p>
             <a:r>
               <a:rPr lang="es-CR" sz="2000" dirty="0" smtClean="0">
                 <a:solidFill>
                   <a:schemeClr val="tx1"/>
                 </a:solidFill>
               </a:rPr>
-              <a:t>la del </a:t>
-            </a:r>
-            <a:r>
-              <a:rPr lang="es-CR" sz="2000" dirty="0" smtClean="0">
-                <a:solidFill>
-                  <a:schemeClr val="tx1"/>
-                </a:solidFill>
-              </a:rPr>
-              <a:t>concentrado y adicional </a:t>
-            </a:r>
-            <a:r>
-              <a:rPr lang="es-CR" sz="2000" dirty="0" smtClean="0">
-                <a:solidFill>
-                  <a:schemeClr val="tx1"/>
-                </a:solidFill>
-              </a:rPr>
-              <a:t>podrían tener una </a:t>
-            </a:r>
-            <a:r>
-              <a:rPr lang="es-CR" sz="2000" dirty="0" smtClean="0">
-                <a:solidFill>
-                  <a:schemeClr val="tx1"/>
-                </a:solidFill>
-              </a:rPr>
-              <a:t>pared divisoria.</a:t>
-            </a:r>
-          </a:p>
-          <a:p>
-            <a:r>
-              <a:rPr lang="es-CR" sz="2000" dirty="0" smtClean="0">
-                <a:solidFill>
-                  <a:schemeClr val="tx1"/>
-                </a:solidFill>
-              </a:rPr>
-              <a:t>Estos son </a:t>
-            </a:r>
-            <a:r>
-              <a:rPr lang="es-CR" sz="2000" dirty="0" smtClean="0">
-                <a:solidFill>
-                  <a:schemeClr val="tx1"/>
-                </a:solidFill>
-              </a:rPr>
-              <a:t>transportados por un TSF con ligera inclinación y </a:t>
-            </a:r>
-            <a:r>
-              <a:rPr lang="es-CR" sz="2000" dirty="0" smtClean="0">
-                <a:solidFill>
-                  <a:schemeClr val="tx1"/>
-                </a:solidFill>
-              </a:rPr>
-              <a:t>medidos en </a:t>
-            </a:r>
-            <a:r>
-              <a:rPr lang="es-CR" sz="2000" dirty="0" smtClean="0">
-                <a:solidFill>
-                  <a:schemeClr val="tx1"/>
-                </a:solidFill>
-              </a:rPr>
-              <a:t>una tolva por sumatoria.</a:t>
+              <a:t>Estos son transportados por un TSF con ligera inclinación y medidos en una tolva por sumatoria.</a:t>
             </a:r>
           </a:p>
           <a:p>
@@ -15427,21 +15128,8 @@
                   <a:schemeClr val="tx1"/>
                 </a:solidFill>
               </a:rPr>
-              <a:t>Comenzar a dosificar el concentrado </a:t>
-            </a:r>
-            <a:r>
-              <a:rPr lang="es-CR" dirty="0" smtClean="0">
-                <a:solidFill>
-                  <a:schemeClr val="tx1"/>
-                </a:solidFill>
-              </a:rPr>
-              <a:t>con el TSF.</a:t>
-            </a:r>
-            <a:endParaRPr lang="es-CR" dirty="0" smtClean="0">
-              <a:solidFill>
-                <a:schemeClr val="tx1"/>
-              </a:solidFill>
-            </a:endParaRPr>
+              <a:t>Comenzar a dosificar el concentrado con el TSF.</a:t>
+            </a:r>
           </a:p>
           <a:p>
             <a:pPr lvl="1"/>
